--- a/resources/presentations/2024-11-7-MLOPS World - Austin LangChain Deck.pptx
+++ b/resources/presentations/2024-11-7-MLOPS World - Austin LangChain Deck.pptx
@@ -1,26 +1,25 @@
 
 <file path=ppt/presentation.xml><?xml version="1.0" encoding="utf-8"?>
-<p:presentation xmlns:a="http://schemas.openxmlformats.org/drawingml/2006/main" xmlns:r="http://schemas.openxmlformats.org/officeDocument/2006/relationships" xmlns:mc="http://schemas.openxmlformats.org/markup-compatibility/2006" xmlns:mv="urn:schemas-microsoft-com:mac:vml" xmlns:p="http://schemas.openxmlformats.org/presentationml/2006/main" xmlns:c="http://schemas.openxmlformats.org/drawingml/2006/chart" xmlns:dgm="http://schemas.openxmlformats.org/drawingml/2006/diagram" xmlns:o="urn:schemas-microsoft-com:office:office" xmlns:v="urn:schemas-microsoft-com:vml" xmlns:pvml="urn:schemas-microsoft-com:office:powerpoint" xmlns:com="http://schemas.openxmlformats.org/drawingml/2006/compatibility" xmlns:p14="http://schemas.microsoft.com/office/powerpoint/2010/main" xmlns:p15="http://schemas.microsoft.com/office/powerpoint/2012/main" xmlns:ahyp="http://schemas.microsoft.com/office/drawing/2018/hyperlinkcolor" autoCompressPictures="0" strictFirstAndLastChars="0" saveSubsetFonts="1">
+<p:presentation xmlns:a="http://schemas.openxmlformats.org/drawingml/2006/main" xmlns:r="http://schemas.openxmlformats.org/officeDocument/2006/relationships" xmlns:p="http://schemas.openxmlformats.org/presentationml/2006/main" strictFirstAndLastChars="0" saveSubsetFonts="1" autoCompressPictures="0">
   <p:sldMasterIdLst>
-    <p:sldMasterId id="2147483659" r:id="rId4"/>
+    <p:sldMasterId id="2147483659" r:id="rId1"/>
   </p:sldMasterIdLst>
   <p:notesMasterIdLst>
-    <p:notesMasterId r:id="rId5"/>
+    <p:notesMasterId r:id="rId9"/>
   </p:notesMasterIdLst>
   <p:sldIdLst>
-    <p:sldId id="256" r:id="rId6"/>
-    <p:sldId id="257" r:id="rId7"/>
-    <p:sldId id="258" r:id="rId8"/>
-    <p:sldId id="259" r:id="rId9"/>
-    <p:sldId id="260" r:id="rId10"/>
-    <p:sldId id="261" r:id="rId11"/>
-    <p:sldId id="262" r:id="rId12"/>
-    <p:sldId id="263" r:id="rId13"/>
+    <p:sldId id="256" r:id="rId2"/>
+    <p:sldId id="257" r:id="rId3"/>
+    <p:sldId id="265" r:id="rId4"/>
+    <p:sldId id="260" r:id="rId5"/>
+    <p:sldId id="259" r:id="rId6"/>
+    <p:sldId id="261" r:id="rId7"/>
+    <p:sldId id="263" r:id="rId8"/>
   </p:sldIdLst>
-  <p:sldSz cy="5143500" cx="9144000"/>
+  <p:sldSz cx="9144000" cy="5143500" type="screen16x9"/>
   <p:notesSz cx="6858000" cy="9144000"/>
   <p:defaultTextStyle>
-    <a:defPPr lvl="0" marR="0" rtl="0" algn="l">
+    <a:defPPr marR="0" lvl="0" algn="l" rtl="0">
       <a:lnSpc>
         <a:spcPct val="100000"/>
       </a:lnSpc>
@@ -31,7 +30,7 @@
         <a:spcPts val="0"/>
       </a:spcAft>
     </a:defPPr>
-    <a:lvl1pPr lvl="0" marR="0" rtl="0" algn="l">
+    <a:lvl1pPr marR="0" lvl="0" algn="l" rtl="0">
       <a:lnSpc>
         <a:spcPct val="100000"/>
       </a:lnSpc>
@@ -45,7 +44,7 @@
         <a:srgbClr val="000000"/>
       </a:buClr>
       <a:buFont typeface="Arial"/>
-      <a:defRPr b="0" i="0" sz="1400" u="none" cap="none" strike="noStrike">
+      <a:defRPr sz="1400" b="0" i="0" u="none" strike="noStrike" cap="none">
         <a:solidFill>
           <a:srgbClr val="000000"/>
         </a:solidFill>
@@ -55,7 +54,7 @@
         <a:sym typeface="Arial"/>
       </a:defRPr>
     </a:lvl1pPr>
-    <a:lvl2pPr lvl="1" marR="0" rtl="0" algn="l">
+    <a:lvl2pPr marR="0" lvl="1" algn="l" rtl="0">
       <a:lnSpc>
         <a:spcPct val="100000"/>
       </a:lnSpc>
@@ -69,7 +68,7 @@
         <a:srgbClr val="000000"/>
       </a:buClr>
       <a:buFont typeface="Arial"/>
-      <a:defRPr b="0" i="0" sz="1400" u="none" cap="none" strike="noStrike">
+      <a:defRPr sz="1400" b="0" i="0" u="none" strike="noStrike" cap="none">
         <a:solidFill>
           <a:srgbClr val="000000"/>
         </a:solidFill>
@@ -79,7 +78,7 @@
         <a:sym typeface="Arial"/>
       </a:defRPr>
     </a:lvl2pPr>
-    <a:lvl3pPr lvl="2" marR="0" rtl="0" algn="l">
+    <a:lvl3pPr marR="0" lvl="2" algn="l" rtl="0">
       <a:lnSpc>
         <a:spcPct val="100000"/>
       </a:lnSpc>
@@ -93,7 +92,7 @@
         <a:srgbClr val="000000"/>
       </a:buClr>
       <a:buFont typeface="Arial"/>
-      <a:defRPr b="0" i="0" sz="1400" u="none" cap="none" strike="noStrike">
+      <a:defRPr sz="1400" b="0" i="0" u="none" strike="noStrike" cap="none">
         <a:solidFill>
           <a:srgbClr val="000000"/>
         </a:solidFill>
@@ -103,7 +102,7 @@
         <a:sym typeface="Arial"/>
       </a:defRPr>
     </a:lvl3pPr>
-    <a:lvl4pPr lvl="3" marR="0" rtl="0" algn="l">
+    <a:lvl4pPr marR="0" lvl="3" algn="l" rtl="0">
       <a:lnSpc>
         <a:spcPct val="100000"/>
       </a:lnSpc>
@@ -117,7 +116,7 @@
         <a:srgbClr val="000000"/>
       </a:buClr>
       <a:buFont typeface="Arial"/>
-      <a:defRPr b="0" i="0" sz="1400" u="none" cap="none" strike="noStrike">
+      <a:defRPr sz="1400" b="0" i="0" u="none" strike="noStrike" cap="none">
         <a:solidFill>
           <a:srgbClr val="000000"/>
         </a:solidFill>
@@ -127,7 +126,7 @@
         <a:sym typeface="Arial"/>
       </a:defRPr>
     </a:lvl4pPr>
-    <a:lvl5pPr lvl="4" marR="0" rtl="0" algn="l">
+    <a:lvl5pPr marR="0" lvl="4" algn="l" rtl="0">
       <a:lnSpc>
         <a:spcPct val="100000"/>
       </a:lnSpc>
@@ -141,7 +140,7 @@
         <a:srgbClr val="000000"/>
       </a:buClr>
       <a:buFont typeface="Arial"/>
-      <a:defRPr b="0" i="0" sz="1400" u="none" cap="none" strike="noStrike">
+      <a:defRPr sz="1400" b="0" i="0" u="none" strike="noStrike" cap="none">
         <a:solidFill>
           <a:srgbClr val="000000"/>
         </a:solidFill>
@@ -151,7 +150,7 @@
         <a:sym typeface="Arial"/>
       </a:defRPr>
     </a:lvl5pPr>
-    <a:lvl6pPr lvl="5" marR="0" rtl="0" algn="l">
+    <a:lvl6pPr marR="0" lvl="5" algn="l" rtl="0">
       <a:lnSpc>
         <a:spcPct val="100000"/>
       </a:lnSpc>
@@ -165,7 +164,7 @@
         <a:srgbClr val="000000"/>
       </a:buClr>
       <a:buFont typeface="Arial"/>
-      <a:defRPr b="0" i="0" sz="1400" u="none" cap="none" strike="noStrike">
+      <a:defRPr sz="1400" b="0" i="0" u="none" strike="noStrike" cap="none">
         <a:solidFill>
           <a:srgbClr val="000000"/>
         </a:solidFill>
@@ -175,7 +174,7 @@
         <a:sym typeface="Arial"/>
       </a:defRPr>
     </a:lvl6pPr>
-    <a:lvl7pPr lvl="6" marR="0" rtl="0" algn="l">
+    <a:lvl7pPr marR="0" lvl="6" algn="l" rtl="0">
       <a:lnSpc>
         <a:spcPct val="100000"/>
       </a:lnSpc>
@@ -189,7 +188,7 @@
         <a:srgbClr val="000000"/>
       </a:buClr>
       <a:buFont typeface="Arial"/>
-      <a:defRPr b="0" i="0" sz="1400" u="none" cap="none" strike="noStrike">
+      <a:defRPr sz="1400" b="0" i="0" u="none" strike="noStrike" cap="none">
         <a:solidFill>
           <a:srgbClr val="000000"/>
         </a:solidFill>
@@ -199,7 +198,7 @@
         <a:sym typeface="Arial"/>
       </a:defRPr>
     </a:lvl7pPr>
-    <a:lvl8pPr lvl="7" marR="0" rtl="0" algn="l">
+    <a:lvl8pPr marR="0" lvl="7" algn="l" rtl="0">
       <a:lnSpc>
         <a:spcPct val="100000"/>
       </a:lnSpc>
@@ -213,7 +212,7 @@
         <a:srgbClr val="000000"/>
       </a:buClr>
       <a:buFont typeface="Arial"/>
-      <a:defRPr b="0" i="0" sz="1400" u="none" cap="none" strike="noStrike">
+      <a:defRPr sz="1400" b="0" i="0" u="none" strike="noStrike" cap="none">
         <a:solidFill>
           <a:srgbClr val="000000"/>
         </a:solidFill>
@@ -223,7 +222,7 @@
         <a:sym typeface="Arial"/>
       </a:defRPr>
     </a:lvl8pPr>
-    <a:lvl9pPr lvl="8" marR="0" rtl="0" algn="l">
+    <a:lvl9pPr marR="0" lvl="8" algn="l" rtl="0">
       <a:lnSpc>
         <a:spcPct val="100000"/>
       </a:lnSpc>
@@ -237,7 +236,7 @@
         <a:srgbClr val="000000"/>
       </a:buClr>
       <a:buFont typeface="Arial"/>
-      <a:defRPr b="0" i="0" sz="1400" u="none" cap="none" strike="noStrike">
+      <a:defRPr sz="1400" b="0" i="0" u="none" strike="noStrike" cap="none">
         <a:solidFill>
           <a:srgbClr val="000000"/>
         </a:solidFill>
@@ -250,7 +249,7 @@
   </p:defaultTextStyle>
   <p:extLst>
     <p:ext uri="{EFAFB233-063F-42B5-8137-9DF3F51BA10A}">
-      <p15:sldGuideLst>
+      <p15:sldGuideLst xmlns:p15="http://schemas.microsoft.com/office/powerpoint/2012/main">
         <p15:guide id="1" orient="horz" pos="1620">
           <p15:clr>
             <a:srgbClr val="747775"/>
@@ -268,11 +267,16 @@
 </file>
 
 <file path=ppt/notesMasters/notesMaster1.xml><?xml version="1.0" encoding="utf-8"?>
-<p:notesMaster xmlns:a="http://schemas.openxmlformats.org/drawingml/2006/main" xmlns:r="http://schemas.openxmlformats.org/officeDocument/2006/relationships" xmlns:mc="http://schemas.openxmlformats.org/markup-compatibility/2006" xmlns:mv="urn:schemas-microsoft-com:mac:vml" xmlns:p="http://schemas.openxmlformats.org/presentationml/2006/main" xmlns:c="http://schemas.openxmlformats.org/drawingml/2006/chart" xmlns:dgm="http://schemas.openxmlformats.org/drawingml/2006/diagram" xmlns:o="urn:schemas-microsoft-com:office:office" xmlns:v="urn:schemas-microsoft-com:vml" xmlns:pvml="urn:schemas-microsoft-com:office:powerpoint" xmlns:com="http://schemas.openxmlformats.org/drawingml/2006/compatibility" xmlns:p14="http://schemas.microsoft.com/office/powerpoint/2010/main" xmlns:p15="http://schemas.microsoft.com/office/powerpoint/2012/main" xmlns:ahyp="http://schemas.microsoft.com/office/drawing/2018/hyperlinkcolor">
+<p:notesMaster xmlns:a="http://schemas.openxmlformats.org/drawingml/2006/main" xmlns:r="http://schemas.openxmlformats.org/officeDocument/2006/relationships" xmlns:p="http://schemas.openxmlformats.org/presentationml/2006/main">
   <p:cSld>
+    <p:bg>
+      <p:bgRef idx="1001">
+        <a:schemeClr val="bg1"/>
+      </p:bgRef>
+    </p:bg>
     <p:spTree>
       <p:nvGrpSpPr>
-        <p:cNvPr id="2" name="Shape 2"/>
+        <p:cNvPr id="1" name="Shape 2"/>
         <p:cNvGrpSpPr/>
         <p:nvPr/>
       </p:nvGrpSpPr>
@@ -287,9 +291,11 @@
       <p:sp>
         <p:nvSpPr>
           <p:cNvPr id="3" name="Google Shape;3;n"/>
-          <p:cNvSpPr/>
+          <p:cNvSpPr>
+            <a:spLocks noGrp="1" noRot="1" noChangeAspect="1"/>
+          </p:cNvSpPr>
           <p:nvPr>
-            <p:ph idx="2" type="sldImg"/>
+            <p:ph type="sldImg" idx="2"/>
           </p:nvPr>
         </p:nvSpPr>
         <p:spPr>
@@ -298,9 +304,13 @@
             <a:ext cx="6096075" cy="3429000"/>
           </a:xfrm>
           <a:custGeom>
-            <a:rect b="b" l="l" r="r" t="t"/>
+            <a:avLst/>
+            <a:gdLst/>
+            <a:ahLst/>
+            <a:cxnLst/>
+            <a:rect l="l" t="t" r="r" b="b"/>
             <a:pathLst>
-              <a:path extrusionOk="0" h="120000" w="120000">
+              <a:path w="120000" h="120000" extrusionOk="0">
                 <a:moveTo>
                   <a:pt x="0" y="0"/>
                 </a:moveTo>
@@ -318,23 +328,25 @@
             </a:pathLst>
           </a:custGeom>
           <a:noFill/>
-          <a:ln cap="flat" cmpd="sng" w="9525">
+          <a:ln w="9525" cap="flat" cmpd="sng">
             <a:solidFill>
               <a:srgbClr val="000000"/>
             </a:solidFill>
             <a:prstDash val="solid"/>
             <a:round/>
-            <a:headEnd len="sm" w="sm" type="none"/>
-            <a:tailEnd len="sm" w="sm" type="none"/>
+            <a:headEnd type="none" w="sm" len="sm"/>
+            <a:tailEnd type="none" w="sm" len="sm"/>
           </a:ln>
         </p:spPr>
       </p:sp>
       <p:sp>
         <p:nvSpPr>
           <p:cNvPr id="4" name="Google Shape;4;n"/>
-          <p:cNvSpPr txBox="1"/>
+          <p:cNvSpPr txBox="1">
+            <a:spLocks noGrp="1"/>
+          </p:cNvSpPr>
           <p:nvPr>
-            <p:ph idx="1" type="body"/>
+            <p:ph type="body" idx="1"/>
           </p:nvPr>
         </p:nvSpPr>
         <p:spPr>
@@ -351,11 +363,11 @@
           </a:ln>
         </p:spPr>
         <p:txBody>
-          <a:bodyPr anchorCtr="0" anchor="t" bIns="91425" lIns="91425" spcFirstLastPara="1" rIns="91425" wrap="square" tIns="91425">
+          <a:bodyPr spcFirstLastPara="1" wrap="square" lIns="91425" tIns="91425" rIns="91425" bIns="91425" anchor="t" anchorCtr="0">
             <a:noAutofit/>
           </a:bodyPr>
           <a:lstStyle>
-            <a:lvl1pPr indent="-298450" lvl="0" marL="457200">
+            <a:lvl1pPr marL="457200" lvl="0" indent="-298450">
               <a:spcBef>
                 <a:spcPts val="0"/>
               </a:spcBef>
@@ -366,7 +378,7 @@
               <a:buChar char="●"/>
               <a:defRPr sz="1100"/>
             </a:lvl1pPr>
-            <a:lvl2pPr indent="-298450" lvl="1" marL="914400">
+            <a:lvl2pPr marL="914400" lvl="1" indent="-298450">
               <a:spcBef>
                 <a:spcPts val="0"/>
               </a:spcBef>
@@ -377,7 +389,7 @@
               <a:buChar char="○"/>
               <a:defRPr sz="1100"/>
             </a:lvl2pPr>
-            <a:lvl3pPr indent="-298450" lvl="2" marL="1371600">
+            <a:lvl3pPr marL="1371600" lvl="2" indent="-298450">
               <a:spcBef>
                 <a:spcPts val="0"/>
               </a:spcBef>
@@ -388,7 +400,7 @@
               <a:buChar char="■"/>
               <a:defRPr sz="1100"/>
             </a:lvl3pPr>
-            <a:lvl4pPr indent="-298450" lvl="3" marL="1828800">
+            <a:lvl4pPr marL="1828800" lvl="3" indent="-298450">
               <a:spcBef>
                 <a:spcPts val="0"/>
               </a:spcBef>
@@ -399,7 +411,7 @@
               <a:buChar char="●"/>
               <a:defRPr sz="1100"/>
             </a:lvl4pPr>
-            <a:lvl5pPr indent="-298450" lvl="4" marL="2286000">
+            <a:lvl5pPr marL="2286000" lvl="4" indent="-298450">
               <a:spcBef>
                 <a:spcPts val="0"/>
               </a:spcBef>
@@ -410,7 +422,7 @@
               <a:buChar char="○"/>
               <a:defRPr sz="1100"/>
             </a:lvl5pPr>
-            <a:lvl6pPr indent="-298450" lvl="5" marL="2743200">
+            <a:lvl6pPr marL="2743200" lvl="5" indent="-298450">
               <a:spcBef>
                 <a:spcPts val="0"/>
               </a:spcBef>
@@ -421,7 +433,7 @@
               <a:buChar char="■"/>
               <a:defRPr sz="1100"/>
             </a:lvl6pPr>
-            <a:lvl7pPr indent="-298450" lvl="6" marL="3200400">
+            <a:lvl7pPr marL="3200400" lvl="6" indent="-298450">
               <a:spcBef>
                 <a:spcPts val="0"/>
               </a:spcBef>
@@ -432,7 +444,7 @@
               <a:buChar char="●"/>
               <a:defRPr sz="1100"/>
             </a:lvl7pPr>
-            <a:lvl8pPr indent="-298450" lvl="7" marL="3657600">
+            <a:lvl8pPr marL="3657600" lvl="7" indent="-298450">
               <a:spcBef>
                 <a:spcPts val="0"/>
               </a:spcBef>
@@ -443,7 +455,7 @@
               <a:buChar char="○"/>
               <a:defRPr sz="1100"/>
             </a:lvl8pPr>
-            <a:lvl9pPr indent="-298450" lvl="8" marL="4114800">
+            <a:lvl9pPr marL="4114800" lvl="8" indent="-298450">
               <a:spcBef>
                 <a:spcPts val="0"/>
               </a:spcBef>
@@ -455,14 +467,16 @@
               <a:defRPr sz="1100"/>
             </a:lvl9pPr>
           </a:lstStyle>
-          <a:p/>
+          <a:p>
+            <a:endParaRPr/>
+          </a:p>
         </p:txBody>
       </p:sp>
     </p:spTree>
   </p:cSld>
-  <p:clrMap accent1="accent1" accent2="accent2" accent3="accent3" accent4="accent4" accent5="accent5" accent6="accent6" bg1="lt1" bg2="dk2" tx1="dk1" tx2="lt2" folHlink="folHlink" hlink="hlink"/>
+  <p:clrMap bg1="lt1" tx1="dk1" bg2="dk2" tx2="lt2" accent1="accent1" accent2="accent2" accent3="accent3" accent4="accent4" accent5="accent5" accent6="accent6" hlink="hlink" folHlink="folHlink"/>
   <p:notesStyle>
-    <a:defPPr lvl="0" marR="0" rtl="0" algn="l">
+    <a:defPPr marR="0" lvl="0" algn="l" rtl="0">
       <a:lnSpc>
         <a:spcPct val="100000"/>
       </a:lnSpc>
@@ -473,7 +487,7 @@
         <a:spcPts val="0"/>
       </a:spcAft>
     </a:defPPr>
-    <a:lvl1pPr lvl="0" marR="0" rtl="0" algn="l">
+    <a:lvl1pPr marR="0" lvl="0" algn="l" rtl="0">
       <a:lnSpc>
         <a:spcPct val="100000"/>
       </a:lnSpc>
@@ -487,7 +501,7 @@
         <a:srgbClr val="000000"/>
       </a:buClr>
       <a:buFont typeface="Arial"/>
-      <a:defRPr b="0" i="0" sz="1400" u="none" cap="none" strike="noStrike">
+      <a:defRPr sz="1400" b="0" i="0" u="none" strike="noStrike" cap="none">
         <a:solidFill>
           <a:srgbClr val="000000"/>
         </a:solidFill>
@@ -497,7 +511,7 @@
         <a:sym typeface="Arial"/>
       </a:defRPr>
     </a:lvl1pPr>
-    <a:lvl2pPr lvl="1" marR="0" rtl="0" algn="l">
+    <a:lvl2pPr marR="0" lvl="1" algn="l" rtl="0">
       <a:lnSpc>
         <a:spcPct val="100000"/>
       </a:lnSpc>
@@ -511,7 +525,7 @@
         <a:srgbClr val="000000"/>
       </a:buClr>
       <a:buFont typeface="Arial"/>
-      <a:defRPr b="0" i="0" sz="1400" u="none" cap="none" strike="noStrike">
+      <a:defRPr sz="1400" b="0" i="0" u="none" strike="noStrike" cap="none">
         <a:solidFill>
           <a:srgbClr val="000000"/>
         </a:solidFill>
@@ -521,7 +535,7 @@
         <a:sym typeface="Arial"/>
       </a:defRPr>
     </a:lvl2pPr>
-    <a:lvl3pPr lvl="2" marR="0" rtl="0" algn="l">
+    <a:lvl3pPr marR="0" lvl="2" algn="l" rtl="0">
       <a:lnSpc>
         <a:spcPct val="100000"/>
       </a:lnSpc>
@@ -535,7 +549,7 @@
         <a:srgbClr val="000000"/>
       </a:buClr>
       <a:buFont typeface="Arial"/>
-      <a:defRPr b="0" i="0" sz="1400" u="none" cap="none" strike="noStrike">
+      <a:defRPr sz="1400" b="0" i="0" u="none" strike="noStrike" cap="none">
         <a:solidFill>
           <a:srgbClr val="000000"/>
         </a:solidFill>
@@ -545,7 +559,7 @@
         <a:sym typeface="Arial"/>
       </a:defRPr>
     </a:lvl3pPr>
-    <a:lvl4pPr lvl="3" marR="0" rtl="0" algn="l">
+    <a:lvl4pPr marR="0" lvl="3" algn="l" rtl="0">
       <a:lnSpc>
         <a:spcPct val="100000"/>
       </a:lnSpc>
@@ -559,7 +573,7 @@
         <a:srgbClr val="000000"/>
       </a:buClr>
       <a:buFont typeface="Arial"/>
-      <a:defRPr b="0" i="0" sz="1400" u="none" cap="none" strike="noStrike">
+      <a:defRPr sz="1400" b="0" i="0" u="none" strike="noStrike" cap="none">
         <a:solidFill>
           <a:srgbClr val="000000"/>
         </a:solidFill>
@@ -569,7 +583,7 @@
         <a:sym typeface="Arial"/>
       </a:defRPr>
     </a:lvl4pPr>
-    <a:lvl5pPr lvl="4" marR="0" rtl="0" algn="l">
+    <a:lvl5pPr marR="0" lvl="4" algn="l" rtl="0">
       <a:lnSpc>
         <a:spcPct val="100000"/>
       </a:lnSpc>
@@ -583,7 +597,7 @@
         <a:srgbClr val="000000"/>
       </a:buClr>
       <a:buFont typeface="Arial"/>
-      <a:defRPr b="0" i="0" sz="1400" u="none" cap="none" strike="noStrike">
+      <a:defRPr sz="1400" b="0" i="0" u="none" strike="noStrike" cap="none">
         <a:solidFill>
           <a:srgbClr val="000000"/>
         </a:solidFill>
@@ -593,7 +607,7 @@
         <a:sym typeface="Arial"/>
       </a:defRPr>
     </a:lvl5pPr>
-    <a:lvl6pPr lvl="5" marR="0" rtl="0" algn="l">
+    <a:lvl6pPr marR="0" lvl="5" algn="l" rtl="0">
       <a:lnSpc>
         <a:spcPct val="100000"/>
       </a:lnSpc>
@@ -607,7 +621,7 @@
         <a:srgbClr val="000000"/>
       </a:buClr>
       <a:buFont typeface="Arial"/>
-      <a:defRPr b="0" i="0" sz="1400" u="none" cap="none" strike="noStrike">
+      <a:defRPr sz="1400" b="0" i="0" u="none" strike="noStrike" cap="none">
         <a:solidFill>
           <a:srgbClr val="000000"/>
         </a:solidFill>
@@ -617,7 +631,7 @@
         <a:sym typeface="Arial"/>
       </a:defRPr>
     </a:lvl6pPr>
-    <a:lvl7pPr lvl="6" marR="0" rtl="0" algn="l">
+    <a:lvl7pPr marR="0" lvl="6" algn="l" rtl="0">
       <a:lnSpc>
         <a:spcPct val="100000"/>
       </a:lnSpc>
@@ -631,7 +645,7 @@
         <a:srgbClr val="000000"/>
       </a:buClr>
       <a:buFont typeface="Arial"/>
-      <a:defRPr b="0" i="0" sz="1400" u="none" cap="none" strike="noStrike">
+      <a:defRPr sz="1400" b="0" i="0" u="none" strike="noStrike" cap="none">
         <a:solidFill>
           <a:srgbClr val="000000"/>
         </a:solidFill>
@@ -641,7 +655,7 @@
         <a:sym typeface="Arial"/>
       </a:defRPr>
     </a:lvl7pPr>
-    <a:lvl8pPr lvl="7" marR="0" rtl="0" algn="l">
+    <a:lvl8pPr marR="0" lvl="7" algn="l" rtl="0">
       <a:lnSpc>
         <a:spcPct val="100000"/>
       </a:lnSpc>
@@ -655,7 +669,7 @@
         <a:srgbClr val="000000"/>
       </a:buClr>
       <a:buFont typeface="Arial"/>
-      <a:defRPr b="0" i="0" sz="1400" u="none" cap="none" strike="noStrike">
+      <a:defRPr sz="1400" b="0" i="0" u="none" strike="noStrike" cap="none">
         <a:solidFill>
           <a:srgbClr val="000000"/>
         </a:solidFill>
@@ -665,7 +679,7 @@
         <a:sym typeface="Arial"/>
       </a:defRPr>
     </a:lvl8pPr>
-    <a:lvl9pPr lvl="8" marR="0" rtl="0" algn="l">
+    <a:lvl9pPr marR="0" lvl="8" algn="l" rtl="0">
       <a:lnSpc>
         <a:spcPct val="100000"/>
       </a:lnSpc>
@@ -679,7 +693,7 @@
         <a:srgbClr val="000000"/>
       </a:buClr>
       <a:buFont typeface="Arial"/>
-      <a:defRPr b="0" i="0" sz="1400" u="none" cap="none" strike="noStrike">
+      <a:defRPr sz="1400" b="0" i="0" u="none" strike="noStrike" cap="none">
         <a:solidFill>
           <a:srgbClr val="000000"/>
         </a:solidFill>
@@ -694,11 +708,11 @@
 </file>
 
 <file path=ppt/notesSlides/notesSlide1.xml><?xml version="1.0" encoding="utf-8"?>
-<p:notes xmlns:a="http://schemas.openxmlformats.org/drawingml/2006/main" xmlns:r="http://schemas.openxmlformats.org/officeDocument/2006/relationships" xmlns:mc="http://schemas.openxmlformats.org/markup-compatibility/2006" xmlns:mv="urn:schemas-microsoft-com:mac:vml" xmlns:p="http://schemas.openxmlformats.org/presentationml/2006/main" xmlns:c="http://schemas.openxmlformats.org/drawingml/2006/chart" xmlns:dgm="http://schemas.openxmlformats.org/drawingml/2006/diagram" xmlns:o="urn:schemas-microsoft-com:office:office" xmlns:v="urn:schemas-microsoft-com:vml" xmlns:pvml="urn:schemas-microsoft-com:office:powerpoint" xmlns:com="http://schemas.openxmlformats.org/drawingml/2006/compatibility" xmlns:p14="http://schemas.microsoft.com/office/powerpoint/2010/main" xmlns:p15="http://schemas.microsoft.com/office/powerpoint/2012/main" xmlns:ahyp="http://schemas.microsoft.com/office/drawing/2018/hyperlinkcolor" showMasterPhAnim="0" showMasterSp="0">
+<p:notes xmlns:a="http://schemas.openxmlformats.org/drawingml/2006/main" xmlns:r="http://schemas.openxmlformats.org/officeDocument/2006/relationships" xmlns:p="http://schemas.openxmlformats.org/presentationml/2006/main" showMasterSp="0" showMasterPhAnim="0">
   <p:cSld>
     <p:spTree>
       <p:nvGrpSpPr>
-        <p:cNvPr id="50" name="Shape 50"/>
+        <p:cNvPr id="1" name="Shape 50"/>
         <p:cNvGrpSpPr/>
         <p:nvPr/>
       </p:nvGrpSpPr>
@@ -713,9 +727,11 @@
       <p:sp>
         <p:nvSpPr>
           <p:cNvPr id="51" name="Google Shape;51;g3159bdef500_0_103:notes"/>
-          <p:cNvSpPr/>
+          <p:cNvSpPr>
+            <a:spLocks noGrp="1" noRot="1" noChangeAspect="1"/>
+          </p:cNvSpPr>
           <p:nvPr>
-            <p:ph idx="2" type="sldImg"/>
+            <p:ph type="sldImg" idx="2"/>
           </p:nvPr>
         </p:nvSpPr>
         <p:spPr>
@@ -724,9 +740,13 @@
             <a:ext cx="6096000" cy="3429000"/>
           </a:xfrm>
           <a:custGeom>
-            <a:rect b="b" l="l" r="r" t="t"/>
+            <a:avLst/>
+            <a:gdLst/>
+            <a:ahLst/>
+            <a:cxnLst/>
+            <a:rect l="l" t="t" r="r" b="b"/>
             <a:pathLst>
-              <a:path extrusionOk="0" h="120000" w="120000">
+              <a:path w="120000" h="120000" extrusionOk="0">
                 <a:moveTo>
                   <a:pt x="0" y="0"/>
                 </a:moveTo>
@@ -748,9 +768,11 @@
       <p:sp>
         <p:nvSpPr>
           <p:cNvPr id="52" name="Google Shape;52;g3159bdef500_0_103:notes"/>
-          <p:cNvSpPr txBox="1"/>
+          <p:cNvSpPr txBox="1">
+            <a:spLocks noGrp="1"/>
+          </p:cNvSpPr>
           <p:nvPr>
-            <p:ph idx="1" type="body"/>
+            <p:ph type="body" idx="1"/>
           </p:nvPr>
         </p:nvSpPr>
         <p:spPr>
@@ -763,12 +785,12 @@
           </a:prstGeom>
         </p:spPr>
         <p:txBody>
-          <a:bodyPr anchorCtr="0" anchor="t" bIns="91425" lIns="91425" spcFirstLastPara="1" rIns="91425" wrap="square" tIns="91425">
+          <a:bodyPr spcFirstLastPara="1" wrap="square" lIns="91425" tIns="91425" rIns="91425" bIns="91425" anchor="t" anchorCtr="0">
             <a:noAutofit/>
           </a:bodyPr>
           <a:lstStyle/>
           <a:p>
-            <a:pPr indent="0" lvl="0" marL="0" rtl="0" algn="l">
+            <a:pPr marL="0" lvl="0" indent="0" algn="l" rtl="0">
               <a:spcBef>
                 <a:spcPts val="0"/>
               </a:spcBef>
@@ -777,9 +799,6 @@
               </a:spcAft>
               <a:buNone/>
             </a:pPr>
-            <a:r>
-              <a:t/>
-            </a:r>
             <a:endParaRPr/>
           </a:p>
         </p:txBody>
@@ -793,11 +812,11 @@
 </file>
 
 <file path=ppt/notesSlides/notesSlide2.xml><?xml version="1.0" encoding="utf-8"?>
-<p:notes xmlns:a="http://schemas.openxmlformats.org/drawingml/2006/main" xmlns:r="http://schemas.openxmlformats.org/officeDocument/2006/relationships" xmlns:mc="http://schemas.openxmlformats.org/markup-compatibility/2006" xmlns:mv="urn:schemas-microsoft-com:mac:vml" xmlns:p="http://schemas.openxmlformats.org/presentationml/2006/main" xmlns:c="http://schemas.openxmlformats.org/drawingml/2006/chart" xmlns:dgm="http://schemas.openxmlformats.org/drawingml/2006/diagram" xmlns:o="urn:schemas-microsoft-com:office:office" xmlns:v="urn:schemas-microsoft-com:vml" xmlns:pvml="urn:schemas-microsoft-com:office:powerpoint" xmlns:com="http://schemas.openxmlformats.org/drawingml/2006/compatibility" xmlns:p14="http://schemas.microsoft.com/office/powerpoint/2010/main" xmlns:p15="http://schemas.microsoft.com/office/powerpoint/2012/main" xmlns:ahyp="http://schemas.microsoft.com/office/drawing/2018/hyperlinkcolor" showMasterPhAnim="0" showMasterSp="0">
+<p:notes xmlns:a="http://schemas.openxmlformats.org/drawingml/2006/main" xmlns:r="http://schemas.openxmlformats.org/officeDocument/2006/relationships" xmlns:p="http://schemas.openxmlformats.org/presentationml/2006/main" showMasterSp="0" showMasterPhAnim="0">
   <p:cSld>
     <p:spTree>
       <p:nvGrpSpPr>
-        <p:cNvPr id="55" name="Shape 55"/>
+        <p:cNvPr id="1" name="Shape 55"/>
         <p:cNvGrpSpPr/>
         <p:nvPr/>
       </p:nvGrpSpPr>
@@ -812,20 +831,26 @@
       <p:sp>
         <p:nvSpPr>
           <p:cNvPr id="56" name="Google Shape;56;g3159bdef500_0_120:notes"/>
-          <p:cNvSpPr/>
+          <p:cNvSpPr>
+            <a:spLocks noGrp="1" noRot="1" noChangeAspect="1"/>
+          </p:cNvSpPr>
           <p:nvPr>
-            <p:ph idx="2" type="sldImg"/>
+            <p:ph type="sldImg" idx="2"/>
           </p:nvPr>
         </p:nvSpPr>
         <p:spPr>
           <a:xfrm>
-            <a:off x="381300" y="685800"/>
+            <a:off x="381000" y="685800"/>
             <a:ext cx="6096000" cy="3429000"/>
           </a:xfrm>
           <a:custGeom>
-            <a:rect b="b" l="l" r="r" t="t"/>
+            <a:avLst/>
+            <a:gdLst/>
+            <a:ahLst/>
+            <a:cxnLst/>
+            <a:rect l="l" t="t" r="r" b="b"/>
             <a:pathLst>
-              <a:path extrusionOk="0" h="120000" w="120000">
+              <a:path w="120000" h="120000" extrusionOk="0">
                 <a:moveTo>
                   <a:pt x="0" y="0"/>
                 </a:moveTo>
@@ -847,9 +872,11 @@
       <p:sp>
         <p:nvSpPr>
           <p:cNvPr id="57" name="Google Shape;57;g3159bdef500_0_120:notes"/>
-          <p:cNvSpPr txBox="1"/>
+          <p:cNvSpPr txBox="1">
+            <a:spLocks noGrp="1"/>
+          </p:cNvSpPr>
           <p:nvPr>
-            <p:ph idx="1" type="body"/>
+            <p:ph type="body" idx="1"/>
           </p:nvPr>
         </p:nvSpPr>
         <p:spPr>
@@ -862,12 +889,12 @@
           </a:prstGeom>
         </p:spPr>
         <p:txBody>
-          <a:bodyPr anchorCtr="0" anchor="t" bIns="91425" lIns="91425" spcFirstLastPara="1" rIns="91425" wrap="square" tIns="91425">
+          <a:bodyPr spcFirstLastPara="1" wrap="square" lIns="91425" tIns="91425" rIns="91425" bIns="91425" anchor="t" anchorCtr="0">
             <a:noAutofit/>
           </a:bodyPr>
           <a:lstStyle/>
           <a:p>
-            <a:pPr indent="0" lvl="0" marL="0" rtl="0" algn="l">
+            <a:pPr marL="0" lvl="0" indent="0" algn="l" rtl="0">
               <a:spcBef>
                 <a:spcPts val="0"/>
               </a:spcBef>
@@ -876,9 +903,6 @@
               </a:spcAft>
               <a:buNone/>
             </a:pPr>
-            <a:r>
-              <a:t/>
-            </a:r>
             <a:endParaRPr/>
           </a:p>
         </p:txBody>
@@ -892,11 +916,17 @@
 </file>
 
 <file path=ppt/notesSlides/notesSlide3.xml><?xml version="1.0" encoding="utf-8"?>
-<p:notes xmlns:a="http://schemas.openxmlformats.org/drawingml/2006/main" xmlns:r="http://schemas.openxmlformats.org/officeDocument/2006/relationships" xmlns:mc="http://schemas.openxmlformats.org/markup-compatibility/2006" xmlns:mv="urn:schemas-microsoft-com:mac:vml" xmlns:p="http://schemas.openxmlformats.org/presentationml/2006/main" xmlns:c="http://schemas.openxmlformats.org/drawingml/2006/chart" xmlns:dgm="http://schemas.openxmlformats.org/drawingml/2006/diagram" xmlns:o="urn:schemas-microsoft-com:office:office" xmlns:v="urn:schemas-microsoft-com:vml" xmlns:pvml="urn:schemas-microsoft-com:office:powerpoint" xmlns:com="http://schemas.openxmlformats.org/drawingml/2006/compatibility" xmlns:p14="http://schemas.microsoft.com/office/powerpoint/2010/main" xmlns:p15="http://schemas.microsoft.com/office/powerpoint/2012/main" xmlns:ahyp="http://schemas.microsoft.com/office/drawing/2018/hyperlinkcolor" showMasterPhAnim="0" showMasterSp="0">
+<p:notes xmlns:a="http://schemas.openxmlformats.org/drawingml/2006/main" xmlns:r="http://schemas.openxmlformats.org/officeDocument/2006/relationships" xmlns:p="http://schemas.openxmlformats.org/presentationml/2006/main" showMasterSp="0" showMasterPhAnim="0">
   <p:cSld>
     <p:spTree>
       <p:nvGrpSpPr>
-        <p:cNvPr id="62" name="Shape 62"/>
+        <p:cNvPr id="1" name="Shape 55">
+          <a:extLst>
+            <a:ext uri="{FF2B5EF4-FFF2-40B4-BE49-F238E27FC236}">
+              <a16:creationId xmlns:a16="http://schemas.microsoft.com/office/drawing/2014/main" id="{34CB2CF8-222E-89DE-0BDB-66C81284ACF5}"/>
+            </a:ext>
+          </a:extLst>
+        </p:cNvPr>
         <p:cNvGrpSpPr/>
         <p:nvPr/>
       </p:nvGrpSpPr>
@@ -910,21 +940,33 @@
       </p:grpSpPr>
       <p:sp>
         <p:nvSpPr>
-          <p:cNvPr id="63" name="Google Shape;63;g3159bdef500_0_113:notes"/>
-          <p:cNvSpPr/>
+          <p:cNvPr id="56" name="Google Shape;56;g3159bdef500_0_120:notes">
+            <a:extLst>
+              <a:ext uri="{FF2B5EF4-FFF2-40B4-BE49-F238E27FC236}">
+                <a16:creationId xmlns:a16="http://schemas.microsoft.com/office/drawing/2014/main" id="{CBFFF9C3-C06B-234B-4B0B-383EDABBAFE0}"/>
+              </a:ext>
+            </a:extLst>
+          </p:cNvPr>
+          <p:cNvSpPr>
+            <a:spLocks noGrp="1" noRot="1" noChangeAspect="1"/>
+          </p:cNvSpPr>
           <p:nvPr>
-            <p:ph idx="2" type="sldImg"/>
+            <p:ph type="sldImg" idx="2"/>
           </p:nvPr>
         </p:nvSpPr>
         <p:spPr>
           <a:xfrm>
-            <a:off x="381300" y="685800"/>
+            <a:off x="381000" y="685800"/>
             <a:ext cx="6096000" cy="3429000"/>
           </a:xfrm>
           <a:custGeom>
-            <a:rect b="b" l="l" r="r" t="t"/>
+            <a:avLst/>
+            <a:gdLst/>
+            <a:ahLst/>
+            <a:cxnLst/>
+            <a:rect l="l" t="t" r="r" b="b"/>
             <a:pathLst>
-              <a:path extrusionOk="0" h="120000" w="120000">
+              <a:path w="120000" h="120000" extrusionOk="0">
                 <a:moveTo>
                   <a:pt x="0" y="0"/>
                 </a:moveTo>
@@ -945,10 +987,18 @@
       </p:sp>
       <p:sp>
         <p:nvSpPr>
-          <p:cNvPr id="64" name="Google Shape;64;g3159bdef500_0_113:notes"/>
-          <p:cNvSpPr txBox="1"/>
+          <p:cNvPr id="57" name="Google Shape;57;g3159bdef500_0_120:notes">
+            <a:extLst>
+              <a:ext uri="{FF2B5EF4-FFF2-40B4-BE49-F238E27FC236}">
+                <a16:creationId xmlns:a16="http://schemas.microsoft.com/office/drawing/2014/main" id="{28D47EE2-97D4-7F5F-8BAE-94EA0542B675}"/>
+              </a:ext>
+            </a:extLst>
+          </p:cNvPr>
+          <p:cNvSpPr txBox="1">
+            <a:spLocks noGrp="1"/>
+          </p:cNvSpPr>
           <p:nvPr>
-            <p:ph idx="1" type="body"/>
+            <p:ph type="body" idx="1"/>
           </p:nvPr>
         </p:nvSpPr>
         <p:spPr>
@@ -961,12 +1011,12 @@
           </a:prstGeom>
         </p:spPr>
         <p:txBody>
-          <a:bodyPr anchorCtr="0" anchor="t" bIns="91425" lIns="91425" spcFirstLastPara="1" rIns="91425" wrap="square" tIns="91425">
+          <a:bodyPr spcFirstLastPara="1" wrap="square" lIns="91425" tIns="91425" rIns="91425" bIns="91425" anchor="t" anchorCtr="0">
             <a:noAutofit/>
           </a:bodyPr>
           <a:lstStyle/>
           <a:p>
-            <a:pPr indent="0" lvl="0" marL="0" rtl="0" algn="l">
+            <a:pPr marL="0" lvl="0" indent="0" algn="l" rtl="0">
               <a:spcBef>
                 <a:spcPts val="0"/>
               </a:spcBef>
@@ -975,9 +1025,115 @@
               </a:spcAft>
               <a:buNone/>
             </a:pPr>
-            <a:r>
-              <a:t/>
-            </a:r>
+            <a:endParaRPr/>
+          </a:p>
+        </p:txBody>
+      </p:sp>
+    </p:spTree>
+    <p:extLst>
+      <p:ext uri="{BB962C8B-B14F-4D97-AF65-F5344CB8AC3E}">
+        <p14:creationId xmlns:p14="http://schemas.microsoft.com/office/powerpoint/2010/main" val="377045484"/>
+      </p:ext>
+    </p:extLst>
+  </p:cSld>
+  <p:clrMapOvr>
+    <a:masterClrMapping/>
+  </p:clrMapOvr>
+</p:notes>
+</file>
+
+<file path=ppt/notesSlides/notesSlide4.xml><?xml version="1.0" encoding="utf-8"?>
+<p:notes xmlns:a="http://schemas.openxmlformats.org/drawingml/2006/main" xmlns:r="http://schemas.openxmlformats.org/officeDocument/2006/relationships" xmlns:p="http://schemas.openxmlformats.org/presentationml/2006/main" showMasterSp="0" showMasterPhAnim="0">
+  <p:cSld>
+    <p:spTree>
+      <p:nvGrpSpPr>
+        <p:cNvPr id="1" name="Shape 76"/>
+        <p:cNvGrpSpPr/>
+        <p:nvPr/>
+      </p:nvGrpSpPr>
+      <p:grpSpPr>
+        <a:xfrm>
+          <a:off x="0" y="0"/>
+          <a:ext cx="0" cy="0"/>
+          <a:chOff x="0" y="0"/>
+          <a:chExt cx="0" cy="0"/>
+        </a:xfrm>
+      </p:grpSpPr>
+      <p:sp>
+        <p:nvSpPr>
+          <p:cNvPr id="77" name="Google Shape;77;g3159bdef500_0_130:notes"/>
+          <p:cNvSpPr>
+            <a:spLocks noGrp="1" noRot="1" noChangeAspect="1"/>
+          </p:cNvSpPr>
+          <p:nvPr>
+            <p:ph type="sldImg" idx="2"/>
+          </p:nvPr>
+        </p:nvSpPr>
+        <p:spPr>
+          <a:xfrm>
+            <a:off x="381000" y="685800"/>
+            <a:ext cx="6096000" cy="3429000"/>
+          </a:xfrm>
+          <a:custGeom>
+            <a:avLst/>
+            <a:gdLst/>
+            <a:ahLst/>
+            <a:cxnLst/>
+            <a:rect l="l" t="t" r="r" b="b"/>
+            <a:pathLst>
+              <a:path w="120000" h="120000" extrusionOk="0">
+                <a:moveTo>
+                  <a:pt x="0" y="0"/>
+                </a:moveTo>
+                <a:lnTo>
+                  <a:pt x="120000" y="0"/>
+                </a:lnTo>
+                <a:lnTo>
+                  <a:pt x="120000" y="120000"/>
+                </a:lnTo>
+                <a:lnTo>
+                  <a:pt x="0" y="120000"/>
+                </a:lnTo>
+                <a:close/>
+              </a:path>
+            </a:pathLst>
+          </a:custGeom>
+        </p:spPr>
+      </p:sp>
+      <p:sp>
+        <p:nvSpPr>
+          <p:cNvPr id="78" name="Google Shape;78;g3159bdef500_0_130:notes"/>
+          <p:cNvSpPr txBox="1">
+            <a:spLocks noGrp="1"/>
+          </p:cNvSpPr>
+          <p:nvPr>
+            <p:ph type="body" idx="1"/>
+          </p:nvPr>
+        </p:nvSpPr>
+        <p:spPr>
+          <a:xfrm>
+            <a:off x="685800" y="4343400"/>
+            <a:ext cx="5486400" cy="4114800"/>
+          </a:xfrm>
+          <a:prstGeom prst="rect">
+            <a:avLst/>
+          </a:prstGeom>
+        </p:spPr>
+        <p:txBody>
+          <a:bodyPr spcFirstLastPara="1" wrap="square" lIns="91425" tIns="91425" rIns="91425" bIns="91425" anchor="t" anchorCtr="0">
+            <a:noAutofit/>
+          </a:bodyPr>
+          <a:lstStyle/>
+          <a:p>
+            <a:pPr marL="0" lvl="0" indent="0" algn="l" rtl="0">
+              <a:spcBef>
+                <a:spcPts val="0"/>
+              </a:spcBef>
+              <a:spcAft>
+                <a:spcPts val="0"/>
+              </a:spcAft>
+              <a:buNone/>
+            </a:pPr>
             <a:endParaRPr/>
           </a:p>
         </p:txBody>
@@ -990,12 +1146,12 @@
 </p:notes>
 </file>
 
-<file path=ppt/notesSlides/notesSlide4.xml><?xml version="1.0" encoding="utf-8"?>
-<p:notes xmlns:a="http://schemas.openxmlformats.org/drawingml/2006/main" xmlns:r="http://schemas.openxmlformats.org/officeDocument/2006/relationships" xmlns:mc="http://schemas.openxmlformats.org/markup-compatibility/2006" xmlns:mv="urn:schemas-microsoft-com:mac:vml" xmlns:p="http://schemas.openxmlformats.org/presentationml/2006/main" xmlns:c="http://schemas.openxmlformats.org/drawingml/2006/chart" xmlns:dgm="http://schemas.openxmlformats.org/drawingml/2006/diagram" xmlns:o="urn:schemas-microsoft-com:office:office" xmlns:v="urn:schemas-microsoft-com:vml" xmlns:pvml="urn:schemas-microsoft-com:office:powerpoint" xmlns:com="http://schemas.openxmlformats.org/drawingml/2006/compatibility" xmlns:p14="http://schemas.microsoft.com/office/powerpoint/2010/main" xmlns:p15="http://schemas.microsoft.com/office/powerpoint/2012/main" xmlns:ahyp="http://schemas.microsoft.com/office/drawing/2018/hyperlinkcolor" showMasterPhAnim="0" showMasterSp="0">
+<file path=ppt/notesSlides/notesSlide5.xml><?xml version="1.0" encoding="utf-8"?>
+<p:notes xmlns:a="http://schemas.openxmlformats.org/drawingml/2006/main" xmlns:r="http://schemas.openxmlformats.org/officeDocument/2006/relationships" xmlns:p="http://schemas.openxmlformats.org/presentationml/2006/main" showMasterSp="0" showMasterPhAnim="0">
   <p:cSld>
     <p:spTree>
       <p:nvGrpSpPr>
-        <p:cNvPr id="69" name="Shape 69"/>
+        <p:cNvPr id="1" name="Shape 69"/>
         <p:cNvGrpSpPr/>
         <p:nvPr/>
       </p:nvGrpSpPr>
@@ -1010,9 +1166,11 @@
       <p:sp>
         <p:nvSpPr>
           <p:cNvPr id="70" name="Google Shape;70;g3159bdef500_0_98:notes"/>
-          <p:cNvSpPr/>
+          <p:cNvSpPr>
+            <a:spLocks noGrp="1" noRot="1" noChangeAspect="1"/>
+          </p:cNvSpPr>
           <p:nvPr>
-            <p:ph idx="2" type="sldImg"/>
+            <p:ph type="sldImg" idx="2"/>
           </p:nvPr>
         </p:nvSpPr>
         <p:spPr>
@@ -1021,9 +1179,13 @@
             <a:ext cx="6096000" cy="3429000"/>
           </a:xfrm>
           <a:custGeom>
-            <a:rect b="b" l="l" r="r" t="t"/>
+            <a:avLst/>
+            <a:gdLst/>
+            <a:ahLst/>
+            <a:cxnLst/>
+            <a:rect l="l" t="t" r="r" b="b"/>
             <a:pathLst>
-              <a:path extrusionOk="0" h="120000" w="120000">
+              <a:path w="120000" h="120000" extrusionOk="0">
                 <a:moveTo>
                   <a:pt x="0" y="0"/>
                 </a:moveTo>
@@ -1045,9 +1207,11 @@
       <p:sp>
         <p:nvSpPr>
           <p:cNvPr id="71" name="Google Shape;71;g3159bdef500_0_98:notes"/>
-          <p:cNvSpPr txBox="1"/>
+          <p:cNvSpPr txBox="1">
+            <a:spLocks noGrp="1"/>
+          </p:cNvSpPr>
           <p:nvPr>
-            <p:ph idx="1" type="body"/>
+            <p:ph type="body" idx="1"/>
           </p:nvPr>
         </p:nvSpPr>
         <p:spPr>
@@ -1060,12 +1224,12 @@
           </a:prstGeom>
         </p:spPr>
         <p:txBody>
-          <a:bodyPr anchorCtr="0" anchor="t" bIns="91425" lIns="91425" spcFirstLastPara="1" rIns="91425" wrap="square" tIns="91425">
+          <a:bodyPr spcFirstLastPara="1" wrap="square" lIns="91425" tIns="91425" rIns="91425" bIns="91425" anchor="t" anchorCtr="0">
             <a:noAutofit/>
           </a:bodyPr>
           <a:lstStyle/>
           <a:p>
-            <a:pPr indent="0" lvl="0" marL="0" rtl="0" algn="l">
+            <a:pPr marL="0" lvl="0" indent="0" algn="l" rtl="0">
               <a:spcBef>
                 <a:spcPts val="0"/>
               </a:spcBef>
@@ -1074,108 +1238,6 @@
               </a:spcAft>
               <a:buNone/>
             </a:pPr>
-            <a:r>
-              <a:t/>
-            </a:r>
-            <a:endParaRPr/>
-          </a:p>
-        </p:txBody>
-      </p:sp>
-    </p:spTree>
-  </p:cSld>
-  <p:clrMapOvr>
-    <a:masterClrMapping/>
-  </p:clrMapOvr>
-</p:notes>
-</file>
-
-<file path=ppt/notesSlides/notesSlide5.xml><?xml version="1.0" encoding="utf-8"?>
-<p:notes xmlns:a="http://schemas.openxmlformats.org/drawingml/2006/main" xmlns:r="http://schemas.openxmlformats.org/officeDocument/2006/relationships" xmlns:mc="http://schemas.openxmlformats.org/markup-compatibility/2006" xmlns:mv="urn:schemas-microsoft-com:mac:vml" xmlns:p="http://schemas.openxmlformats.org/presentationml/2006/main" xmlns:c="http://schemas.openxmlformats.org/drawingml/2006/chart" xmlns:dgm="http://schemas.openxmlformats.org/drawingml/2006/diagram" xmlns:o="urn:schemas-microsoft-com:office:office" xmlns:v="urn:schemas-microsoft-com:vml" xmlns:pvml="urn:schemas-microsoft-com:office:powerpoint" xmlns:com="http://schemas.openxmlformats.org/drawingml/2006/compatibility" xmlns:p14="http://schemas.microsoft.com/office/powerpoint/2010/main" xmlns:p15="http://schemas.microsoft.com/office/powerpoint/2012/main" xmlns:ahyp="http://schemas.microsoft.com/office/drawing/2018/hyperlinkcolor" showMasterPhAnim="0" showMasterSp="0">
-  <p:cSld>
-    <p:spTree>
-      <p:nvGrpSpPr>
-        <p:cNvPr id="76" name="Shape 76"/>
-        <p:cNvGrpSpPr/>
-        <p:nvPr/>
-      </p:nvGrpSpPr>
-      <p:grpSpPr>
-        <a:xfrm>
-          <a:off x="0" y="0"/>
-          <a:ext cx="0" cy="0"/>
-          <a:chOff x="0" y="0"/>
-          <a:chExt cx="0" cy="0"/>
-        </a:xfrm>
-      </p:grpSpPr>
-      <p:sp>
-        <p:nvSpPr>
-          <p:cNvPr id="77" name="Google Shape;77;g3159bdef500_0_130:notes"/>
-          <p:cNvSpPr/>
-          <p:nvPr>
-            <p:ph idx="2" type="sldImg"/>
-          </p:nvPr>
-        </p:nvSpPr>
-        <p:spPr>
-          <a:xfrm>
-            <a:off x="381300" y="685800"/>
-            <a:ext cx="6096000" cy="3429000"/>
-          </a:xfrm>
-          <a:custGeom>
-            <a:rect b="b" l="l" r="r" t="t"/>
-            <a:pathLst>
-              <a:path extrusionOk="0" h="120000" w="120000">
-                <a:moveTo>
-                  <a:pt x="0" y="0"/>
-                </a:moveTo>
-                <a:lnTo>
-                  <a:pt x="120000" y="0"/>
-                </a:lnTo>
-                <a:lnTo>
-                  <a:pt x="120000" y="120000"/>
-                </a:lnTo>
-                <a:lnTo>
-                  <a:pt x="0" y="120000"/>
-                </a:lnTo>
-                <a:close/>
-              </a:path>
-            </a:pathLst>
-          </a:custGeom>
-        </p:spPr>
-      </p:sp>
-      <p:sp>
-        <p:nvSpPr>
-          <p:cNvPr id="78" name="Google Shape;78;g3159bdef500_0_130:notes"/>
-          <p:cNvSpPr txBox="1"/>
-          <p:nvPr>
-            <p:ph idx="1" type="body"/>
-          </p:nvPr>
-        </p:nvSpPr>
-        <p:spPr>
-          <a:xfrm>
-            <a:off x="685800" y="4343400"/>
-            <a:ext cx="5486400" cy="4114800"/>
-          </a:xfrm>
-          <a:prstGeom prst="rect">
-            <a:avLst/>
-          </a:prstGeom>
-        </p:spPr>
-        <p:txBody>
-          <a:bodyPr anchorCtr="0" anchor="t" bIns="91425" lIns="91425" spcFirstLastPara="1" rIns="91425" wrap="square" tIns="91425">
-            <a:noAutofit/>
-          </a:bodyPr>
-          <a:lstStyle/>
-          <a:p>
-            <a:pPr indent="0" lvl="0" marL="0" rtl="0" algn="l">
-              <a:spcBef>
-                <a:spcPts val="0"/>
-              </a:spcBef>
-              <a:spcAft>
-                <a:spcPts val="0"/>
-              </a:spcAft>
-              <a:buNone/>
-            </a:pPr>
-            <a:r>
-              <a:t/>
-            </a:r>
             <a:endParaRPr/>
           </a:p>
         </p:txBody>
@@ -1189,11 +1251,11 @@
 </file>
 
 <file path=ppt/notesSlides/notesSlide6.xml><?xml version="1.0" encoding="utf-8"?>
-<p:notes xmlns:a="http://schemas.openxmlformats.org/drawingml/2006/main" xmlns:r="http://schemas.openxmlformats.org/officeDocument/2006/relationships" xmlns:mc="http://schemas.openxmlformats.org/markup-compatibility/2006" xmlns:mv="urn:schemas-microsoft-com:mac:vml" xmlns:p="http://schemas.openxmlformats.org/presentationml/2006/main" xmlns:c="http://schemas.openxmlformats.org/drawingml/2006/chart" xmlns:dgm="http://schemas.openxmlformats.org/drawingml/2006/diagram" xmlns:o="urn:schemas-microsoft-com:office:office" xmlns:v="urn:schemas-microsoft-com:vml" xmlns:pvml="urn:schemas-microsoft-com:office:powerpoint" xmlns:com="http://schemas.openxmlformats.org/drawingml/2006/compatibility" xmlns:p14="http://schemas.microsoft.com/office/powerpoint/2010/main" xmlns:p15="http://schemas.microsoft.com/office/powerpoint/2012/main" xmlns:ahyp="http://schemas.microsoft.com/office/drawing/2018/hyperlinkcolor" showMasterPhAnim="0" showMasterSp="0">
+<p:notes xmlns:a="http://schemas.openxmlformats.org/drawingml/2006/main" xmlns:r="http://schemas.openxmlformats.org/officeDocument/2006/relationships" xmlns:p="http://schemas.openxmlformats.org/presentationml/2006/main" showMasterSp="0" showMasterPhAnim="0">
   <p:cSld>
     <p:spTree>
       <p:nvGrpSpPr>
-        <p:cNvPr id="83" name="Shape 83"/>
+        <p:cNvPr id="1" name="Shape 83"/>
         <p:cNvGrpSpPr/>
         <p:nvPr/>
       </p:nvGrpSpPr>
@@ -1208,9 +1270,11 @@
       <p:sp>
         <p:nvSpPr>
           <p:cNvPr id="84" name="Google Shape;84;g3159bdef500_0_137:notes"/>
-          <p:cNvSpPr/>
+          <p:cNvSpPr>
+            <a:spLocks noGrp="1" noRot="1" noChangeAspect="1"/>
+          </p:cNvSpPr>
           <p:nvPr>
-            <p:ph idx="2" type="sldImg"/>
+            <p:ph type="sldImg" idx="2"/>
           </p:nvPr>
         </p:nvSpPr>
         <p:spPr>
@@ -1219,9 +1283,13 @@
             <a:ext cx="6096000" cy="3429000"/>
           </a:xfrm>
           <a:custGeom>
-            <a:rect b="b" l="l" r="r" t="t"/>
+            <a:avLst/>
+            <a:gdLst/>
+            <a:ahLst/>
+            <a:cxnLst/>
+            <a:rect l="l" t="t" r="r" b="b"/>
             <a:pathLst>
-              <a:path extrusionOk="0" h="120000" w="120000">
+              <a:path w="120000" h="120000" extrusionOk="0">
                 <a:moveTo>
                   <a:pt x="0" y="0"/>
                 </a:moveTo>
@@ -1243,9 +1311,11 @@
       <p:sp>
         <p:nvSpPr>
           <p:cNvPr id="85" name="Google Shape;85;g3159bdef500_0_137:notes"/>
-          <p:cNvSpPr txBox="1"/>
+          <p:cNvSpPr txBox="1">
+            <a:spLocks noGrp="1"/>
+          </p:cNvSpPr>
           <p:nvPr>
-            <p:ph idx="1" type="body"/>
+            <p:ph type="body" idx="1"/>
           </p:nvPr>
         </p:nvSpPr>
         <p:spPr>
@@ -1258,12 +1328,12 @@
           </a:prstGeom>
         </p:spPr>
         <p:txBody>
-          <a:bodyPr anchorCtr="0" anchor="t" bIns="91425" lIns="91425" spcFirstLastPara="1" rIns="91425" wrap="square" tIns="91425">
+          <a:bodyPr spcFirstLastPara="1" wrap="square" lIns="91425" tIns="91425" rIns="91425" bIns="91425" anchor="t" anchorCtr="0">
             <a:noAutofit/>
           </a:bodyPr>
           <a:lstStyle/>
           <a:p>
-            <a:pPr indent="0" lvl="0" marL="0" rtl="0" algn="l">
+            <a:pPr marL="0" lvl="0" indent="0" algn="l" rtl="0">
               <a:spcBef>
                 <a:spcPts val="0"/>
               </a:spcBef>
@@ -1272,9 +1342,6 @@
               </a:spcAft>
               <a:buNone/>
             </a:pPr>
-            <a:r>
-              <a:t/>
-            </a:r>
             <a:endParaRPr/>
           </a:p>
         </p:txBody>
@@ -1288,110 +1355,11 @@
 </file>
 
 <file path=ppt/notesSlides/notesSlide7.xml><?xml version="1.0" encoding="utf-8"?>
-<p:notes xmlns:a="http://schemas.openxmlformats.org/drawingml/2006/main" xmlns:r="http://schemas.openxmlformats.org/officeDocument/2006/relationships" xmlns:mc="http://schemas.openxmlformats.org/markup-compatibility/2006" xmlns:mv="urn:schemas-microsoft-com:mac:vml" xmlns:p="http://schemas.openxmlformats.org/presentationml/2006/main" xmlns:c="http://schemas.openxmlformats.org/drawingml/2006/chart" xmlns:dgm="http://schemas.openxmlformats.org/drawingml/2006/diagram" xmlns:o="urn:schemas-microsoft-com:office:office" xmlns:v="urn:schemas-microsoft-com:vml" xmlns:pvml="urn:schemas-microsoft-com:office:powerpoint" xmlns:com="http://schemas.openxmlformats.org/drawingml/2006/compatibility" xmlns:p14="http://schemas.microsoft.com/office/powerpoint/2010/main" xmlns:p15="http://schemas.microsoft.com/office/powerpoint/2012/main" xmlns:ahyp="http://schemas.microsoft.com/office/drawing/2018/hyperlinkcolor" showMasterPhAnim="0" showMasterSp="0">
+<p:notes xmlns:a="http://schemas.openxmlformats.org/drawingml/2006/main" xmlns:r="http://schemas.openxmlformats.org/officeDocument/2006/relationships" xmlns:p="http://schemas.openxmlformats.org/presentationml/2006/main" showMasterSp="0" showMasterPhAnim="0">
   <p:cSld>
     <p:spTree>
       <p:nvGrpSpPr>
-        <p:cNvPr id="90" name="Shape 90"/>
-        <p:cNvGrpSpPr/>
-        <p:nvPr/>
-      </p:nvGrpSpPr>
-      <p:grpSpPr>
-        <a:xfrm>
-          <a:off x="0" y="0"/>
-          <a:ext cx="0" cy="0"/>
-          <a:chOff x="0" y="0"/>
-          <a:chExt cx="0" cy="0"/>
-        </a:xfrm>
-      </p:grpSpPr>
-      <p:sp>
-        <p:nvSpPr>
-          <p:cNvPr id="91" name="Google Shape;91;g3159bdef500_0_144:notes"/>
-          <p:cNvSpPr/>
-          <p:nvPr>
-            <p:ph idx="2" type="sldImg"/>
-          </p:nvPr>
-        </p:nvSpPr>
-        <p:spPr>
-          <a:xfrm>
-            <a:off x="381300" y="685800"/>
-            <a:ext cx="6096000" cy="3429000"/>
-          </a:xfrm>
-          <a:custGeom>
-            <a:rect b="b" l="l" r="r" t="t"/>
-            <a:pathLst>
-              <a:path extrusionOk="0" h="120000" w="120000">
-                <a:moveTo>
-                  <a:pt x="0" y="0"/>
-                </a:moveTo>
-                <a:lnTo>
-                  <a:pt x="120000" y="0"/>
-                </a:lnTo>
-                <a:lnTo>
-                  <a:pt x="120000" y="120000"/>
-                </a:lnTo>
-                <a:lnTo>
-                  <a:pt x="0" y="120000"/>
-                </a:lnTo>
-                <a:close/>
-              </a:path>
-            </a:pathLst>
-          </a:custGeom>
-        </p:spPr>
-      </p:sp>
-      <p:sp>
-        <p:nvSpPr>
-          <p:cNvPr id="92" name="Google Shape;92;g3159bdef500_0_144:notes"/>
-          <p:cNvSpPr txBox="1"/>
-          <p:nvPr>
-            <p:ph idx="1" type="body"/>
-          </p:nvPr>
-        </p:nvSpPr>
-        <p:spPr>
-          <a:xfrm>
-            <a:off x="685800" y="4343400"/>
-            <a:ext cx="5486400" cy="4114800"/>
-          </a:xfrm>
-          <a:prstGeom prst="rect">
-            <a:avLst/>
-          </a:prstGeom>
-        </p:spPr>
-        <p:txBody>
-          <a:bodyPr anchorCtr="0" anchor="t" bIns="91425" lIns="91425" spcFirstLastPara="1" rIns="91425" wrap="square" tIns="91425">
-            <a:noAutofit/>
-          </a:bodyPr>
-          <a:lstStyle/>
-          <a:p>
-            <a:pPr indent="0" lvl="0" marL="0" rtl="0" algn="l">
-              <a:spcBef>
-                <a:spcPts val="0"/>
-              </a:spcBef>
-              <a:spcAft>
-                <a:spcPts val="0"/>
-              </a:spcAft>
-              <a:buNone/>
-            </a:pPr>
-            <a:r>
-              <a:t/>
-            </a:r>
-            <a:endParaRPr/>
-          </a:p>
-        </p:txBody>
-      </p:sp>
-    </p:spTree>
-  </p:cSld>
-  <p:clrMapOvr>
-    <a:masterClrMapping/>
-  </p:clrMapOvr>
-</p:notes>
-</file>
-
-<file path=ppt/notesSlides/notesSlide8.xml><?xml version="1.0" encoding="utf-8"?>
-<p:notes xmlns:a="http://schemas.openxmlformats.org/drawingml/2006/main" xmlns:r="http://schemas.openxmlformats.org/officeDocument/2006/relationships" xmlns:mc="http://schemas.openxmlformats.org/markup-compatibility/2006" xmlns:mv="urn:schemas-microsoft-com:mac:vml" xmlns:p="http://schemas.openxmlformats.org/presentationml/2006/main" xmlns:c="http://schemas.openxmlformats.org/drawingml/2006/chart" xmlns:dgm="http://schemas.openxmlformats.org/drawingml/2006/diagram" xmlns:o="urn:schemas-microsoft-com:office:office" xmlns:v="urn:schemas-microsoft-com:vml" xmlns:pvml="urn:schemas-microsoft-com:office:powerpoint" xmlns:com="http://schemas.openxmlformats.org/drawingml/2006/compatibility" xmlns:p14="http://schemas.microsoft.com/office/powerpoint/2010/main" xmlns:p15="http://schemas.microsoft.com/office/powerpoint/2012/main" xmlns:ahyp="http://schemas.microsoft.com/office/drawing/2018/hyperlinkcolor" showMasterPhAnim="0" showMasterSp="0">
-  <p:cSld>
-    <p:spTree>
-      <p:nvGrpSpPr>
-        <p:cNvPr id="97" name="Shape 97"/>
+        <p:cNvPr id="1" name="Shape 97"/>
         <p:cNvGrpSpPr/>
         <p:nvPr/>
       </p:nvGrpSpPr>
@@ -1406,9 +1374,11 @@
       <p:sp>
         <p:nvSpPr>
           <p:cNvPr id="98" name="Google Shape;98;g3159bdef500_0_93:notes"/>
-          <p:cNvSpPr/>
+          <p:cNvSpPr>
+            <a:spLocks noGrp="1" noRot="1" noChangeAspect="1"/>
+          </p:cNvSpPr>
           <p:nvPr>
-            <p:ph idx="2" type="sldImg"/>
+            <p:ph type="sldImg" idx="2"/>
           </p:nvPr>
         </p:nvSpPr>
         <p:spPr>
@@ -1417,9 +1387,13 @@
             <a:ext cx="6096000" cy="3429000"/>
           </a:xfrm>
           <a:custGeom>
-            <a:rect b="b" l="l" r="r" t="t"/>
+            <a:avLst/>
+            <a:gdLst/>
+            <a:ahLst/>
+            <a:cxnLst/>
+            <a:rect l="l" t="t" r="r" b="b"/>
             <a:pathLst>
-              <a:path extrusionOk="0" h="120000" w="120000">
+              <a:path w="120000" h="120000" extrusionOk="0">
                 <a:moveTo>
                   <a:pt x="0" y="0"/>
                 </a:moveTo>
@@ -1441,9 +1415,11 @@
       <p:sp>
         <p:nvSpPr>
           <p:cNvPr id="99" name="Google Shape;99;g3159bdef500_0_93:notes"/>
-          <p:cNvSpPr txBox="1"/>
+          <p:cNvSpPr txBox="1">
+            <a:spLocks noGrp="1"/>
+          </p:cNvSpPr>
           <p:nvPr>
-            <p:ph idx="1" type="body"/>
+            <p:ph type="body" idx="1"/>
           </p:nvPr>
         </p:nvSpPr>
         <p:spPr>
@@ -1456,12 +1432,12 @@
           </a:prstGeom>
         </p:spPr>
         <p:txBody>
-          <a:bodyPr anchorCtr="0" anchor="t" bIns="91425" lIns="91425" spcFirstLastPara="1" rIns="91425" wrap="square" tIns="91425">
+          <a:bodyPr spcFirstLastPara="1" wrap="square" lIns="91425" tIns="91425" rIns="91425" bIns="91425" anchor="t" anchorCtr="0">
             <a:noAutofit/>
           </a:bodyPr>
           <a:lstStyle/>
           <a:p>
-            <a:pPr indent="0" lvl="0" marL="0" rtl="0" algn="l">
+            <a:pPr marL="0" lvl="0" indent="0" algn="l" rtl="0">
               <a:spcBef>
                 <a:spcPts val="0"/>
               </a:spcBef>
@@ -1470,9 +1446,6 @@
               </a:spcAft>
               <a:buNone/>
             </a:pPr>
-            <a:r>
-              <a:t/>
-            </a:r>
             <a:endParaRPr/>
           </a:p>
         </p:txBody>
@@ -1486,11 +1459,11 @@
 </file>
 
 <file path=ppt/slideLayouts/slideLayout1.xml><?xml version="1.0" encoding="utf-8"?>
-<p:sldLayout xmlns:a="http://schemas.openxmlformats.org/drawingml/2006/main" xmlns:r="http://schemas.openxmlformats.org/officeDocument/2006/relationships" xmlns:mc="http://schemas.openxmlformats.org/markup-compatibility/2006" xmlns:mv="urn:schemas-microsoft-com:mac:vml" xmlns:p="http://schemas.openxmlformats.org/presentationml/2006/main" xmlns:c="http://schemas.openxmlformats.org/drawingml/2006/chart" xmlns:dgm="http://schemas.openxmlformats.org/drawingml/2006/diagram" xmlns:o="urn:schemas-microsoft-com:office:office" xmlns:v="urn:schemas-microsoft-com:vml" xmlns:pvml="urn:schemas-microsoft-com:office:powerpoint" xmlns:com="http://schemas.openxmlformats.org/drawingml/2006/compatibility" xmlns:p14="http://schemas.microsoft.com/office/powerpoint/2010/main" xmlns:p15="http://schemas.microsoft.com/office/powerpoint/2012/main" xmlns:ahyp="http://schemas.microsoft.com/office/drawing/2018/hyperlinkcolor" matchingName="Title slide" type="title">
+<p:sldLayout xmlns:a="http://schemas.openxmlformats.org/drawingml/2006/main" xmlns:r="http://schemas.openxmlformats.org/officeDocument/2006/relationships" xmlns:p="http://schemas.openxmlformats.org/presentationml/2006/main" matchingName="Title slide" type="title">
   <p:cSld name="TITLE">
     <p:spTree>
       <p:nvGrpSpPr>
-        <p:cNvPr id="9" name="Shape 9"/>
+        <p:cNvPr id="1" name="Shape 9"/>
         <p:cNvGrpSpPr/>
         <p:nvPr/>
       </p:nvGrpSpPr>
@@ -1505,7 +1478,9 @@
       <p:sp>
         <p:nvSpPr>
           <p:cNvPr id="10" name="Google Shape;10;p2"/>
-          <p:cNvSpPr txBox="1"/>
+          <p:cNvSpPr txBox="1">
+            <a:spLocks noGrp="1"/>
+          </p:cNvSpPr>
           <p:nvPr>
             <p:ph type="ctrTitle"/>
           </p:nvPr>
@@ -1520,7 +1495,7 @@
           </a:prstGeom>
         </p:spPr>
         <p:txBody>
-          <a:bodyPr anchorCtr="0" anchor="b" bIns="91425" lIns="91425" spcFirstLastPara="1" rIns="91425" wrap="square" tIns="91425">
+          <a:bodyPr spcFirstLastPara="1" wrap="square" lIns="91425" tIns="91425" rIns="91425" bIns="91425" anchor="b" anchorCtr="0">
             <a:normAutofit/>
           </a:bodyPr>
           <a:lstStyle>
@@ -1624,15 +1599,19 @@
               <a:defRPr sz="5200"/>
             </a:lvl9pPr>
           </a:lstStyle>
-          <a:p/>
+          <a:p>
+            <a:endParaRPr/>
+          </a:p>
         </p:txBody>
       </p:sp>
       <p:sp>
         <p:nvSpPr>
           <p:cNvPr id="11" name="Google Shape;11;p2"/>
-          <p:cNvSpPr txBox="1"/>
+          <p:cNvSpPr txBox="1">
+            <a:spLocks noGrp="1"/>
+          </p:cNvSpPr>
           <p:nvPr>
-            <p:ph idx="1" type="subTitle"/>
+            <p:ph type="subTitle" idx="1"/>
           </p:nvPr>
         </p:nvSpPr>
         <p:spPr>
@@ -1645,7 +1624,7 @@
           </a:prstGeom>
         </p:spPr>
         <p:txBody>
-          <a:bodyPr anchorCtr="0" anchor="t" bIns="91425" lIns="91425" spcFirstLastPara="1" rIns="91425" wrap="square" tIns="91425">
+          <a:bodyPr spcFirstLastPara="1" wrap="square" lIns="91425" tIns="91425" rIns="91425" bIns="91425" anchor="t" anchorCtr="0">
             <a:normAutofit/>
           </a:bodyPr>
           <a:lstStyle>
@@ -1776,15 +1755,19 @@
               <a:defRPr sz="2800"/>
             </a:lvl9pPr>
           </a:lstStyle>
-          <a:p/>
+          <a:p>
+            <a:endParaRPr/>
+          </a:p>
         </p:txBody>
       </p:sp>
       <p:sp>
         <p:nvSpPr>
           <p:cNvPr id="12" name="Google Shape;12;p2"/>
-          <p:cNvSpPr txBox="1"/>
+          <p:cNvSpPr txBox="1">
+            <a:spLocks noGrp="1"/>
+          </p:cNvSpPr>
           <p:nvPr>
-            <p:ph idx="12" type="sldNum"/>
+            <p:ph type="sldNum" idx="12"/>
           </p:nvPr>
         </p:nvSpPr>
         <p:spPr>
@@ -1797,7 +1780,7 @@
           </a:prstGeom>
         </p:spPr>
         <p:txBody>
-          <a:bodyPr anchorCtr="0" anchor="ctr" bIns="91425" lIns="91425" spcFirstLastPara="1" rIns="91425" wrap="square" tIns="91425">
+          <a:bodyPr spcFirstLastPara="1" wrap="square" lIns="91425" tIns="91425" rIns="91425" bIns="91425" anchor="ctr" anchorCtr="0">
             <a:normAutofit/>
           </a:bodyPr>
           <a:lstStyle>
@@ -1839,7 +1822,7 @@
             </a:lvl9pPr>
           </a:lstStyle>
           <a:p>
-            <a:pPr indent="0" lvl="0" marL="0" rtl="0" algn="r">
+            <a:pPr marL="0" lvl="0" indent="0" algn="r" rtl="0">
               <a:spcBef>
                 <a:spcPts val="0"/>
               </a:spcBef>
@@ -1865,11 +1848,11 @@
 </file>
 
 <file path=ppt/slideLayouts/slideLayout10.xml><?xml version="1.0" encoding="utf-8"?>
-<p:sldLayout xmlns:a="http://schemas.openxmlformats.org/drawingml/2006/main" xmlns:r="http://schemas.openxmlformats.org/officeDocument/2006/relationships" xmlns:mc="http://schemas.openxmlformats.org/markup-compatibility/2006" xmlns:mv="urn:schemas-microsoft-com:mac:vml" xmlns:p="http://schemas.openxmlformats.org/presentationml/2006/main" xmlns:c="http://schemas.openxmlformats.org/drawingml/2006/chart" xmlns:dgm="http://schemas.openxmlformats.org/drawingml/2006/diagram" xmlns:o="urn:schemas-microsoft-com:office:office" xmlns:v="urn:schemas-microsoft-com:vml" xmlns:pvml="urn:schemas-microsoft-com:office:powerpoint" xmlns:com="http://schemas.openxmlformats.org/drawingml/2006/compatibility" xmlns:p14="http://schemas.microsoft.com/office/powerpoint/2010/main" xmlns:p15="http://schemas.microsoft.com/office/powerpoint/2012/main" xmlns:ahyp="http://schemas.microsoft.com/office/drawing/2018/hyperlinkcolor" matchingName="Big number">
+<p:sldLayout xmlns:a="http://schemas.openxmlformats.org/drawingml/2006/main" xmlns:r="http://schemas.openxmlformats.org/officeDocument/2006/relationships" xmlns:p="http://schemas.openxmlformats.org/presentationml/2006/main" matchingName="Big number">
   <p:cSld name="BIG_NUMBER">
     <p:spTree>
       <p:nvGrpSpPr>
-        <p:cNvPr id="44" name="Shape 44"/>
+        <p:cNvPr id="1" name="Shape 44"/>
         <p:cNvGrpSpPr/>
         <p:nvPr/>
       </p:nvGrpSpPr>
@@ -1884,9 +1867,11 @@
       <p:sp>
         <p:nvSpPr>
           <p:cNvPr id="45" name="Google Shape;45;p11"/>
-          <p:cNvSpPr txBox="1"/>
+          <p:cNvSpPr txBox="1">
+            <a:spLocks noGrp="1"/>
+          </p:cNvSpPr>
           <p:nvPr>
-            <p:ph hasCustomPrompt="1" type="title"/>
+            <p:ph type="title" hasCustomPrompt="1"/>
           </p:nvPr>
         </p:nvSpPr>
         <p:spPr>
@@ -1899,7 +1884,7 @@
           </a:prstGeom>
         </p:spPr>
         <p:txBody>
-          <a:bodyPr anchorCtr="0" anchor="b" bIns="91425" lIns="91425" spcFirstLastPara="1" rIns="91425" wrap="square" tIns="91425">
+          <a:bodyPr spcFirstLastPara="1" wrap="square" lIns="91425" tIns="91425" rIns="91425" bIns="91425" anchor="b" anchorCtr="0">
             <a:normAutofit/>
           </a:bodyPr>
           <a:lstStyle>
@@ -2013,9 +1998,11 @@
       <p:sp>
         <p:nvSpPr>
           <p:cNvPr id="46" name="Google Shape;46;p11"/>
-          <p:cNvSpPr txBox="1"/>
+          <p:cNvSpPr txBox="1">
+            <a:spLocks noGrp="1"/>
+          </p:cNvSpPr>
           <p:nvPr>
-            <p:ph idx="1" type="body"/>
+            <p:ph type="body" idx="1"/>
           </p:nvPr>
         </p:nvSpPr>
         <p:spPr>
@@ -2028,11 +2015,11 @@
           </a:prstGeom>
         </p:spPr>
         <p:txBody>
-          <a:bodyPr anchorCtr="0" anchor="t" bIns="91425" lIns="91425" spcFirstLastPara="1" rIns="91425" wrap="square" tIns="91425">
+          <a:bodyPr spcFirstLastPara="1" wrap="square" lIns="91425" tIns="91425" rIns="91425" bIns="91425" anchor="t" anchorCtr="0">
             <a:normAutofit/>
           </a:bodyPr>
           <a:lstStyle>
-            <a:lvl1pPr indent="-342900" lvl="0" marL="457200" algn="ctr">
+            <a:lvl1pPr marL="457200" lvl="0" indent="-342900" algn="ctr">
               <a:spcBef>
                 <a:spcPts val="0"/>
               </a:spcBef>
@@ -2043,7 +2030,7 @@
               <a:buChar char="●"/>
               <a:defRPr/>
             </a:lvl1pPr>
-            <a:lvl2pPr indent="-317500" lvl="1" marL="914400" algn="ctr">
+            <a:lvl2pPr marL="914400" lvl="1" indent="-317500" algn="ctr">
               <a:spcBef>
                 <a:spcPts val="0"/>
               </a:spcBef>
@@ -2054,7 +2041,7 @@
               <a:buChar char="○"/>
               <a:defRPr/>
             </a:lvl2pPr>
-            <a:lvl3pPr indent="-317500" lvl="2" marL="1371600" algn="ctr">
+            <a:lvl3pPr marL="1371600" lvl="2" indent="-317500" algn="ctr">
               <a:spcBef>
                 <a:spcPts val="0"/>
               </a:spcBef>
@@ -2065,7 +2052,7 @@
               <a:buChar char="■"/>
               <a:defRPr/>
             </a:lvl3pPr>
-            <a:lvl4pPr indent="-317500" lvl="3" marL="1828800" algn="ctr">
+            <a:lvl4pPr marL="1828800" lvl="3" indent="-317500" algn="ctr">
               <a:spcBef>
                 <a:spcPts val="0"/>
               </a:spcBef>
@@ -2076,7 +2063,7 @@
               <a:buChar char="●"/>
               <a:defRPr/>
             </a:lvl4pPr>
-            <a:lvl5pPr indent="-317500" lvl="4" marL="2286000" algn="ctr">
+            <a:lvl5pPr marL="2286000" lvl="4" indent="-317500" algn="ctr">
               <a:spcBef>
                 <a:spcPts val="0"/>
               </a:spcBef>
@@ -2087,7 +2074,7 @@
               <a:buChar char="○"/>
               <a:defRPr/>
             </a:lvl5pPr>
-            <a:lvl6pPr indent="-317500" lvl="5" marL="2743200" algn="ctr">
+            <a:lvl6pPr marL="2743200" lvl="5" indent="-317500" algn="ctr">
               <a:spcBef>
                 <a:spcPts val="0"/>
               </a:spcBef>
@@ -2098,7 +2085,7 @@
               <a:buChar char="■"/>
               <a:defRPr/>
             </a:lvl6pPr>
-            <a:lvl7pPr indent="-317500" lvl="6" marL="3200400" algn="ctr">
+            <a:lvl7pPr marL="3200400" lvl="6" indent="-317500" algn="ctr">
               <a:spcBef>
                 <a:spcPts val="0"/>
               </a:spcBef>
@@ -2109,7 +2096,7 @@
               <a:buChar char="●"/>
               <a:defRPr/>
             </a:lvl7pPr>
-            <a:lvl8pPr indent="-317500" lvl="7" marL="3657600" algn="ctr">
+            <a:lvl8pPr marL="3657600" lvl="7" indent="-317500" algn="ctr">
               <a:spcBef>
                 <a:spcPts val="0"/>
               </a:spcBef>
@@ -2120,7 +2107,7 @@
               <a:buChar char="○"/>
               <a:defRPr/>
             </a:lvl8pPr>
-            <a:lvl9pPr indent="-317500" lvl="8" marL="4114800" algn="ctr">
+            <a:lvl9pPr marL="4114800" lvl="8" indent="-317500" algn="ctr">
               <a:spcBef>
                 <a:spcPts val="0"/>
               </a:spcBef>
@@ -2132,15 +2119,19 @@
               <a:defRPr/>
             </a:lvl9pPr>
           </a:lstStyle>
-          <a:p/>
+          <a:p>
+            <a:endParaRPr/>
+          </a:p>
         </p:txBody>
       </p:sp>
       <p:sp>
         <p:nvSpPr>
           <p:cNvPr id="47" name="Google Shape;47;p11"/>
-          <p:cNvSpPr txBox="1"/>
+          <p:cNvSpPr txBox="1">
+            <a:spLocks noGrp="1"/>
+          </p:cNvSpPr>
           <p:nvPr>
-            <p:ph idx="12" type="sldNum"/>
+            <p:ph type="sldNum" idx="12"/>
           </p:nvPr>
         </p:nvSpPr>
         <p:spPr>
@@ -2153,7 +2144,7 @@
           </a:prstGeom>
         </p:spPr>
         <p:txBody>
-          <a:bodyPr anchorCtr="0" anchor="ctr" bIns="91425" lIns="91425" spcFirstLastPara="1" rIns="91425" wrap="square" tIns="91425">
+          <a:bodyPr spcFirstLastPara="1" wrap="square" lIns="91425" tIns="91425" rIns="91425" bIns="91425" anchor="ctr" anchorCtr="0">
             <a:normAutofit/>
           </a:bodyPr>
           <a:lstStyle>
@@ -2195,7 +2186,7 @@
             </a:lvl9pPr>
           </a:lstStyle>
           <a:p>
-            <a:pPr indent="0" lvl="0" marL="0" rtl="0" algn="r">
+            <a:pPr marL="0" lvl="0" indent="0" algn="r" rtl="0">
               <a:spcBef>
                 <a:spcPts val="0"/>
               </a:spcBef>
@@ -2221,11 +2212,11 @@
 </file>
 
 <file path=ppt/slideLayouts/slideLayout11.xml><?xml version="1.0" encoding="utf-8"?>
-<p:sldLayout xmlns:a="http://schemas.openxmlformats.org/drawingml/2006/main" xmlns:r="http://schemas.openxmlformats.org/officeDocument/2006/relationships" xmlns:mc="http://schemas.openxmlformats.org/markup-compatibility/2006" xmlns:mv="urn:schemas-microsoft-com:mac:vml" xmlns:p="http://schemas.openxmlformats.org/presentationml/2006/main" xmlns:c="http://schemas.openxmlformats.org/drawingml/2006/chart" xmlns:dgm="http://schemas.openxmlformats.org/drawingml/2006/diagram" xmlns:o="urn:schemas-microsoft-com:office:office" xmlns:v="urn:schemas-microsoft-com:vml" xmlns:pvml="urn:schemas-microsoft-com:office:powerpoint" xmlns:com="http://schemas.openxmlformats.org/drawingml/2006/compatibility" xmlns:p14="http://schemas.microsoft.com/office/powerpoint/2010/main" xmlns:p15="http://schemas.microsoft.com/office/powerpoint/2012/main" xmlns:ahyp="http://schemas.microsoft.com/office/drawing/2018/hyperlinkcolor" matchingName="Blank" type="blank">
+<p:sldLayout xmlns:a="http://schemas.openxmlformats.org/drawingml/2006/main" xmlns:r="http://schemas.openxmlformats.org/officeDocument/2006/relationships" xmlns:p="http://schemas.openxmlformats.org/presentationml/2006/main" matchingName="Blank" type="blank">
   <p:cSld name="BLANK">
     <p:spTree>
       <p:nvGrpSpPr>
-        <p:cNvPr id="48" name="Shape 48"/>
+        <p:cNvPr id="1" name="Shape 48"/>
         <p:cNvGrpSpPr/>
         <p:nvPr/>
       </p:nvGrpSpPr>
@@ -2240,9 +2231,11 @@
       <p:sp>
         <p:nvSpPr>
           <p:cNvPr id="49" name="Google Shape;49;p12"/>
-          <p:cNvSpPr txBox="1"/>
+          <p:cNvSpPr txBox="1">
+            <a:spLocks noGrp="1"/>
+          </p:cNvSpPr>
           <p:nvPr>
-            <p:ph idx="12" type="sldNum"/>
+            <p:ph type="sldNum" idx="12"/>
           </p:nvPr>
         </p:nvSpPr>
         <p:spPr>
@@ -2255,7 +2248,7 @@
           </a:prstGeom>
         </p:spPr>
         <p:txBody>
-          <a:bodyPr anchorCtr="0" anchor="ctr" bIns="91425" lIns="91425" spcFirstLastPara="1" rIns="91425" wrap="square" tIns="91425">
+          <a:bodyPr spcFirstLastPara="1" wrap="square" lIns="91425" tIns="91425" rIns="91425" bIns="91425" anchor="ctr" anchorCtr="0">
             <a:normAutofit/>
           </a:bodyPr>
           <a:lstStyle>
@@ -2297,7 +2290,7 @@
             </a:lvl9pPr>
           </a:lstStyle>
           <a:p>
-            <a:pPr indent="0" lvl="0" marL="0" rtl="0" algn="r">
+            <a:pPr marL="0" lvl="0" indent="0" algn="r" rtl="0">
               <a:spcBef>
                 <a:spcPts val="0"/>
               </a:spcBef>
@@ -2323,11 +2316,11 @@
 </file>
 
 <file path=ppt/slideLayouts/slideLayout2.xml><?xml version="1.0" encoding="utf-8"?>
-<p:sldLayout xmlns:a="http://schemas.openxmlformats.org/drawingml/2006/main" xmlns:r="http://schemas.openxmlformats.org/officeDocument/2006/relationships" xmlns:mc="http://schemas.openxmlformats.org/markup-compatibility/2006" xmlns:mv="urn:schemas-microsoft-com:mac:vml" xmlns:p="http://schemas.openxmlformats.org/presentationml/2006/main" xmlns:c="http://schemas.openxmlformats.org/drawingml/2006/chart" xmlns:dgm="http://schemas.openxmlformats.org/drawingml/2006/diagram" xmlns:o="urn:schemas-microsoft-com:office:office" xmlns:v="urn:schemas-microsoft-com:vml" xmlns:pvml="urn:schemas-microsoft-com:office:powerpoint" xmlns:com="http://schemas.openxmlformats.org/drawingml/2006/compatibility" xmlns:p14="http://schemas.microsoft.com/office/powerpoint/2010/main" xmlns:p15="http://schemas.microsoft.com/office/powerpoint/2012/main" xmlns:ahyp="http://schemas.microsoft.com/office/drawing/2018/hyperlinkcolor" matchingName="Section header" type="secHead">
+<p:sldLayout xmlns:a="http://schemas.openxmlformats.org/drawingml/2006/main" xmlns:r="http://schemas.openxmlformats.org/officeDocument/2006/relationships" xmlns:p="http://schemas.openxmlformats.org/presentationml/2006/main" matchingName="Section header" type="secHead">
   <p:cSld name="SECTION_HEADER">
     <p:spTree>
       <p:nvGrpSpPr>
-        <p:cNvPr id="13" name="Shape 13"/>
+        <p:cNvPr id="1" name="Shape 13"/>
         <p:cNvGrpSpPr/>
         <p:nvPr/>
       </p:nvGrpSpPr>
@@ -2342,7 +2335,9 @@
       <p:sp>
         <p:nvSpPr>
           <p:cNvPr id="14" name="Google Shape;14;p3"/>
-          <p:cNvSpPr txBox="1"/>
+          <p:cNvSpPr txBox="1">
+            <a:spLocks noGrp="1"/>
+          </p:cNvSpPr>
           <p:nvPr>
             <p:ph type="title"/>
           </p:nvPr>
@@ -2357,7 +2352,7 @@
           </a:prstGeom>
         </p:spPr>
         <p:txBody>
-          <a:bodyPr anchorCtr="0" anchor="ctr" bIns="91425" lIns="91425" spcFirstLastPara="1" rIns="91425" wrap="square" tIns="91425">
+          <a:bodyPr spcFirstLastPara="1" wrap="square" lIns="91425" tIns="91425" rIns="91425" bIns="91425" anchor="ctr" anchorCtr="0">
             <a:normAutofit/>
           </a:bodyPr>
           <a:lstStyle>
@@ -2461,15 +2456,19 @@
               <a:defRPr sz="3600"/>
             </a:lvl9pPr>
           </a:lstStyle>
-          <a:p/>
+          <a:p>
+            <a:endParaRPr/>
+          </a:p>
         </p:txBody>
       </p:sp>
       <p:sp>
         <p:nvSpPr>
           <p:cNvPr id="15" name="Google Shape;15;p3"/>
-          <p:cNvSpPr txBox="1"/>
+          <p:cNvSpPr txBox="1">
+            <a:spLocks noGrp="1"/>
+          </p:cNvSpPr>
           <p:nvPr>
-            <p:ph idx="12" type="sldNum"/>
+            <p:ph type="sldNum" idx="12"/>
           </p:nvPr>
         </p:nvSpPr>
         <p:spPr>
@@ -2482,7 +2481,7 @@
           </a:prstGeom>
         </p:spPr>
         <p:txBody>
-          <a:bodyPr anchorCtr="0" anchor="ctr" bIns="91425" lIns="91425" spcFirstLastPara="1" rIns="91425" wrap="square" tIns="91425">
+          <a:bodyPr spcFirstLastPara="1" wrap="square" lIns="91425" tIns="91425" rIns="91425" bIns="91425" anchor="ctr" anchorCtr="0">
             <a:normAutofit/>
           </a:bodyPr>
           <a:lstStyle>
@@ -2524,7 +2523,7 @@
             </a:lvl9pPr>
           </a:lstStyle>
           <a:p>
-            <a:pPr indent="0" lvl="0" marL="0" rtl="0" algn="r">
+            <a:pPr marL="0" lvl="0" indent="0" algn="r" rtl="0">
               <a:spcBef>
                 <a:spcPts val="0"/>
               </a:spcBef>
@@ -2550,11 +2549,11 @@
 </file>
 
 <file path=ppt/slideLayouts/slideLayout3.xml><?xml version="1.0" encoding="utf-8"?>
-<p:sldLayout xmlns:a="http://schemas.openxmlformats.org/drawingml/2006/main" xmlns:r="http://schemas.openxmlformats.org/officeDocument/2006/relationships" xmlns:mc="http://schemas.openxmlformats.org/markup-compatibility/2006" xmlns:mv="urn:schemas-microsoft-com:mac:vml" xmlns:p="http://schemas.openxmlformats.org/presentationml/2006/main" xmlns:c="http://schemas.openxmlformats.org/drawingml/2006/chart" xmlns:dgm="http://schemas.openxmlformats.org/drawingml/2006/diagram" xmlns:o="urn:schemas-microsoft-com:office:office" xmlns:v="urn:schemas-microsoft-com:vml" xmlns:pvml="urn:schemas-microsoft-com:office:powerpoint" xmlns:com="http://schemas.openxmlformats.org/drawingml/2006/compatibility" xmlns:p14="http://schemas.microsoft.com/office/powerpoint/2010/main" xmlns:p15="http://schemas.microsoft.com/office/powerpoint/2012/main" xmlns:ahyp="http://schemas.microsoft.com/office/drawing/2018/hyperlinkcolor" matchingName="Title and body" type="tx">
+<p:sldLayout xmlns:a="http://schemas.openxmlformats.org/drawingml/2006/main" xmlns:r="http://schemas.openxmlformats.org/officeDocument/2006/relationships" xmlns:p="http://schemas.openxmlformats.org/presentationml/2006/main" matchingName="Title and body" type="tx">
   <p:cSld name="TITLE_AND_BODY">
     <p:spTree>
       <p:nvGrpSpPr>
-        <p:cNvPr id="16" name="Shape 16"/>
+        <p:cNvPr id="1" name="Shape 16"/>
         <p:cNvGrpSpPr/>
         <p:nvPr/>
       </p:nvGrpSpPr>
@@ -2569,7 +2568,9 @@
       <p:sp>
         <p:nvSpPr>
           <p:cNvPr id="17" name="Google Shape;17;p4"/>
-          <p:cNvSpPr txBox="1"/>
+          <p:cNvSpPr txBox="1">
+            <a:spLocks noGrp="1"/>
+          </p:cNvSpPr>
           <p:nvPr>
             <p:ph type="title"/>
           </p:nvPr>
@@ -2584,7 +2585,7 @@
           </a:prstGeom>
         </p:spPr>
         <p:txBody>
-          <a:bodyPr anchorCtr="0" anchor="t" bIns="91425" lIns="91425" spcFirstLastPara="1" rIns="91425" wrap="square" tIns="91425">
+          <a:bodyPr spcFirstLastPara="1" wrap="square" lIns="91425" tIns="91425" rIns="91425" bIns="91425" anchor="t" anchorCtr="0">
             <a:normAutofit/>
           </a:bodyPr>
           <a:lstStyle>
@@ -2688,15 +2689,19 @@
               <a:defRPr/>
             </a:lvl9pPr>
           </a:lstStyle>
-          <a:p/>
+          <a:p>
+            <a:endParaRPr/>
+          </a:p>
         </p:txBody>
       </p:sp>
       <p:sp>
         <p:nvSpPr>
           <p:cNvPr id="18" name="Google Shape;18;p4"/>
-          <p:cNvSpPr txBox="1"/>
+          <p:cNvSpPr txBox="1">
+            <a:spLocks noGrp="1"/>
+          </p:cNvSpPr>
           <p:nvPr>
-            <p:ph idx="1" type="body"/>
+            <p:ph type="body" idx="1"/>
           </p:nvPr>
         </p:nvSpPr>
         <p:spPr>
@@ -2709,11 +2714,11 @@
           </a:prstGeom>
         </p:spPr>
         <p:txBody>
-          <a:bodyPr anchorCtr="0" anchor="t" bIns="91425" lIns="91425" spcFirstLastPara="1" rIns="91425" wrap="square" tIns="91425">
+          <a:bodyPr spcFirstLastPara="1" wrap="square" lIns="91425" tIns="91425" rIns="91425" bIns="91425" anchor="t" anchorCtr="0">
             <a:normAutofit/>
           </a:bodyPr>
           <a:lstStyle>
-            <a:lvl1pPr indent="-342900" lvl="0" marL="457200">
+            <a:lvl1pPr marL="457200" lvl="0" indent="-342900">
               <a:spcBef>
                 <a:spcPts val="0"/>
               </a:spcBef>
@@ -2724,7 +2729,7 @@
               <a:buChar char="●"/>
               <a:defRPr/>
             </a:lvl1pPr>
-            <a:lvl2pPr indent="-317500" lvl="1" marL="914400">
+            <a:lvl2pPr marL="914400" lvl="1" indent="-317500">
               <a:spcBef>
                 <a:spcPts val="0"/>
               </a:spcBef>
@@ -2735,7 +2740,7 @@
               <a:buChar char="○"/>
               <a:defRPr/>
             </a:lvl2pPr>
-            <a:lvl3pPr indent="-317500" lvl="2" marL="1371600">
+            <a:lvl3pPr marL="1371600" lvl="2" indent="-317500">
               <a:spcBef>
                 <a:spcPts val="0"/>
               </a:spcBef>
@@ -2746,7 +2751,7 @@
               <a:buChar char="■"/>
               <a:defRPr/>
             </a:lvl3pPr>
-            <a:lvl4pPr indent="-317500" lvl="3" marL="1828800">
+            <a:lvl4pPr marL="1828800" lvl="3" indent="-317500">
               <a:spcBef>
                 <a:spcPts val="0"/>
               </a:spcBef>
@@ -2757,7 +2762,7 @@
               <a:buChar char="●"/>
               <a:defRPr/>
             </a:lvl4pPr>
-            <a:lvl5pPr indent="-317500" lvl="4" marL="2286000">
+            <a:lvl5pPr marL="2286000" lvl="4" indent="-317500">
               <a:spcBef>
                 <a:spcPts val="0"/>
               </a:spcBef>
@@ -2768,7 +2773,7 @@
               <a:buChar char="○"/>
               <a:defRPr/>
             </a:lvl5pPr>
-            <a:lvl6pPr indent="-317500" lvl="5" marL="2743200">
+            <a:lvl6pPr marL="2743200" lvl="5" indent="-317500">
               <a:spcBef>
                 <a:spcPts val="0"/>
               </a:spcBef>
@@ -2779,7 +2784,7 @@
               <a:buChar char="■"/>
               <a:defRPr/>
             </a:lvl6pPr>
-            <a:lvl7pPr indent="-317500" lvl="6" marL="3200400">
+            <a:lvl7pPr marL="3200400" lvl="6" indent="-317500">
               <a:spcBef>
                 <a:spcPts val="0"/>
               </a:spcBef>
@@ -2790,7 +2795,7 @@
               <a:buChar char="●"/>
               <a:defRPr/>
             </a:lvl7pPr>
-            <a:lvl8pPr indent="-317500" lvl="7" marL="3657600">
+            <a:lvl8pPr marL="3657600" lvl="7" indent="-317500">
               <a:spcBef>
                 <a:spcPts val="0"/>
               </a:spcBef>
@@ -2801,7 +2806,7 @@
               <a:buChar char="○"/>
               <a:defRPr/>
             </a:lvl8pPr>
-            <a:lvl9pPr indent="-317500" lvl="8" marL="4114800">
+            <a:lvl9pPr marL="4114800" lvl="8" indent="-317500">
               <a:spcBef>
                 <a:spcPts val="0"/>
               </a:spcBef>
@@ -2813,15 +2818,19 @@
               <a:defRPr/>
             </a:lvl9pPr>
           </a:lstStyle>
-          <a:p/>
+          <a:p>
+            <a:endParaRPr/>
+          </a:p>
         </p:txBody>
       </p:sp>
       <p:sp>
         <p:nvSpPr>
           <p:cNvPr id="19" name="Google Shape;19;p4"/>
-          <p:cNvSpPr txBox="1"/>
+          <p:cNvSpPr txBox="1">
+            <a:spLocks noGrp="1"/>
+          </p:cNvSpPr>
           <p:nvPr>
-            <p:ph idx="12" type="sldNum"/>
+            <p:ph type="sldNum" idx="12"/>
           </p:nvPr>
         </p:nvSpPr>
         <p:spPr>
@@ -2834,7 +2843,7 @@
           </a:prstGeom>
         </p:spPr>
         <p:txBody>
-          <a:bodyPr anchorCtr="0" anchor="ctr" bIns="91425" lIns="91425" spcFirstLastPara="1" rIns="91425" wrap="square" tIns="91425">
+          <a:bodyPr spcFirstLastPara="1" wrap="square" lIns="91425" tIns="91425" rIns="91425" bIns="91425" anchor="ctr" anchorCtr="0">
             <a:normAutofit/>
           </a:bodyPr>
           <a:lstStyle>
@@ -2876,7 +2885,7 @@
             </a:lvl9pPr>
           </a:lstStyle>
           <a:p>
-            <a:pPr indent="0" lvl="0" marL="0" rtl="0" algn="r">
+            <a:pPr marL="0" lvl="0" indent="0" algn="r" rtl="0">
               <a:spcBef>
                 <a:spcPts val="0"/>
               </a:spcBef>
@@ -2902,11 +2911,11 @@
 </file>
 
 <file path=ppt/slideLayouts/slideLayout4.xml><?xml version="1.0" encoding="utf-8"?>
-<p:sldLayout xmlns:a="http://schemas.openxmlformats.org/drawingml/2006/main" xmlns:r="http://schemas.openxmlformats.org/officeDocument/2006/relationships" xmlns:mc="http://schemas.openxmlformats.org/markup-compatibility/2006" xmlns:mv="urn:schemas-microsoft-com:mac:vml" xmlns:p="http://schemas.openxmlformats.org/presentationml/2006/main" xmlns:c="http://schemas.openxmlformats.org/drawingml/2006/chart" xmlns:dgm="http://schemas.openxmlformats.org/drawingml/2006/diagram" xmlns:o="urn:schemas-microsoft-com:office:office" xmlns:v="urn:schemas-microsoft-com:vml" xmlns:pvml="urn:schemas-microsoft-com:office:powerpoint" xmlns:com="http://schemas.openxmlformats.org/drawingml/2006/compatibility" xmlns:p14="http://schemas.microsoft.com/office/powerpoint/2010/main" xmlns:p15="http://schemas.microsoft.com/office/powerpoint/2012/main" xmlns:ahyp="http://schemas.microsoft.com/office/drawing/2018/hyperlinkcolor" matchingName="Title and two columns" type="twoColTx">
+<p:sldLayout xmlns:a="http://schemas.openxmlformats.org/drawingml/2006/main" xmlns:r="http://schemas.openxmlformats.org/officeDocument/2006/relationships" xmlns:p="http://schemas.openxmlformats.org/presentationml/2006/main" matchingName="Title and two columns" type="twoColTx">
   <p:cSld name="TITLE_AND_TWO_COLUMNS">
     <p:spTree>
       <p:nvGrpSpPr>
-        <p:cNvPr id="20" name="Shape 20"/>
+        <p:cNvPr id="1" name="Shape 20"/>
         <p:cNvGrpSpPr/>
         <p:nvPr/>
       </p:nvGrpSpPr>
@@ -2921,7 +2930,9 @@
       <p:sp>
         <p:nvSpPr>
           <p:cNvPr id="21" name="Google Shape;21;p5"/>
-          <p:cNvSpPr txBox="1"/>
+          <p:cNvSpPr txBox="1">
+            <a:spLocks noGrp="1"/>
+          </p:cNvSpPr>
           <p:nvPr>
             <p:ph type="title"/>
           </p:nvPr>
@@ -2936,7 +2947,7 @@
           </a:prstGeom>
         </p:spPr>
         <p:txBody>
-          <a:bodyPr anchorCtr="0" anchor="t" bIns="91425" lIns="91425" spcFirstLastPara="1" rIns="91425" wrap="square" tIns="91425">
+          <a:bodyPr spcFirstLastPara="1" wrap="square" lIns="91425" tIns="91425" rIns="91425" bIns="91425" anchor="t" anchorCtr="0">
             <a:normAutofit/>
           </a:bodyPr>
           <a:lstStyle>
@@ -3040,15 +3051,19 @@
               <a:defRPr/>
             </a:lvl9pPr>
           </a:lstStyle>
-          <a:p/>
+          <a:p>
+            <a:endParaRPr/>
+          </a:p>
         </p:txBody>
       </p:sp>
       <p:sp>
         <p:nvSpPr>
           <p:cNvPr id="22" name="Google Shape;22;p5"/>
-          <p:cNvSpPr txBox="1"/>
+          <p:cNvSpPr txBox="1">
+            <a:spLocks noGrp="1"/>
+          </p:cNvSpPr>
           <p:nvPr>
-            <p:ph idx="1" type="body"/>
+            <p:ph type="body" idx="1"/>
           </p:nvPr>
         </p:nvSpPr>
         <p:spPr>
@@ -3061,11 +3076,11 @@
           </a:prstGeom>
         </p:spPr>
         <p:txBody>
-          <a:bodyPr anchorCtr="0" anchor="t" bIns="91425" lIns="91425" spcFirstLastPara="1" rIns="91425" wrap="square" tIns="91425">
+          <a:bodyPr spcFirstLastPara="1" wrap="square" lIns="91425" tIns="91425" rIns="91425" bIns="91425" anchor="t" anchorCtr="0">
             <a:normAutofit/>
           </a:bodyPr>
           <a:lstStyle>
-            <a:lvl1pPr indent="-317500" lvl="0" marL="457200">
+            <a:lvl1pPr marL="457200" lvl="0" indent="-317500">
               <a:spcBef>
                 <a:spcPts val="0"/>
               </a:spcBef>
@@ -3076,7 +3091,7 @@
               <a:buChar char="●"/>
               <a:defRPr sz="1400"/>
             </a:lvl1pPr>
-            <a:lvl2pPr indent="-304800" lvl="1" marL="914400">
+            <a:lvl2pPr marL="914400" lvl="1" indent="-304800">
               <a:spcBef>
                 <a:spcPts val="0"/>
               </a:spcBef>
@@ -3087,7 +3102,7 @@
               <a:buChar char="○"/>
               <a:defRPr sz="1200"/>
             </a:lvl2pPr>
-            <a:lvl3pPr indent="-304800" lvl="2" marL="1371600">
+            <a:lvl3pPr marL="1371600" lvl="2" indent="-304800">
               <a:spcBef>
                 <a:spcPts val="0"/>
               </a:spcBef>
@@ -3098,7 +3113,7 @@
               <a:buChar char="■"/>
               <a:defRPr sz="1200"/>
             </a:lvl3pPr>
-            <a:lvl4pPr indent="-304800" lvl="3" marL="1828800">
+            <a:lvl4pPr marL="1828800" lvl="3" indent="-304800">
               <a:spcBef>
                 <a:spcPts val="0"/>
               </a:spcBef>
@@ -3109,7 +3124,7 @@
               <a:buChar char="●"/>
               <a:defRPr sz="1200"/>
             </a:lvl4pPr>
-            <a:lvl5pPr indent="-304800" lvl="4" marL="2286000">
+            <a:lvl5pPr marL="2286000" lvl="4" indent="-304800">
               <a:spcBef>
                 <a:spcPts val="0"/>
               </a:spcBef>
@@ -3120,7 +3135,7 @@
               <a:buChar char="○"/>
               <a:defRPr sz="1200"/>
             </a:lvl5pPr>
-            <a:lvl6pPr indent="-304800" lvl="5" marL="2743200">
+            <a:lvl6pPr marL="2743200" lvl="5" indent="-304800">
               <a:spcBef>
                 <a:spcPts val="0"/>
               </a:spcBef>
@@ -3131,7 +3146,7 @@
               <a:buChar char="■"/>
               <a:defRPr sz="1200"/>
             </a:lvl6pPr>
-            <a:lvl7pPr indent="-304800" lvl="6" marL="3200400">
+            <a:lvl7pPr marL="3200400" lvl="6" indent="-304800">
               <a:spcBef>
                 <a:spcPts val="0"/>
               </a:spcBef>
@@ -3142,7 +3157,7 @@
               <a:buChar char="●"/>
               <a:defRPr sz="1200"/>
             </a:lvl7pPr>
-            <a:lvl8pPr indent="-304800" lvl="7" marL="3657600">
+            <a:lvl8pPr marL="3657600" lvl="7" indent="-304800">
               <a:spcBef>
                 <a:spcPts val="0"/>
               </a:spcBef>
@@ -3153,7 +3168,7 @@
               <a:buChar char="○"/>
               <a:defRPr sz="1200"/>
             </a:lvl8pPr>
-            <a:lvl9pPr indent="-304800" lvl="8" marL="4114800">
+            <a:lvl9pPr marL="4114800" lvl="8" indent="-304800">
               <a:spcBef>
                 <a:spcPts val="0"/>
               </a:spcBef>
@@ -3165,15 +3180,19 @@
               <a:defRPr sz="1200"/>
             </a:lvl9pPr>
           </a:lstStyle>
-          <a:p/>
+          <a:p>
+            <a:endParaRPr/>
+          </a:p>
         </p:txBody>
       </p:sp>
       <p:sp>
         <p:nvSpPr>
           <p:cNvPr id="23" name="Google Shape;23;p5"/>
-          <p:cNvSpPr txBox="1"/>
+          <p:cNvSpPr txBox="1">
+            <a:spLocks noGrp="1"/>
+          </p:cNvSpPr>
           <p:nvPr>
-            <p:ph idx="2" type="body"/>
+            <p:ph type="body" idx="2"/>
           </p:nvPr>
         </p:nvSpPr>
         <p:spPr>
@@ -3186,11 +3205,11 @@
           </a:prstGeom>
         </p:spPr>
         <p:txBody>
-          <a:bodyPr anchorCtr="0" anchor="t" bIns="91425" lIns="91425" spcFirstLastPara="1" rIns="91425" wrap="square" tIns="91425">
+          <a:bodyPr spcFirstLastPara="1" wrap="square" lIns="91425" tIns="91425" rIns="91425" bIns="91425" anchor="t" anchorCtr="0">
             <a:normAutofit/>
           </a:bodyPr>
           <a:lstStyle>
-            <a:lvl1pPr indent="-317500" lvl="0" marL="457200">
+            <a:lvl1pPr marL="457200" lvl="0" indent="-317500">
               <a:spcBef>
                 <a:spcPts val="0"/>
               </a:spcBef>
@@ -3201,7 +3220,7 @@
               <a:buChar char="●"/>
               <a:defRPr sz="1400"/>
             </a:lvl1pPr>
-            <a:lvl2pPr indent="-304800" lvl="1" marL="914400">
+            <a:lvl2pPr marL="914400" lvl="1" indent="-304800">
               <a:spcBef>
                 <a:spcPts val="0"/>
               </a:spcBef>
@@ -3212,7 +3231,7 @@
               <a:buChar char="○"/>
               <a:defRPr sz="1200"/>
             </a:lvl2pPr>
-            <a:lvl3pPr indent="-304800" lvl="2" marL="1371600">
+            <a:lvl3pPr marL="1371600" lvl="2" indent="-304800">
               <a:spcBef>
                 <a:spcPts val="0"/>
               </a:spcBef>
@@ -3223,7 +3242,7 @@
               <a:buChar char="■"/>
               <a:defRPr sz="1200"/>
             </a:lvl3pPr>
-            <a:lvl4pPr indent="-304800" lvl="3" marL="1828800">
+            <a:lvl4pPr marL="1828800" lvl="3" indent="-304800">
               <a:spcBef>
                 <a:spcPts val="0"/>
               </a:spcBef>
@@ -3234,7 +3253,7 @@
               <a:buChar char="●"/>
               <a:defRPr sz="1200"/>
             </a:lvl4pPr>
-            <a:lvl5pPr indent="-304800" lvl="4" marL="2286000">
+            <a:lvl5pPr marL="2286000" lvl="4" indent="-304800">
               <a:spcBef>
                 <a:spcPts val="0"/>
               </a:spcBef>
@@ -3245,7 +3264,7 @@
               <a:buChar char="○"/>
               <a:defRPr sz="1200"/>
             </a:lvl5pPr>
-            <a:lvl6pPr indent="-304800" lvl="5" marL="2743200">
+            <a:lvl6pPr marL="2743200" lvl="5" indent="-304800">
               <a:spcBef>
                 <a:spcPts val="0"/>
               </a:spcBef>
@@ -3256,7 +3275,7 @@
               <a:buChar char="■"/>
               <a:defRPr sz="1200"/>
             </a:lvl6pPr>
-            <a:lvl7pPr indent="-304800" lvl="6" marL="3200400">
+            <a:lvl7pPr marL="3200400" lvl="6" indent="-304800">
               <a:spcBef>
                 <a:spcPts val="0"/>
               </a:spcBef>
@@ -3267,7 +3286,7 @@
               <a:buChar char="●"/>
               <a:defRPr sz="1200"/>
             </a:lvl7pPr>
-            <a:lvl8pPr indent="-304800" lvl="7" marL="3657600">
+            <a:lvl8pPr marL="3657600" lvl="7" indent="-304800">
               <a:spcBef>
                 <a:spcPts val="0"/>
               </a:spcBef>
@@ -3278,7 +3297,7 @@
               <a:buChar char="○"/>
               <a:defRPr sz="1200"/>
             </a:lvl8pPr>
-            <a:lvl9pPr indent="-304800" lvl="8" marL="4114800">
+            <a:lvl9pPr marL="4114800" lvl="8" indent="-304800">
               <a:spcBef>
                 <a:spcPts val="0"/>
               </a:spcBef>
@@ -3290,15 +3309,19 @@
               <a:defRPr sz="1200"/>
             </a:lvl9pPr>
           </a:lstStyle>
-          <a:p/>
+          <a:p>
+            <a:endParaRPr/>
+          </a:p>
         </p:txBody>
       </p:sp>
       <p:sp>
         <p:nvSpPr>
           <p:cNvPr id="24" name="Google Shape;24;p5"/>
-          <p:cNvSpPr txBox="1"/>
+          <p:cNvSpPr txBox="1">
+            <a:spLocks noGrp="1"/>
+          </p:cNvSpPr>
           <p:nvPr>
-            <p:ph idx="12" type="sldNum"/>
+            <p:ph type="sldNum" idx="12"/>
           </p:nvPr>
         </p:nvSpPr>
         <p:spPr>
@@ -3311,7 +3334,7 @@
           </a:prstGeom>
         </p:spPr>
         <p:txBody>
-          <a:bodyPr anchorCtr="0" anchor="ctr" bIns="91425" lIns="91425" spcFirstLastPara="1" rIns="91425" wrap="square" tIns="91425">
+          <a:bodyPr spcFirstLastPara="1" wrap="square" lIns="91425" tIns="91425" rIns="91425" bIns="91425" anchor="ctr" anchorCtr="0">
             <a:normAutofit/>
           </a:bodyPr>
           <a:lstStyle>
@@ -3353,7 +3376,7 @@
             </a:lvl9pPr>
           </a:lstStyle>
           <a:p>
-            <a:pPr indent="0" lvl="0" marL="0" rtl="0" algn="r">
+            <a:pPr marL="0" lvl="0" indent="0" algn="r" rtl="0">
               <a:spcBef>
                 <a:spcPts val="0"/>
               </a:spcBef>
@@ -3379,11 +3402,11 @@
 </file>
 
 <file path=ppt/slideLayouts/slideLayout5.xml><?xml version="1.0" encoding="utf-8"?>
-<p:sldLayout xmlns:a="http://schemas.openxmlformats.org/drawingml/2006/main" xmlns:r="http://schemas.openxmlformats.org/officeDocument/2006/relationships" xmlns:mc="http://schemas.openxmlformats.org/markup-compatibility/2006" xmlns:mv="urn:schemas-microsoft-com:mac:vml" xmlns:p="http://schemas.openxmlformats.org/presentationml/2006/main" xmlns:c="http://schemas.openxmlformats.org/drawingml/2006/chart" xmlns:dgm="http://schemas.openxmlformats.org/drawingml/2006/diagram" xmlns:o="urn:schemas-microsoft-com:office:office" xmlns:v="urn:schemas-microsoft-com:vml" xmlns:pvml="urn:schemas-microsoft-com:office:powerpoint" xmlns:com="http://schemas.openxmlformats.org/drawingml/2006/compatibility" xmlns:p14="http://schemas.microsoft.com/office/powerpoint/2010/main" xmlns:p15="http://schemas.microsoft.com/office/powerpoint/2012/main" xmlns:ahyp="http://schemas.microsoft.com/office/drawing/2018/hyperlinkcolor" matchingName="Title only" type="titleOnly">
+<p:sldLayout xmlns:a="http://schemas.openxmlformats.org/drawingml/2006/main" xmlns:r="http://schemas.openxmlformats.org/officeDocument/2006/relationships" xmlns:p="http://schemas.openxmlformats.org/presentationml/2006/main" matchingName="Title only" type="titleOnly">
   <p:cSld name="TITLE_ONLY">
     <p:spTree>
       <p:nvGrpSpPr>
-        <p:cNvPr id="25" name="Shape 25"/>
+        <p:cNvPr id="1" name="Shape 25"/>
         <p:cNvGrpSpPr/>
         <p:nvPr/>
       </p:nvGrpSpPr>
@@ -3398,7 +3421,9 @@
       <p:sp>
         <p:nvSpPr>
           <p:cNvPr id="26" name="Google Shape;26;p6"/>
-          <p:cNvSpPr txBox="1"/>
+          <p:cNvSpPr txBox="1">
+            <a:spLocks noGrp="1"/>
+          </p:cNvSpPr>
           <p:nvPr>
             <p:ph type="title"/>
           </p:nvPr>
@@ -3413,7 +3438,7 @@
           </a:prstGeom>
         </p:spPr>
         <p:txBody>
-          <a:bodyPr anchorCtr="0" anchor="t" bIns="91425" lIns="91425" spcFirstLastPara="1" rIns="91425" wrap="square" tIns="91425">
+          <a:bodyPr spcFirstLastPara="1" wrap="square" lIns="91425" tIns="91425" rIns="91425" bIns="91425" anchor="t" anchorCtr="0">
             <a:normAutofit/>
           </a:bodyPr>
           <a:lstStyle>
@@ -3517,15 +3542,19 @@
               <a:defRPr/>
             </a:lvl9pPr>
           </a:lstStyle>
-          <a:p/>
+          <a:p>
+            <a:endParaRPr/>
+          </a:p>
         </p:txBody>
       </p:sp>
       <p:sp>
         <p:nvSpPr>
           <p:cNvPr id="27" name="Google Shape;27;p6"/>
-          <p:cNvSpPr txBox="1"/>
+          <p:cNvSpPr txBox="1">
+            <a:spLocks noGrp="1"/>
+          </p:cNvSpPr>
           <p:nvPr>
-            <p:ph idx="12" type="sldNum"/>
+            <p:ph type="sldNum" idx="12"/>
           </p:nvPr>
         </p:nvSpPr>
         <p:spPr>
@@ -3538,7 +3567,7 @@
           </a:prstGeom>
         </p:spPr>
         <p:txBody>
-          <a:bodyPr anchorCtr="0" anchor="ctr" bIns="91425" lIns="91425" spcFirstLastPara="1" rIns="91425" wrap="square" tIns="91425">
+          <a:bodyPr spcFirstLastPara="1" wrap="square" lIns="91425" tIns="91425" rIns="91425" bIns="91425" anchor="ctr" anchorCtr="0">
             <a:normAutofit/>
           </a:bodyPr>
           <a:lstStyle>
@@ -3580,7 +3609,7 @@
             </a:lvl9pPr>
           </a:lstStyle>
           <a:p>
-            <a:pPr indent="0" lvl="0" marL="0" rtl="0" algn="r">
+            <a:pPr marL="0" lvl="0" indent="0" algn="r" rtl="0">
               <a:spcBef>
                 <a:spcPts val="0"/>
               </a:spcBef>
@@ -3606,11 +3635,11 @@
 </file>
 
 <file path=ppt/slideLayouts/slideLayout6.xml><?xml version="1.0" encoding="utf-8"?>
-<p:sldLayout xmlns:a="http://schemas.openxmlformats.org/drawingml/2006/main" xmlns:r="http://schemas.openxmlformats.org/officeDocument/2006/relationships" xmlns:mc="http://schemas.openxmlformats.org/markup-compatibility/2006" xmlns:mv="urn:schemas-microsoft-com:mac:vml" xmlns:p="http://schemas.openxmlformats.org/presentationml/2006/main" xmlns:c="http://schemas.openxmlformats.org/drawingml/2006/chart" xmlns:dgm="http://schemas.openxmlformats.org/drawingml/2006/diagram" xmlns:o="urn:schemas-microsoft-com:office:office" xmlns:v="urn:schemas-microsoft-com:vml" xmlns:pvml="urn:schemas-microsoft-com:office:powerpoint" xmlns:com="http://schemas.openxmlformats.org/drawingml/2006/compatibility" xmlns:p14="http://schemas.microsoft.com/office/powerpoint/2010/main" xmlns:p15="http://schemas.microsoft.com/office/powerpoint/2012/main" xmlns:ahyp="http://schemas.microsoft.com/office/drawing/2018/hyperlinkcolor" matchingName="One column text">
+<p:sldLayout xmlns:a="http://schemas.openxmlformats.org/drawingml/2006/main" xmlns:r="http://schemas.openxmlformats.org/officeDocument/2006/relationships" xmlns:p="http://schemas.openxmlformats.org/presentationml/2006/main" matchingName="One column text">
   <p:cSld name="ONE_COLUMN_TEXT">
     <p:spTree>
       <p:nvGrpSpPr>
-        <p:cNvPr id="28" name="Shape 28"/>
+        <p:cNvPr id="1" name="Shape 28"/>
         <p:cNvGrpSpPr/>
         <p:nvPr/>
       </p:nvGrpSpPr>
@@ -3625,7 +3654,9 @@
       <p:sp>
         <p:nvSpPr>
           <p:cNvPr id="29" name="Google Shape;29;p7"/>
-          <p:cNvSpPr txBox="1"/>
+          <p:cNvSpPr txBox="1">
+            <a:spLocks noGrp="1"/>
+          </p:cNvSpPr>
           <p:nvPr>
             <p:ph type="title"/>
           </p:nvPr>
@@ -3640,7 +3671,7 @@
           </a:prstGeom>
         </p:spPr>
         <p:txBody>
-          <a:bodyPr anchorCtr="0" anchor="b" bIns="91425" lIns="91425" spcFirstLastPara="1" rIns="91425" wrap="square" tIns="91425">
+          <a:bodyPr spcFirstLastPara="1" wrap="square" lIns="91425" tIns="91425" rIns="91425" bIns="91425" anchor="b" anchorCtr="0">
             <a:normAutofit/>
           </a:bodyPr>
           <a:lstStyle>
@@ -3744,15 +3775,19 @@
               <a:defRPr sz="2400"/>
             </a:lvl9pPr>
           </a:lstStyle>
-          <a:p/>
+          <a:p>
+            <a:endParaRPr/>
+          </a:p>
         </p:txBody>
       </p:sp>
       <p:sp>
         <p:nvSpPr>
           <p:cNvPr id="30" name="Google Shape;30;p7"/>
-          <p:cNvSpPr txBox="1"/>
+          <p:cNvSpPr txBox="1">
+            <a:spLocks noGrp="1"/>
+          </p:cNvSpPr>
           <p:nvPr>
-            <p:ph idx="1" type="body"/>
+            <p:ph type="body" idx="1"/>
           </p:nvPr>
         </p:nvSpPr>
         <p:spPr>
@@ -3765,11 +3800,11 @@
           </a:prstGeom>
         </p:spPr>
         <p:txBody>
-          <a:bodyPr anchorCtr="0" anchor="t" bIns="91425" lIns="91425" spcFirstLastPara="1" rIns="91425" wrap="square" tIns="91425">
+          <a:bodyPr spcFirstLastPara="1" wrap="square" lIns="91425" tIns="91425" rIns="91425" bIns="91425" anchor="t" anchorCtr="0">
             <a:normAutofit/>
           </a:bodyPr>
           <a:lstStyle>
-            <a:lvl1pPr indent="-304800" lvl="0" marL="457200">
+            <a:lvl1pPr marL="457200" lvl="0" indent="-304800">
               <a:spcBef>
                 <a:spcPts val="0"/>
               </a:spcBef>
@@ -3780,7 +3815,7 @@
               <a:buChar char="●"/>
               <a:defRPr sz="1200"/>
             </a:lvl1pPr>
-            <a:lvl2pPr indent="-304800" lvl="1" marL="914400">
+            <a:lvl2pPr marL="914400" lvl="1" indent="-304800">
               <a:spcBef>
                 <a:spcPts val="0"/>
               </a:spcBef>
@@ -3791,7 +3826,7 @@
               <a:buChar char="○"/>
               <a:defRPr sz="1200"/>
             </a:lvl2pPr>
-            <a:lvl3pPr indent="-304800" lvl="2" marL="1371600">
+            <a:lvl3pPr marL="1371600" lvl="2" indent="-304800">
               <a:spcBef>
                 <a:spcPts val="0"/>
               </a:spcBef>
@@ -3802,7 +3837,7 @@
               <a:buChar char="■"/>
               <a:defRPr sz="1200"/>
             </a:lvl3pPr>
-            <a:lvl4pPr indent="-304800" lvl="3" marL="1828800">
+            <a:lvl4pPr marL="1828800" lvl="3" indent="-304800">
               <a:spcBef>
                 <a:spcPts val="0"/>
               </a:spcBef>
@@ -3813,7 +3848,7 @@
               <a:buChar char="●"/>
               <a:defRPr sz="1200"/>
             </a:lvl4pPr>
-            <a:lvl5pPr indent="-304800" lvl="4" marL="2286000">
+            <a:lvl5pPr marL="2286000" lvl="4" indent="-304800">
               <a:spcBef>
                 <a:spcPts val="0"/>
               </a:spcBef>
@@ -3824,7 +3859,7 @@
               <a:buChar char="○"/>
               <a:defRPr sz="1200"/>
             </a:lvl5pPr>
-            <a:lvl6pPr indent="-304800" lvl="5" marL="2743200">
+            <a:lvl6pPr marL="2743200" lvl="5" indent="-304800">
               <a:spcBef>
                 <a:spcPts val="0"/>
               </a:spcBef>
@@ -3835,7 +3870,7 @@
               <a:buChar char="■"/>
               <a:defRPr sz="1200"/>
             </a:lvl6pPr>
-            <a:lvl7pPr indent="-304800" lvl="6" marL="3200400">
+            <a:lvl7pPr marL="3200400" lvl="6" indent="-304800">
               <a:spcBef>
                 <a:spcPts val="0"/>
               </a:spcBef>
@@ -3846,7 +3881,7 @@
               <a:buChar char="●"/>
               <a:defRPr sz="1200"/>
             </a:lvl7pPr>
-            <a:lvl8pPr indent="-304800" lvl="7" marL="3657600">
+            <a:lvl8pPr marL="3657600" lvl="7" indent="-304800">
               <a:spcBef>
                 <a:spcPts val="0"/>
               </a:spcBef>
@@ -3857,7 +3892,7 @@
               <a:buChar char="○"/>
               <a:defRPr sz="1200"/>
             </a:lvl8pPr>
-            <a:lvl9pPr indent="-304800" lvl="8" marL="4114800">
+            <a:lvl9pPr marL="4114800" lvl="8" indent="-304800">
               <a:spcBef>
                 <a:spcPts val="0"/>
               </a:spcBef>
@@ -3869,15 +3904,19 @@
               <a:defRPr sz="1200"/>
             </a:lvl9pPr>
           </a:lstStyle>
-          <a:p/>
+          <a:p>
+            <a:endParaRPr/>
+          </a:p>
         </p:txBody>
       </p:sp>
       <p:sp>
         <p:nvSpPr>
           <p:cNvPr id="31" name="Google Shape;31;p7"/>
-          <p:cNvSpPr txBox="1"/>
+          <p:cNvSpPr txBox="1">
+            <a:spLocks noGrp="1"/>
+          </p:cNvSpPr>
           <p:nvPr>
-            <p:ph idx="12" type="sldNum"/>
+            <p:ph type="sldNum" idx="12"/>
           </p:nvPr>
         </p:nvSpPr>
         <p:spPr>
@@ -3890,7 +3929,7 @@
           </a:prstGeom>
         </p:spPr>
         <p:txBody>
-          <a:bodyPr anchorCtr="0" anchor="ctr" bIns="91425" lIns="91425" spcFirstLastPara="1" rIns="91425" wrap="square" tIns="91425">
+          <a:bodyPr spcFirstLastPara="1" wrap="square" lIns="91425" tIns="91425" rIns="91425" bIns="91425" anchor="ctr" anchorCtr="0">
             <a:normAutofit/>
           </a:bodyPr>
           <a:lstStyle>
@@ -3932,7 +3971,7 @@
             </a:lvl9pPr>
           </a:lstStyle>
           <a:p>
-            <a:pPr indent="0" lvl="0" marL="0" rtl="0" algn="r">
+            <a:pPr marL="0" lvl="0" indent="0" algn="r" rtl="0">
               <a:spcBef>
                 <a:spcPts val="0"/>
               </a:spcBef>
@@ -3958,11 +3997,11 @@
 </file>
 
 <file path=ppt/slideLayouts/slideLayout7.xml><?xml version="1.0" encoding="utf-8"?>
-<p:sldLayout xmlns:a="http://schemas.openxmlformats.org/drawingml/2006/main" xmlns:r="http://schemas.openxmlformats.org/officeDocument/2006/relationships" xmlns:mc="http://schemas.openxmlformats.org/markup-compatibility/2006" xmlns:mv="urn:schemas-microsoft-com:mac:vml" xmlns:p="http://schemas.openxmlformats.org/presentationml/2006/main" xmlns:c="http://schemas.openxmlformats.org/drawingml/2006/chart" xmlns:dgm="http://schemas.openxmlformats.org/drawingml/2006/diagram" xmlns:o="urn:schemas-microsoft-com:office:office" xmlns:v="urn:schemas-microsoft-com:vml" xmlns:pvml="urn:schemas-microsoft-com:office:powerpoint" xmlns:com="http://schemas.openxmlformats.org/drawingml/2006/compatibility" xmlns:p14="http://schemas.microsoft.com/office/powerpoint/2010/main" xmlns:p15="http://schemas.microsoft.com/office/powerpoint/2012/main" xmlns:ahyp="http://schemas.microsoft.com/office/drawing/2018/hyperlinkcolor" matchingName="Main point">
+<p:sldLayout xmlns:a="http://schemas.openxmlformats.org/drawingml/2006/main" xmlns:r="http://schemas.openxmlformats.org/officeDocument/2006/relationships" xmlns:p="http://schemas.openxmlformats.org/presentationml/2006/main" matchingName="Main point">
   <p:cSld name="MAIN_POINT">
     <p:spTree>
       <p:nvGrpSpPr>
-        <p:cNvPr id="32" name="Shape 32"/>
+        <p:cNvPr id="1" name="Shape 32"/>
         <p:cNvGrpSpPr/>
         <p:nvPr/>
       </p:nvGrpSpPr>
@@ -3977,7 +4016,9 @@
       <p:sp>
         <p:nvSpPr>
           <p:cNvPr id="33" name="Google Shape;33;p8"/>
-          <p:cNvSpPr txBox="1"/>
+          <p:cNvSpPr txBox="1">
+            <a:spLocks noGrp="1"/>
+          </p:cNvSpPr>
           <p:nvPr>
             <p:ph type="title"/>
           </p:nvPr>
@@ -3992,7 +4033,7 @@
           </a:prstGeom>
         </p:spPr>
         <p:txBody>
-          <a:bodyPr anchorCtr="0" anchor="ctr" bIns="91425" lIns="91425" spcFirstLastPara="1" rIns="91425" wrap="square" tIns="91425">
+          <a:bodyPr spcFirstLastPara="1" wrap="square" lIns="91425" tIns="91425" rIns="91425" bIns="91425" anchor="ctr" anchorCtr="0">
             <a:normAutofit/>
           </a:bodyPr>
           <a:lstStyle>
@@ -4096,15 +4137,19 @@
               <a:defRPr sz="4800"/>
             </a:lvl9pPr>
           </a:lstStyle>
-          <a:p/>
+          <a:p>
+            <a:endParaRPr/>
+          </a:p>
         </p:txBody>
       </p:sp>
       <p:sp>
         <p:nvSpPr>
           <p:cNvPr id="34" name="Google Shape;34;p8"/>
-          <p:cNvSpPr txBox="1"/>
+          <p:cNvSpPr txBox="1">
+            <a:spLocks noGrp="1"/>
+          </p:cNvSpPr>
           <p:nvPr>
-            <p:ph idx="12" type="sldNum"/>
+            <p:ph type="sldNum" idx="12"/>
           </p:nvPr>
         </p:nvSpPr>
         <p:spPr>
@@ -4117,7 +4162,7 @@
           </a:prstGeom>
         </p:spPr>
         <p:txBody>
-          <a:bodyPr anchorCtr="0" anchor="ctr" bIns="91425" lIns="91425" spcFirstLastPara="1" rIns="91425" wrap="square" tIns="91425">
+          <a:bodyPr spcFirstLastPara="1" wrap="square" lIns="91425" tIns="91425" rIns="91425" bIns="91425" anchor="ctr" anchorCtr="0">
             <a:normAutofit/>
           </a:bodyPr>
           <a:lstStyle>
@@ -4159,7 +4204,7 @@
             </a:lvl9pPr>
           </a:lstStyle>
           <a:p>
-            <a:pPr indent="0" lvl="0" marL="0" rtl="0" algn="r">
+            <a:pPr marL="0" lvl="0" indent="0" algn="r" rtl="0">
               <a:spcBef>
                 <a:spcPts val="0"/>
               </a:spcBef>
@@ -4185,11 +4230,11 @@
 </file>
 
 <file path=ppt/slideLayouts/slideLayout8.xml><?xml version="1.0" encoding="utf-8"?>
-<p:sldLayout xmlns:a="http://schemas.openxmlformats.org/drawingml/2006/main" xmlns:r="http://schemas.openxmlformats.org/officeDocument/2006/relationships" xmlns:mc="http://schemas.openxmlformats.org/markup-compatibility/2006" xmlns:mv="urn:schemas-microsoft-com:mac:vml" xmlns:p="http://schemas.openxmlformats.org/presentationml/2006/main" xmlns:c="http://schemas.openxmlformats.org/drawingml/2006/chart" xmlns:dgm="http://schemas.openxmlformats.org/drawingml/2006/diagram" xmlns:o="urn:schemas-microsoft-com:office:office" xmlns:v="urn:schemas-microsoft-com:vml" xmlns:pvml="urn:schemas-microsoft-com:office:powerpoint" xmlns:com="http://schemas.openxmlformats.org/drawingml/2006/compatibility" xmlns:p14="http://schemas.microsoft.com/office/powerpoint/2010/main" xmlns:p15="http://schemas.microsoft.com/office/powerpoint/2012/main" xmlns:ahyp="http://schemas.microsoft.com/office/drawing/2018/hyperlinkcolor" matchingName="Section title and description">
+<p:sldLayout xmlns:a="http://schemas.openxmlformats.org/drawingml/2006/main" xmlns:r="http://schemas.openxmlformats.org/officeDocument/2006/relationships" xmlns:p="http://schemas.openxmlformats.org/presentationml/2006/main" matchingName="Section title and description">
   <p:cSld name="SECTION_TITLE_AND_DESCRIPTION">
     <p:spTree>
       <p:nvGrpSpPr>
-        <p:cNvPr id="35" name="Shape 35"/>
+        <p:cNvPr id="1" name="Shape 35"/>
         <p:cNvGrpSpPr/>
         <p:nvPr/>
       </p:nvGrpSpPr>
@@ -4223,12 +4268,12 @@
           </a:ln>
         </p:spPr>
         <p:txBody>
-          <a:bodyPr anchorCtr="0" anchor="ctr" bIns="91425" lIns="91425" spcFirstLastPara="1" rIns="91425" wrap="square" tIns="91425">
+          <a:bodyPr spcFirstLastPara="1" wrap="square" lIns="91425" tIns="91425" rIns="91425" bIns="91425" anchor="ctr" anchorCtr="0">
             <a:noAutofit/>
           </a:bodyPr>
           <a:lstStyle/>
           <a:p>
-            <a:pPr indent="0" lvl="0" marL="0" rtl="0" algn="l">
+            <a:pPr marL="0" lvl="0" indent="0" algn="l" rtl="0">
               <a:spcBef>
                 <a:spcPts val="0"/>
               </a:spcBef>
@@ -4237,9 +4282,6 @@
               </a:spcAft>
               <a:buNone/>
             </a:pPr>
-            <a:r>
-              <a:t/>
-            </a:r>
             <a:endParaRPr/>
           </a:p>
         </p:txBody>
@@ -4247,7 +4289,9 @@
       <p:sp>
         <p:nvSpPr>
           <p:cNvPr id="37" name="Google Shape;37;p9"/>
-          <p:cNvSpPr txBox="1"/>
+          <p:cNvSpPr txBox="1">
+            <a:spLocks noGrp="1"/>
+          </p:cNvSpPr>
           <p:nvPr>
             <p:ph type="title"/>
           </p:nvPr>
@@ -4262,7 +4306,7 @@
           </a:prstGeom>
         </p:spPr>
         <p:txBody>
-          <a:bodyPr anchorCtr="0" anchor="b" bIns="91425" lIns="91425" spcFirstLastPara="1" rIns="91425" wrap="square" tIns="91425">
+          <a:bodyPr spcFirstLastPara="1" wrap="square" lIns="91425" tIns="91425" rIns="91425" bIns="91425" anchor="b" anchorCtr="0">
             <a:normAutofit/>
           </a:bodyPr>
           <a:lstStyle>
@@ -4366,15 +4410,19 @@
               <a:defRPr sz="4200"/>
             </a:lvl9pPr>
           </a:lstStyle>
-          <a:p/>
+          <a:p>
+            <a:endParaRPr/>
+          </a:p>
         </p:txBody>
       </p:sp>
       <p:sp>
         <p:nvSpPr>
           <p:cNvPr id="38" name="Google Shape;38;p9"/>
-          <p:cNvSpPr txBox="1"/>
+          <p:cNvSpPr txBox="1">
+            <a:spLocks noGrp="1"/>
+          </p:cNvSpPr>
           <p:nvPr>
-            <p:ph idx="1" type="subTitle"/>
+            <p:ph type="subTitle" idx="1"/>
           </p:nvPr>
         </p:nvSpPr>
         <p:spPr>
@@ -4387,7 +4435,7 @@
           </a:prstGeom>
         </p:spPr>
         <p:txBody>
-          <a:bodyPr anchorCtr="0" anchor="t" bIns="91425" lIns="91425" spcFirstLastPara="1" rIns="91425" wrap="square" tIns="91425">
+          <a:bodyPr spcFirstLastPara="1" wrap="square" lIns="91425" tIns="91425" rIns="91425" bIns="91425" anchor="t" anchorCtr="0">
             <a:normAutofit/>
           </a:bodyPr>
           <a:lstStyle>
@@ -4518,15 +4566,19 @@
               <a:defRPr sz="2100"/>
             </a:lvl9pPr>
           </a:lstStyle>
-          <a:p/>
+          <a:p>
+            <a:endParaRPr/>
+          </a:p>
         </p:txBody>
       </p:sp>
       <p:sp>
         <p:nvSpPr>
           <p:cNvPr id="39" name="Google Shape;39;p9"/>
-          <p:cNvSpPr txBox="1"/>
+          <p:cNvSpPr txBox="1">
+            <a:spLocks noGrp="1"/>
+          </p:cNvSpPr>
           <p:nvPr>
-            <p:ph idx="2" type="body"/>
+            <p:ph type="body" idx="2"/>
           </p:nvPr>
         </p:nvSpPr>
         <p:spPr>
@@ -4539,11 +4591,11 @@
           </a:prstGeom>
         </p:spPr>
         <p:txBody>
-          <a:bodyPr anchorCtr="0" anchor="ctr" bIns="91425" lIns="91425" spcFirstLastPara="1" rIns="91425" wrap="square" tIns="91425">
+          <a:bodyPr spcFirstLastPara="1" wrap="square" lIns="91425" tIns="91425" rIns="91425" bIns="91425" anchor="ctr" anchorCtr="0">
             <a:normAutofit/>
           </a:bodyPr>
           <a:lstStyle>
-            <a:lvl1pPr indent="-342900" lvl="0" marL="457200">
+            <a:lvl1pPr marL="457200" lvl="0" indent="-342900">
               <a:spcBef>
                 <a:spcPts val="0"/>
               </a:spcBef>
@@ -4554,7 +4606,7 @@
               <a:buChar char="●"/>
               <a:defRPr/>
             </a:lvl1pPr>
-            <a:lvl2pPr indent="-317500" lvl="1" marL="914400">
+            <a:lvl2pPr marL="914400" lvl="1" indent="-317500">
               <a:spcBef>
                 <a:spcPts val="0"/>
               </a:spcBef>
@@ -4565,7 +4617,7 @@
               <a:buChar char="○"/>
               <a:defRPr/>
             </a:lvl2pPr>
-            <a:lvl3pPr indent="-317500" lvl="2" marL="1371600">
+            <a:lvl3pPr marL="1371600" lvl="2" indent="-317500">
               <a:spcBef>
                 <a:spcPts val="0"/>
               </a:spcBef>
@@ -4576,7 +4628,7 @@
               <a:buChar char="■"/>
               <a:defRPr/>
             </a:lvl3pPr>
-            <a:lvl4pPr indent="-317500" lvl="3" marL="1828800">
+            <a:lvl4pPr marL="1828800" lvl="3" indent="-317500">
               <a:spcBef>
                 <a:spcPts val="0"/>
               </a:spcBef>
@@ -4587,7 +4639,7 @@
               <a:buChar char="●"/>
               <a:defRPr/>
             </a:lvl4pPr>
-            <a:lvl5pPr indent="-317500" lvl="4" marL="2286000">
+            <a:lvl5pPr marL="2286000" lvl="4" indent="-317500">
               <a:spcBef>
                 <a:spcPts val="0"/>
               </a:spcBef>
@@ -4598,7 +4650,7 @@
               <a:buChar char="○"/>
               <a:defRPr/>
             </a:lvl5pPr>
-            <a:lvl6pPr indent="-317500" lvl="5" marL="2743200">
+            <a:lvl6pPr marL="2743200" lvl="5" indent="-317500">
               <a:spcBef>
                 <a:spcPts val="0"/>
               </a:spcBef>
@@ -4609,7 +4661,7 @@
               <a:buChar char="■"/>
               <a:defRPr/>
             </a:lvl6pPr>
-            <a:lvl7pPr indent="-317500" lvl="6" marL="3200400">
+            <a:lvl7pPr marL="3200400" lvl="6" indent="-317500">
               <a:spcBef>
                 <a:spcPts val="0"/>
               </a:spcBef>
@@ -4620,7 +4672,7 @@
               <a:buChar char="●"/>
               <a:defRPr/>
             </a:lvl7pPr>
-            <a:lvl8pPr indent="-317500" lvl="7" marL="3657600">
+            <a:lvl8pPr marL="3657600" lvl="7" indent="-317500">
               <a:spcBef>
                 <a:spcPts val="0"/>
               </a:spcBef>
@@ -4631,7 +4683,7 @@
               <a:buChar char="○"/>
               <a:defRPr/>
             </a:lvl8pPr>
-            <a:lvl9pPr indent="-317500" lvl="8" marL="4114800">
+            <a:lvl9pPr marL="4114800" lvl="8" indent="-317500">
               <a:spcBef>
                 <a:spcPts val="0"/>
               </a:spcBef>
@@ -4643,15 +4695,19 @@
               <a:defRPr/>
             </a:lvl9pPr>
           </a:lstStyle>
-          <a:p/>
+          <a:p>
+            <a:endParaRPr/>
+          </a:p>
         </p:txBody>
       </p:sp>
       <p:sp>
         <p:nvSpPr>
           <p:cNvPr id="40" name="Google Shape;40;p9"/>
-          <p:cNvSpPr txBox="1"/>
+          <p:cNvSpPr txBox="1">
+            <a:spLocks noGrp="1"/>
+          </p:cNvSpPr>
           <p:nvPr>
-            <p:ph idx="12" type="sldNum"/>
+            <p:ph type="sldNum" idx="12"/>
           </p:nvPr>
         </p:nvSpPr>
         <p:spPr>
@@ -4664,7 +4720,7 @@
           </a:prstGeom>
         </p:spPr>
         <p:txBody>
-          <a:bodyPr anchorCtr="0" anchor="ctr" bIns="91425" lIns="91425" spcFirstLastPara="1" rIns="91425" wrap="square" tIns="91425">
+          <a:bodyPr spcFirstLastPara="1" wrap="square" lIns="91425" tIns="91425" rIns="91425" bIns="91425" anchor="ctr" anchorCtr="0">
             <a:normAutofit/>
           </a:bodyPr>
           <a:lstStyle>
@@ -4706,7 +4762,7 @@
             </a:lvl9pPr>
           </a:lstStyle>
           <a:p>
-            <a:pPr indent="0" lvl="0" marL="0" rtl="0" algn="r">
+            <a:pPr marL="0" lvl="0" indent="0" algn="r" rtl="0">
               <a:spcBef>
                 <a:spcPts val="0"/>
               </a:spcBef>
@@ -4732,11 +4788,11 @@
 </file>
 
 <file path=ppt/slideLayouts/slideLayout9.xml><?xml version="1.0" encoding="utf-8"?>
-<p:sldLayout xmlns:a="http://schemas.openxmlformats.org/drawingml/2006/main" xmlns:r="http://schemas.openxmlformats.org/officeDocument/2006/relationships" xmlns:mc="http://schemas.openxmlformats.org/markup-compatibility/2006" xmlns:mv="urn:schemas-microsoft-com:mac:vml" xmlns:p="http://schemas.openxmlformats.org/presentationml/2006/main" xmlns:c="http://schemas.openxmlformats.org/drawingml/2006/chart" xmlns:dgm="http://schemas.openxmlformats.org/drawingml/2006/diagram" xmlns:o="urn:schemas-microsoft-com:office:office" xmlns:v="urn:schemas-microsoft-com:vml" xmlns:pvml="urn:schemas-microsoft-com:office:powerpoint" xmlns:com="http://schemas.openxmlformats.org/drawingml/2006/compatibility" xmlns:p14="http://schemas.microsoft.com/office/powerpoint/2010/main" xmlns:p15="http://schemas.microsoft.com/office/powerpoint/2012/main" xmlns:ahyp="http://schemas.microsoft.com/office/drawing/2018/hyperlinkcolor" matchingName="Caption">
+<p:sldLayout xmlns:a="http://schemas.openxmlformats.org/drawingml/2006/main" xmlns:r="http://schemas.openxmlformats.org/officeDocument/2006/relationships" xmlns:p="http://schemas.openxmlformats.org/presentationml/2006/main" matchingName="Caption">
   <p:cSld name="CAPTION_ONLY">
     <p:spTree>
       <p:nvGrpSpPr>
-        <p:cNvPr id="41" name="Shape 41"/>
+        <p:cNvPr id="1" name="Shape 41"/>
         <p:cNvGrpSpPr/>
         <p:nvPr/>
       </p:nvGrpSpPr>
@@ -4751,9 +4807,11 @@
       <p:sp>
         <p:nvSpPr>
           <p:cNvPr id="42" name="Google Shape;42;p10"/>
-          <p:cNvSpPr txBox="1"/>
+          <p:cNvSpPr txBox="1">
+            <a:spLocks noGrp="1"/>
+          </p:cNvSpPr>
           <p:nvPr>
-            <p:ph idx="1" type="body"/>
+            <p:ph type="body" idx="1"/>
           </p:nvPr>
         </p:nvSpPr>
         <p:spPr>
@@ -4766,11 +4824,11 @@
           </a:prstGeom>
         </p:spPr>
         <p:txBody>
-          <a:bodyPr anchorCtr="0" anchor="ctr" bIns="91425" lIns="91425" spcFirstLastPara="1" rIns="91425" wrap="square" tIns="91425">
+          <a:bodyPr spcFirstLastPara="1" wrap="square" lIns="91425" tIns="91425" rIns="91425" bIns="91425" anchor="ctr" anchorCtr="0">
             <a:normAutofit/>
           </a:bodyPr>
           <a:lstStyle>
-            <a:lvl1pPr indent="-228600" lvl="0" marL="457200">
+            <a:lvl1pPr marL="457200" lvl="0" indent="-228600">
               <a:lnSpc>
                 <a:spcPct val="100000"/>
               </a:lnSpc>
@@ -4785,15 +4843,19 @@
               <a:defRPr/>
             </a:lvl1pPr>
           </a:lstStyle>
-          <a:p/>
+          <a:p>
+            <a:endParaRPr/>
+          </a:p>
         </p:txBody>
       </p:sp>
       <p:sp>
         <p:nvSpPr>
           <p:cNvPr id="43" name="Google Shape;43;p10"/>
-          <p:cNvSpPr txBox="1"/>
+          <p:cNvSpPr txBox="1">
+            <a:spLocks noGrp="1"/>
+          </p:cNvSpPr>
           <p:nvPr>
-            <p:ph idx="12" type="sldNum"/>
+            <p:ph type="sldNum" idx="12"/>
           </p:nvPr>
         </p:nvSpPr>
         <p:spPr>
@@ -4806,7 +4868,7 @@
           </a:prstGeom>
         </p:spPr>
         <p:txBody>
-          <a:bodyPr anchorCtr="0" anchor="ctr" bIns="91425" lIns="91425" spcFirstLastPara="1" rIns="91425" wrap="square" tIns="91425">
+          <a:bodyPr spcFirstLastPara="1" wrap="square" lIns="91425" tIns="91425" rIns="91425" bIns="91425" anchor="ctr" anchorCtr="0">
             <a:normAutofit/>
           </a:bodyPr>
           <a:lstStyle>
@@ -4848,7 +4910,7 @@
             </a:lvl9pPr>
           </a:lstStyle>
           <a:p>
-            <a:pPr indent="0" lvl="0" marL="0" rtl="0" algn="r">
+            <a:pPr marL="0" lvl="0" indent="0" algn="r" rtl="0">
               <a:spcBef>
                 <a:spcPts val="0"/>
               </a:spcBef>
@@ -4874,18 +4936,19 @@
 </file>
 
 <file path=ppt/slideMasters/slideMaster1.xml><?xml version="1.0" encoding="utf-8"?>
-<p:sldMaster xmlns:a="http://schemas.openxmlformats.org/drawingml/2006/main" xmlns:r="http://schemas.openxmlformats.org/officeDocument/2006/relationships" xmlns:mc="http://schemas.openxmlformats.org/markup-compatibility/2006" xmlns:mv="urn:schemas-microsoft-com:mac:vml" xmlns:p="http://schemas.openxmlformats.org/presentationml/2006/main" xmlns:c="http://schemas.openxmlformats.org/drawingml/2006/chart" xmlns:dgm="http://schemas.openxmlformats.org/drawingml/2006/diagram" xmlns:o="urn:schemas-microsoft-com:office:office" xmlns:v="urn:schemas-microsoft-com:vml" xmlns:pvml="urn:schemas-microsoft-com:office:powerpoint" xmlns:com="http://schemas.openxmlformats.org/drawingml/2006/compatibility" xmlns:p14="http://schemas.microsoft.com/office/powerpoint/2010/main" xmlns:p15="http://schemas.microsoft.com/office/powerpoint/2012/main" xmlns:ahyp="http://schemas.microsoft.com/office/drawing/2018/hyperlinkcolor">
+<p:sldMaster xmlns:a="http://schemas.openxmlformats.org/drawingml/2006/main" xmlns:r="http://schemas.openxmlformats.org/officeDocument/2006/relationships" xmlns:p="http://schemas.openxmlformats.org/presentationml/2006/main">
   <p:cSld name="simple-light-2">
     <p:bg>
       <p:bgPr>
         <a:solidFill>
           <a:schemeClr val="lt1"/>
         </a:solidFill>
+        <a:effectLst/>
       </p:bgPr>
     </p:bg>
     <p:spTree>
       <p:nvGrpSpPr>
-        <p:cNvPr id="5" name="Shape 5"/>
+        <p:cNvPr id="1" name="Shape 5"/>
         <p:cNvGrpSpPr/>
         <p:nvPr/>
       </p:nvGrpSpPr>
@@ -4900,7 +4963,9 @@
       <p:sp>
         <p:nvSpPr>
           <p:cNvPr id="6" name="Google Shape;6;p1"/>
-          <p:cNvSpPr txBox="1"/>
+          <p:cNvSpPr txBox="1">
+            <a:spLocks noGrp="1"/>
+          </p:cNvSpPr>
           <p:nvPr>
             <p:ph type="title"/>
           </p:nvPr>
@@ -4919,7 +4984,7 @@
           </a:ln>
         </p:spPr>
         <p:txBody>
-          <a:bodyPr anchorCtr="0" anchor="t" bIns="91425" lIns="91425" spcFirstLastPara="1" rIns="91425" wrap="square" tIns="91425">
+          <a:bodyPr spcFirstLastPara="1" wrap="square" lIns="91425" tIns="91425" rIns="91425" bIns="91425" anchor="t" anchorCtr="0">
             <a:normAutofit/>
           </a:bodyPr>
           <a:lstStyle>
@@ -5086,15 +5151,19 @@
               </a:defRPr>
             </a:lvl9pPr>
           </a:lstStyle>
-          <a:p/>
+          <a:p>
+            <a:endParaRPr/>
+          </a:p>
         </p:txBody>
       </p:sp>
       <p:sp>
         <p:nvSpPr>
           <p:cNvPr id="7" name="Google Shape;7;p1"/>
-          <p:cNvSpPr txBox="1"/>
+          <p:cNvSpPr txBox="1">
+            <a:spLocks noGrp="1"/>
+          </p:cNvSpPr>
           <p:nvPr>
-            <p:ph idx="1" type="body"/>
+            <p:ph type="body" idx="1"/>
           </p:nvPr>
         </p:nvSpPr>
         <p:spPr>
@@ -5111,11 +5180,11 @@
           </a:ln>
         </p:spPr>
         <p:txBody>
-          <a:bodyPr anchorCtr="0" anchor="t" bIns="91425" lIns="91425" spcFirstLastPara="1" rIns="91425" wrap="square" tIns="91425">
+          <a:bodyPr spcFirstLastPara="1" wrap="square" lIns="91425" tIns="91425" rIns="91425" bIns="91425" anchor="t" anchorCtr="0">
             <a:normAutofit/>
           </a:bodyPr>
           <a:lstStyle>
-            <a:lvl1pPr indent="-342900" lvl="0" marL="457200">
+            <a:lvl1pPr marL="457200" lvl="0" indent="-342900">
               <a:lnSpc>
                 <a:spcPct val="115000"/>
               </a:lnSpc>
@@ -5136,7 +5205,7 @@
                 </a:solidFill>
               </a:defRPr>
             </a:lvl1pPr>
-            <a:lvl2pPr indent="-317500" lvl="1" marL="914400">
+            <a:lvl2pPr marL="914400" lvl="1" indent="-317500">
               <a:lnSpc>
                 <a:spcPct val="115000"/>
               </a:lnSpc>
@@ -5157,7 +5226,7 @@
                 </a:solidFill>
               </a:defRPr>
             </a:lvl2pPr>
-            <a:lvl3pPr indent="-317500" lvl="2" marL="1371600">
+            <a:lvl3pPr marL="1371600" lvl="2" indent="-317500">
               <a:lnSpc>
                 <a:spcPct val="115000"/>
               </a:lnSpc>
@@ -5178,7 +5247,7 @@
                 </a:solidFill>
               </a:defRPr>
             </a:lvl3pPr>
-            <a:lvl4pPr indent="-317500" lvl="3" marL="1828800">
+            <a:lvl4pPr marL="1828800" lvl="3" indent="-317500">
               <a:lnSpc>
                 <a:spcPct val="115000"/>
               </a:lnSpc>
@@ -5199,7 +5268,7 @@
                 </a:solidFill>
               </a:defRPr>
             </a:lvl4pPr>
-            <a:lvl5pPr indent="-317500" lvl="4" marL="2286000">
+            <a:lvl5pPr marL="2286000" lvl="4" indent="-317500">
               <a:lnSpc>
                 <a:spcPct val="115000"/>
               </a:lnSpc>
@@ -5220,7 +5289,7 @@
                 </a:solidFill>
               </a:defRPr>
             </a:lvl5pPr>
-            <a:lvl6pPr indent="-317500" lvl="5" marL="2743200">
+            <a:lvl6pPr marL="2743200" lvl="5" indent="-317500">
               <a:lnSpc>
                 <a:spcPct val="115000"/>
               </a:lnSpc>
@@ -5241,7 +5310,7 @@
                 </a:solidFill>
               </a:defRPr>
             </a:lvl6pPr>
-            <a:lvl7pPr indent="-317500" lvl="6" marL="3200400">
+            <a:lvl7pPr marL="3200400" lvl="6" indent="-317500">
               <a:lnSpc>
                 <a:spcPct val="115000"/>
               </a:lnSpc>
@@ -5262,7 +5331,7 @@
                 </a:solidFill>
               </a:defRPr>
             </a:lvl7pPr>
-            <a:lvl8pPr indent="-317500" lvl="7" marL="3657600">
+            <a:lvl8pPr marL="3657600" lvl="7" indent="-317500">
               <a:lnSpc>
                 <a:spcPct val="115000"/>
               </a:lnSpc>
@@ -5283,7 +5352,7 @@
                 </a:solidFill>
               </a:defRPr>
             </a:lvl8pPr>
-            <a:lvl9pPr indent="-317500" lvl="8" marL="4114800">
+            <a:lvl9pPr marL="4114800" lvl="8" indent="-317500">
               <a:lnSpc>
                 <a:spcPct val="115000"/>
               </a:lnSpc>
@@ -5305,15 +5374,19 @@
               </a:defRPr>
             </a:lvl9pPr>
           </a:lstStyle>
-          <a:p/>
+          <a:p>
+            <a:endParaRPr/>
+          </a:p>
         </p:txBody>
       </p:sp>
       <p:sp>
         <p:nvSpPr>
           <p:cNvPr id="8" name="Google Shape;8;p1"/>
-          <p:cNvSpPr txBox="1"/>
+          <p:cNvSpPr txBox="1">
+            <a:spLocks noGrp="1"/>
+          </p:cNvSpPr>
           <p:nvPr>
-            <p:ph idx="12" type="sldNum"/>
+            <p:ph type="sldNum" idx="12"/>
           </p:nvPr>
         </p:nvSpPr>
         <p:spPr>
@@ -5330,7 +5403,7 @@
           </a:ln>
         </p:spPr>
         <p:txBody>
-          <a:bodyPr anchorCtr="0" anchor="ctr" bIns="91425" lIns="91425" spcFirstLastPara="1" rIns="91425" wrap="square" tIns="91425">
+          <a:bodyPr spcFirstLastPara="1" wrap="square" lIns="91425" tIns="91425" rIns="91425" bIns="91425" anchor="ctr" anchorCtr="0">
             <a:normAutofit/>
           </a:bodyPr>
           <a:lstStyle>
@@ -5408,7 +5481,7 @@
             </a:lvl9pPr>
           </a:lstStyle>
           <a:p>
-            <a:pPr indent="0" lvl="0" marL="0" rtl="0" algn="r">
+            <a:pPr marL="0" lvl="0" indent="0" algn="r" rtl="0">
               <a:spcBef>
                 <a:spcPts val="0"/>
               </a:spcBef>
@@ -5427,7 +5500,7 @@
       </p:sp>
     </p:spTree>
   </p:cSld>
-  <p:clrMap accent1="accent1" accent2="accent2" accent3="accent3" accent4="accent4" accent5="accent5" accent6="accent6" bg1="lt1" bg2="dk2" tx1="dk1" tx2="lt2" folHlink="folHlink" hlink="hlink"/>
+  <p:clrMap bg1="lt1" tx1="dk1" bg2="dk2" tx2="lt2" accent1="accent1" accent2="accent2" accent3="accent3" accent4="accent4" accent5="accent5" accent6="accent6" hlink="hlink" folHlink="folHlink"/>
   <p:sldLayoutIdLst>
     <p:sldLayoutId id="2147483648" r:id="rId1"/>
     <p:sldLayoutId id="2147483649" r:id="rId2"/>
@@ -5441,10 +5514,10 @@
     <p:sldLayoutId id="2147483657" r:id="rId10"/>
     <p:sldLayoutId id="2147483658" r:id="rId11"/>
   </p:sldLayoutIdLst>
-  <p:hf dt="0" ftr="0" hdr="0" sldNum="0"/>
+  <p:hf sldNum="0" hdr="0" ftr="0" dt="0"/>
   <p:txStyles>
     <p:titleStyle>
-      <a:defPPr lvl="0" marR="0" rtl="0" algn="l">
+      <a:defPPr marR="0" lvl="0" algn="l" rtl="0">
         <a:lnSpc>
           <a:spcPct val="100000"/>
         </a:lnSpc>
@@ -5455,7 +5528,7 @@
           <a:spcPts val="0"/>
         </a:spcAft>
       </a:defPPr>
-      <a:lvl1pPr lvl="0" marR="0" rtl="0" algn="l">
+      <a:lvl1pPr marR="0" lvl="0" algn="l" rtl="0">
         <a:lnSpc>
           <a:spcPct val="100000"/>
         </a:lnSpc>
@@ -5469,7 +5542,7 @@
           <a:srgbClr val="000000"/>
         </a:buClr>
         <a:buFont typeface="Arial"/>
-        <a:defRPr b="0" i="0" sz="1400" u="none" cap="none" strike="noStrike">
+        <a:defRPr sz="1400" b="0" i="0" u="none" strike="noStrike" cap="none">
           <a:solidFill>
             <a:srgbClr val="000000"/>
           </a:solidFill>
@@ -5479,7 +5552,7 @@
           <a:sym typeface="Arial"/>
         </a:defRPr>
       </a:lvl1pPr>
-      <a:lvl2pPr lvl="1" marR="0" rtl="0" algn="l">
+      <a:lvl2pPr marR="0" lvl="1" algn="l" rtl="0">
         <a:lnSpc>
           <a:spcPct val="100000"/>
         </a:lnSpc>
@@ -5493,7 +5566,7 @@
           <a:srgbClr val="000000"/>
         </a:buClr>
         <a:buFont typeface="Arial"/>
-        <a:defRPr b="0" i="0" sz="1400" u="none" cap="none" strike="noStrike">
+        <a:defRPr sz="1400" b="0" i="0" u="none" strike="noStrike" cap="none">
           <a:solidFill>
             <a:srgbClr val="000000"/>
           </a:solidFill>
@@ -5503,7 +5576,7 @@
           <a:sym typeface="Arial"/>
         </a:defRPr>
       </a:lvl2pPr>
-      <a:lvl3pPr lvl="2" marR="0" rtl="0" algn="l">
+      <a:lvl3pPr marR="0" lvl="2" algn="l" rtl="0">
         <a:lnSpc>
           <a:spcPct val="100000"/>
         </a:lnSpc>
@@ -5517,7 +5590,7 @@
           <a:srgbClr val="000000"/>
         </a:buClr>
         <a:buFont typeface="Arial"/>
-        <a:defRPr b="0" i="0" sz="1400" u="none" cap="none" strike="noStrike">
+        <a:defRPr sz="1400" b="0" i="0" u="none" strike="noStrike" cap="none">
           <a:solidFill>
             <a:srgbClr val="000000"/>
           </a:solidFill>
@@ -5527,7 +5600,7 @@
           <a:sym typeface="Arial"/>
         </a:defRPr>
       </a:lvl3pPr>
-      <a:lvl4pPr lvl="3" marR="0" rtl="0" algn="l">
+      <a:lvl4pPr marR="0" lvl="3" algn="l" rtl="0">
         <a:lnSpc>
           <a:spcPct val="100000"/>
         </a:lnSpc>
@@ -5541,7 +5614,7 @@
           <a:srgbClr val="000000"/>
         </a:buClr>
         <a:buFont typeface="Arial"/>
-        <a:defRPr b="0" i="0" sz="1400" u="none" cap="none" strike="noStrike">
+        <a:defRPr sz="1400" b="0" i="0" u="none" strike="noStrike" cap="none">
           <a:solidFill>
             <a:srgbClr val="000000"/>
           </a:solidFill>
@@ -5551,7 +5624,7 @@
           <a:sym typeface="Arial"/>
         </a:defRPr>
       </a:lvl4pPr>
-      <a:lvl5pPr lvl="4" marR="0" rtl="0" algn="l">
+      <a:lvl5pPr marR="0" lvl="4" algn="l" rtl="0">
         <a:lnSpc>
           <a:spcPct val="100000"/>
         </a:lnSpc>
@@ -5565,7 +5638,7 @@
           <a:srgbClr val="000000"/>
         </a:buClr>
         <a:buFont typeface="Arial"/>
-        <a:defRPr b="0" i="0" sz="1400" u="none" cap="none" strike="noStrike">
+        <a:defRPr sz="1400" b="0" i="0" u="none" strike="noStrike" cap="none">
           <a:solidFill>
             <a:srgbClr val="000000"/>
           </a:solidFill>
@@ -5575,7 +5648,7 @@
           <a:sym typeface="Arial"/>
         </a:defRPr>
       </a:lvl5pPr>
-      <a:lvl6pPr lvl="5" marR="0" rtl="0" algn="l">
+      <a:lvl6pPr marR="0" lvl="5" algn="l" rtl="0">
         <a:lnSpc>
           <a:spcPct val="100000"/>
         </a:lnSpc>
@@ -5589,7 +5662,7 @@
           <a:srgbClr val="000000"/>
         </a:buClr>
         <a:buFont typeface="Arial"/>
-        <a:defRPr b="0" i="0" sz="1400" u="none" cap="none" strike="noStrike">
+        <a:defRPr sz="1400" b="0" i="0" u="none" strike="noStrike" cap="none">
           <a:solidFill>
             <a:srgbClr val="000000"/>
           </a:solidFill>
@@ -5599,7 +5672,7 @@
           <a:sym typeface="Arial"/>
         </a:defRPr>
       </a:lvl6pPr>
-      <a:lvl7pPr lvl="6" marR="0" rtl="0" algn="l">
+      <a:lvl7pPr marR="0" lvl="6" algn="l" rtl="0">
         <a:lnSpc>
           <a:spcPct val="100000"/>
         </a:lnSpc>
@@ -5613,7 +5686,7 @@
           <a:srgbClr val="000000"/>
         </a:buClr>
         <a:buFont typeface="Arial"/>
-        <a:defRPr b="0" i="0" sz="1400" u="none" cap="none" strike="noStrike">
+        <a:defRPr sz="1400" b="0" i="0" u="none" strike="noStrike" cap="none">
           <a:solidFill>
             <a:srgbClr val="000000"/>
           </a:solidFill>
@@ -5623,7 +5696,7 @@
           <a:sym typeface="Arial"/>
         </a:defRPr>
       </a:lvl7pPr>
-      <a:lvl8pPr lvl="7" marR="0" rtl="0" algn="l">
+      <a:lvl8pPr marR="0" lvl="7" algn="l" rtl="0">
         <a:lnSpc>
           <a:spcPct val="100000"/>
         </a:lnSpc>
@@ -5637,7 +5710,7 @@
           <a:srgbClr val="000000"/>
         </a:buClr>
         <a:buFont typeface="Arial"/>
-        <a:defRPr b="0" i="0" sz="1400" u="none" cap="none" strike="noStrike">
+        <a:defRPr sz="1400" b="0" i="0" u="none" strike="noStrike" cap="none">
           <a:solidFill>
             <a:srgbClr val="000000"/>
           </a:solidFill>
@@ -5647,7 +5720,7 @@
           <a:sym typeface="Arial"/>
         </a:defRPr>
       </a:lvl8pPr>
-      <a:lvl9pPr lvl="8" marR="0" rtl="0" algn="l">
+      <a:lvl9pPr marR="0" lvl="8" algn="l" rtl="0">
         <a:lnSpc>
           <a:spcPct val="100000"/>
         </a:lnSpc>
@@ -5661,7 +5734,7 @@
           <a:srgbClr val="000000"/>
         </a:buClr>
         <a:buFont typeface="Arial"/>
-        <a:defRPr b="0" i="0" sz="1400" u="none" cap="none" strike="noStrike">
+        <a:defRPr sz="1400" b="0" i="0" u="none" strike="noStrike" cap="none">
           <a:solidFill>
             <a:srgbClr val="000000"/>
           </a:solidFill>
@@ -5673,7 +5746,7 @@
       </a:lvl9pPr>
     </p:titleStyle>
     <p:bodyStyle>
-      <a:defPPr lvl="0" marR="0" rtl="0" algn="l">
+      <a:defPPr marR="0" lvl="0" algn="l" rtl="0">
         <a:lnSpc>
           <a:spcPct val="100000"/>
         </a:lnSpc>
@@ -5684,7 +5757,7 @@
           <a:spcPts val="0"/>
         </a:spcAft>
       </a:defPPr>
-      <a:lvl1pPr lvl="0" marR="0" rtl="0" algn="l">
+      <a:lvl1pPr marR="0" lvl="0" algn="l" rtl="0">
         <a:lnSpc>
           <a:spcPct val="100000"/>
         </a:lnSpc>
@@ -5698,7 +5771,7 @@
           <a:srgbClr val="000000"/>
         </a:buClr>
         <a:buFont typeface="Arial"/>
-        <a:defRPr b="0" i="0" sz="1400" u="none" cap="none" strike="noStrike">
+        <a:defRPr sz="1400" b="0" i="0" u="none" strike="noStrike" cap="none">
           <a:solidFill>
             <a:srgbClr val="000000"/>
           </a:solidFill>
@@ -5708,7 +5781,7 @@
           <a:sym typeface="Arial"/>
         </a:defRPr>
       </a:lvl1pPr>
-      <a:lvl2pPr lvl="1" marR="0" rtl="0" algn="l">
+      <a:lvl2pPr marR="0" lvl="1" algn="l" rtl="0">
         <a:lnSpc>
           <a:spcPct val="100000"/>
         </a:lnSpc>
@@ -5722,7 +5795,7 @@
           <a:srgbClr val="000000"/>
         </a:buClr>
         <a:buFont typeface="Arial"/>
-        <a:defRPr b="0" i="0" sz="1400" u="none" cap="none" strike="noStrike">
+        <a:defRPr sz="1400" b="0" i="0" u="none" strike="noStrike" cap="none">
           <a:solidFill>
             <a:srgbClr val="000000"/>
           </a:solidFill>
@@ -5732,7 +5805,7 @@
           <a:sym typeface="Arial"/>
         </a:defRPr>
       </a:lvl2pPr>
-      <a:lvl3pPr lvl="2" marR="0" rtl="0" algn="l">
+      <a:lvl3pPr marR="0" lvl="2" algn="l" rtl="0">
         <a:lnSpc>
           <a:spcPct val="100000"/>
         </a:lnSpc>
@@ -5746,7 +5819,7 @@
           <a:srgbClr val="000000"/>
         </a:buClr>
         <a:buFont typeface="Arial"/>
-        <a:defRPr b="0" i="0" sz="1400" u="none" cap="none" strike="noStrike">
+        <a:defRPr sz="1400" b="0" i="0" u="none" strike="noStrike" cap="none">
           <a:solidFill>
             <a:srgbClr val="000000"/>
           </a:solidFill>
@@ -5756,7 +5829,7 @@
           <a:sym typeface="Arial"/>
         </a:defRPr>
       </a:lvl3pPr>
-      <a:lvl4pPr lvl="3" marR="0" rtl="0" algn="l">
+      <a:lvl4pPr marR="0" lvl="3" algn="l" rtl="0">
         <a:lnSpc>
           <a:spcPct val="100000"/>
         </a:lnSpc>
@@ -5770,7 +5843,7 @@
           <a:srgbClr val="000000"/>
         </a:buClr>
         <a:buFont typeface="Arial"/>
-        <a:defRPr b="0" i="0" sz="1400" u="none" cap="none" strike="noStrike">
+        <a:defRPr sz="1400" b="0" i="0" u="none" strike="noStrike" cap="none">
           <a:solidFill>
             <a:srgbClr val="000000"/>
           </a:solidFill>
@@ -5780,7 +5853,7 @@
           <a:sym typeface="Arial"/>
         </a:defRPr>
       </a:lvl4pPr>
-      <a:lvl5pPr lvl="4" marR="0" rtl="0" algn="l">
+      <a:lvl5pPr marR="0" lvl="4" algn="l" rtl="0">
         <a:lnSpc>
           <a:spcPct val="100000"/>
         </a:lnSpc>
@@ -5794,7 +5867,7 @@
           <a:srgbClr val="000000"/>
         </a:buClr>
         <a:buFont typeface="Arial"/>
-        <a:defRPr b="0" i="0" sz="1400" u="none" cap="none" strike="noStrike">
+        <a:defRPr sz="1400" b="0" i="0" u="none" strike="noStrike" cap="none">
           <a:solidFill>
             <a:srgbClr val="000000"/>
           </a:solidFill>
@@ -5804,7 +5877,7 @@
           <a:sym typeface="Arial"/>
         </a:defRPr>
       </a:lvl5pPr>
-      <a:lvl6pPr lvl="5" marR="0" rtl="0" algn="l">
+      <a:lvl6pPr marR="0" lvl="5" algn="l" rtl="0">
         <a:lnSpc>
           <a:spcPct val="100000"/>
         </a:lnSpc>
@@ -5818,7 +5891,7 @@
           <a:srgbClr val="000000"/>
         </a:buClr>
         <a:buFont typeface="Arial"/>
-        <a:defRPr b="0" i="0" sz="1400" u="none" cap="none" strike="noStrike">
+        <a:defRPr sz="1400" b="0" i="0" u="none" strike="noStrike" cap="none">
           <a:solidFill>
             <a:srgbClr val="000000"/>
           </a:solidFill>
@@ -5828,7 +5901,7 @@
           <a:sym typeface="Arial"/>
         </a:defRPr>
       </a:lvl6pPr>
-      <a:lvl7pPr lvl="6" marR="0" rtl="0" algn="l">
+      <a:lvl7pPr marR="0" lvl="6" algn="l" rtl="0">
         <a:lnSpc>
           <a:spcPct val="100000"/>
         </a:lnSpc>
@@ -5842,7 +5915,7 @@
           <a:srgbClr val="000000"/>
         </a:buClr>
         <a:buFont typeface="Arial"/>
-        <a:defRPr b="0" i="0" sz="1400" u="none" cap="none" strike="noStrike">
+        <a:defRPr sz="1400" b="0" i="0" u="none" strike="noStrike" cap="none">
           <a:solidFill>
             <a:srgbClr val="000000"/>
           </a:solidFill>
@@ -5852,7 +5925,7 @@
           <a:sym typeface="Arial"/>
         </a:defRPr>
       </a:lvl7pPr>
-      <a:lvl8pPr lvl="7" marR="0" rtl="0" algn="l">
+      <a:lvl8pPr marR="0" lvl="7" algn="l" rtl="0">
         <a:lnSpc>
           <a:spcPct val="100000"/>
         </a:lnSpc>
@@ -5866,7 +5939,7 @@
           <a:srgbClr val="000000"/>
         </a:buClr>
         <a:buFont typeface="Arial"/>
-        <a:defRPr b="0" i="0" sz="1400" u="none" cap="none" strike="noStrike">
+        <a:defRPr sz="1400" b="0" i="0" u="none" strike="noStrike" cap="none">
           <a:solidFill>
             <a:srgbClr val="000000"/>
           </a:solidFill>
@@ -5876,7 +5949,7 @@
           <a:sym typeface="Arial"/>
         </a:defRPr>
       </a:lvl8pPr>
-      <a:lvl9pPr lvl="8" marR="0" rtl="0" algn="l">
+      <a:lvl9pPr marR="0" lvl="8" algn="l" rtl="0">
         <a:lnSpc>
           <a:spcPct val="100000"/>
         </a:lnSpc>
@@ -5890,7 +5963,7 @@
           <a:srgbClr val="000000"/>
         </a:buClr>
         <a:buFont typeface="Arial"/>
-        <a:defRPr b="0" i="0" sz="1400" u="none" cap="none" strike="noStrike">
+        <a:defRPr sz="1400" b="0" i="0" u="none" strike="noStrike" cap="none">
           <a:solidFill>
             <a:srgbClr val="000000"/>
           </a:solidFill>
@@ -5902,7 +5975,7 @@
       </a:lvl9pPr>
     </p:bodyStyle>
     <p:otherStyle>
-      <a:defPPr lvl="0" marR="0" rtl="0" algn="l">
+      <a:defPPr marR="0" lvl="0" algn="l" rtl="0">
         <a:lnSpc>
           <a:spcPct val="100000"/>
         </a:lnSpc>
@@ -5913,7 +5986,7 @@
           <a:spcPts val="0"/>
         </a:spcAft>
       </a:defPPr>
-      <a:lvl1pPr lvl="0" marR="0" rtl="0" algn="l">
+      <a:lvl1pPr marR="0" lvl="0" algn="l" rtl="0">
         <a:lnSpc>
           <a:spcPct val="100000"/>
         </a:lnSpc>
@@ -5927,7 +6000,7 @@
           <a:srgbClr val="000000"/>
         </a:buClr>
         <a:buFont typeface="Arial"/>
-        <a:defRPr b="0" i="0" sz="1400" u="none" cap="none" strike="noStrike">
+        <a:defRPr sz="1400" b="0" i="0" u="none" strike="noStrike" cap="none">
           <a:solidFill>
             <a:srgbClr val="000000"/>
           </a:solidFill>
@@ -5937,7 +6010,7 @@
           <a:sym typeface="Arial"/>
         </a:defRPr>
       </a:lvl1pPr>
-      <a:lvl2pPr lvl="1" marR="0" rtl="0" algn="l">
+      <a:lvl2pPr marR="0" lvl="1" algn="l" rtl="0">
         <a:lnSpc>
           <a:spcPct val="100000"/>
         </a:lnSpc>
@@ -5951,7 +6024,7 @@
           <a:srgbClr val="000000"/>
         </a:buClr>
         <a:buFont typeface="Arial"/>
-        <a:defRPr b="0" i="0" sz="1400" u="none" cap="none" strike="noStrike">
+        <a:defRPr sz="1400" b="0" i="0" u="none" strike="noStrike" cap="none">
           <a:solidFill>
             <a:srgbClr val="000000"/>
           </a:solidFill>
@@ -5961,7 +6034,7 @@
           <a:sym typeface="Arial"/>
         </a:defRPr>
       </a:lvl2pPr>
-      <a:lvl3pPr lvl="2" marR="0" rtl="0" algn="l">
+      <a:lvl3pPr marR="0" lvl="2" algn="l" rtl="0">
         <a:lnSpc>
           <a:spcPct val="100000"/>
         </a:lnSpc>
@@ -5975,7 +6048,7 @@
           <a:srgbClr val="000000"/>
         </a:buClr>
         <a:buFont typeface="Arial"/>
-        <a:defRPr b="0" i="0" sz="1400" u="none" cap="none" strike="noStrike">
+        <a:defRPr sz="1400" b="0" i="0" u="none" strike="noStrike" cap="none">
           <a:solidFill>
             <a:srgbClr val="000000"/>
           </a:solidFill>
@@ -5985,7 +6058,7 @@
           <a:sym typeface="Arial"/>
         </a:defRPr>
       </a:lvl3pPr>
-      <a:lvl4pPr lvl="3" marR="0" rtl="0" algn="l">
+      <a:lvl4pPr marR="0" lvl="3" algn="l" rtl="0">
         <a:lnSpc>
           <a:spcPct val="100000"/>
         </a:lnSpc>
@@ -5999,7 +6072,7 @@
           <a:srgbClr val="000000"/>
         </a:buClr>
         <a:buFont typeface="Arial"/>
-        <a:defRPr b="0" i="0" sz="1400" u="none" cap="none" strike="noStrike">
+        <a:defRPr sz="1400" b="0" i="0" u="none" strike="noStrike" cap="none">
           <a:solidFill>
             <a:srgbClr val="000000"/>
           </a:solidFill>
@@ -6009,7 +6082,7 @@
           <a:sym typeface="Arial"/>
         </a:defRPr>
       </a:lvl4pPr>
-      <a:lvl5pPr lvl="4" marR="0" rtl="0" algn="l">
+      <a:lvl5pPr marR="0" lvl="4" algn="l" rtl="0">
         <a:lnSpc>
           <a:spcPct val="100000"/>
         </a:lnSpc>
@@ -6023,7 +6096,7 @@
           <a:srgbClr val="000000"/>
         </a:buClr>
         <a:buFont typeface="Arial"/>
-        <a:defRPr b="0" i="0" sz="1400" u="none" cap="none" strike="noStrike">
+        <a:defRPr sz="1400" b="0" i="0" u="none" strike="noStrike" cap="none">
           <a:solidFill>
             <a:srgbClr val="000000"/>
           </a:solidFill>
@@ -6033,7 +6106,7 @@
           <a:sym typeface="Arial"/>
         </a:defRPr>
       </a:lvl5pPr>
-      <a:lvl6pPr lvl="5" marR="0" rtl="0" algn="l">
+      <a:lvl6pPr marR="0" lvl="5" algn="l" rtl="0">
         <a:lnSpc>
           <a:spcPct val="100000"/>
         </a:lnSpc>
@@ -6047,7 +6120,7 @@
           <a:srgbClr val="000000"/>
         </a:buClr>
         <a:buFont typeface="Arial"/>
-        <a:defRPr b="0" i="0" sz="1400" u="none" cap="none" strike="noStrike">
+        <a:defRPr sz="1400" b="0" i="0" u="none" strike="noStrike" cap="none">
           <a:solidFill>
             <a:srgbClr val="000000"/>
           </a:solidFill>
@@ -6057,7 +6130,7 @@
           <a:sym typeface="Arial"/>
         </a:defRPr>
       </a:lvl6pPr>
-      <a:lvl7pPr lvl="6" marR="0" rtl="0" algn="l">
+      <a:lvl7pPr marR="0" lvl="6" algn="l" rtl="0">
         <a:lnSpc>
           <a:spcPct val="100000"/>
         </a:lnSpc>
@@ -6071,7 +6144,7 @@
           <a:srgbClr val="000000"/>
         </a:buClr>
         <a:buFont typeface="Arial"/>
-        <a:defRPr b="0" i="0" sz="1400" u="none" cap="none" strike="noStrike">
+        <a:defRPr sz="1400" b="0" i="0" u="none" strike="noStrike" cap="none">
           <a:solidFill>
             <a:srgbClr val="000000"/>
           </a:solidFill>
@@ -6081,7 +6154,7 @@
           <a:sym typeface="Arial"/>
         </a:defRPr>
       </a:lvl7pPr>
-      <a:lvl8pPr lvl="7" marR="0" rtl="0" algn="l">
+      <a:lvl8pPr marR="0" lvl="7" algn="l" rtl="0">
         <a:lnSpc>
           <a:spcPct val="100000"/>
         </a:lnSpc>
@@ -6095,7 +6168,7 @@
           <a:srgbClr val="000000"/>
         </a:buClr>
         <a:buFont typeface="Arial"/>
-        <a:defRPr b="0" i="0" sz="1400" u="none" cap="none" strike="noStrike">
+        <a:defRPr sz="1400" b="0" i="0" u="none" strike="noStrike" cap="none">
           <a:solidFill>
             <a:srgbClr val="000000"/>
           </a:solidFill>
@@ -6105,7 +6178,7 @@
           <a:sym typeface="Arial"/>
         </a:defRPr>
       </a:lvl8pPr>
-      <a:lvl9pPr lvl="8" marR="0" rtl="0" algn="l">
+      <a:lvl9pPr marR="0" lvl="8" algn="l" rtl="0">
         <a:lnSpc>
           <a:spcPct val="100000"/>
         </a:lnSpc>
@@ -6119,7 +6192,7 @@
           <a:srgbClr val="000000"/>
         </a:buClr>
         <a:buFont typeface="Arial"/>
-        <a:defRPr b="0" i="0" sz="1400" u="none" cap="none" strike="noStrike">
+        <a:defRPr sz="1400" b="0" i="0" u="none" strike="noStrike" cap="none">
           <a:solidFill>
             <a:srgbClr val="000000"/>
           </a:solidFill>
@@ -6135,7 +6208,7 @@
 </file>
 
 <file path=ppt/slides/slide1.xml><?xml version="1.0" encoding="utf-8"?>
-<p:sld xmlns:a="http://schemas.openxmlformats.org/drawingml/2006/main" xmlns:r="http://schemas.openxmlformats.org/officeDocument/2006/relationships" xmlns:mc="http://schemas.openxmlformats.org/markup-compatibility/2006" xmlns:mv="urn:schemas-microsoft-com:mac:vml" xmlns:p="http://schemas.openxmlformats.org/presentationml/2006/main" xmlns:c="http://schemas.openxmlformats.org/drawingml/2006/chart" xmlns:dgm="http://schemas.openxmlformats.org/drawingml/2006/diagram" xmlns:o="urn:schemas-microsoft-com:office:office" xmlns:v="urn:schemas-microsoft-com:vml" xmlns:pvml="urn:schemas-microsoft-com:office:powerpoint" xmlns:com="http://schemas.openxmlformats.org/drawingml/2006/compatibility" xmlns:p14="http://schemas.microsoft.com/office/powerpoint/2010/main" xmlns:p15="http://schemas.microsoft.com/office/powerpoint/2012/main" xmlns:ahyp="http://schemas.microsoft.com/office/drawing/2018/hyperlinkcolor">
+<p:sld xmlns:a="http://schemas.openxmlformats.org/drawingml/2006/main" xmlns:r="http://schemas.openxmlformats.org/officeDocument/2006/relationships" xmlns:p="http://schemas.openxmlformats.org/presentationml/2006/main">
   <p:cSld>
     <p:bg>
       <p:bgPr>
@@ -6147,11 +6220,12 @@
             <a:fillRect/>
           </a:stretch>
         </a:blipFill>
+        <a:effectLst/>
       </p:bgPr>
     </p:bg>
     <p:spTree>
       <p:nvGrpSpPr>
-        <p:cNvPr id="53" name="Shape 53"/>
+        <p:cNvPr id="1" name="Shape 53"/>
         <p:cNvGrpSpPr/>
         <p:nvPr/>
       </p:nvGrpSpPr>
@@ -6200,7 +6274,7 @@
 </file>
 
 <file path=ppt/slides/slide2.xml><?xml version="1.0" encoding="utf-8"?>
-<p:sld xmlns:a="http://schemas.openxmlformats.org/drawingml/2006/main" xmlns:r="http://schemas.openxmlformats.org/officeDocument/2006/relationships" xmlns:mc="http://schemas.openxmlformats.org/markup-compatibility/2006" xmlns:mv="urn:schemas-microsoft-com:mac:vml" xmlns:p="http://schemas.openxmlformats.org/presentationml/2006/main" xmlns:c="http://schemas.openxmlformats.org/drawingml/2006/chart" xmlns:dgm="http://schemas.openxmlformats.org/drawingml/2006/diagram" xmlns:o="urn:schemas-microsoft-com:office:office" xmlns:v="urn:schemas-microsoft-com:vml" xmlns:pvml="urn:schemas-microsoft-com:office:powerpoint" xmlns:com="http://schemas.openxmlformats.org/drawingml/2006/compatibility" xmlns:p14="http://schemas.microsoft.com/office/powerpoint/2010/main" xmlns:p15="http://schemas.microsoft.com/office/powerpoint/2012/main" xmlns:ahyp="http://schemas.microsoft.com/office/drawing/2018/hyperlinkcolor">
+<p:sld xmlns:a="http://schemas.openxmlformats.org/drawingml/2006/main" xmlns:r="http://schemas.openxmlformats.org/officeDocument/2006/relationships" xmlns:p="http://schemas.openxmlformats.org/presentationml/2006/main">
   <p:cSld>
     <p:bg>
       <p:bgPr>
@@ -6212,11 +6286,12 @@
             <a:fillRect/>
           </a:stretch>
         </a:blipFill>
+        <a:effectLst/>
       </p:bgPr>
     </p:bg>
     <p:spTree>
       <p:nvGrpSpPr>
-        <p:cNvPr id="58" name="Shape 58"/>
+        <p:cNvPr id="1" name="Shape 58"/>
         <p:cNvGrpSpPr/>
         <p:nvPr/>
       </p:nvGrpSpPr>
@@ -6231,7 +6306,9 @@
       <p:sp>
         <p:nvSpPr>
           <p:cNvPr id="59" name="Google Shape;59;p14"/>
-          <p:cNvSpPr txBox="1"/>
+          <p:cNvSpPr txBox="1">
+            <a:spLocks noGrp="1"/>
+          </p:cNvSpPr>
           <p:nvPr>
             <p:ph type="title"/>
           </p:nvPr>
@@ -6246,12 +6323,12 @@
           </a:prstGeom>
         </p:spPr>
         <p:txBody>
-          <a:bodyPr anchorCtr="0" anchor="t" bIns="91425" lIns="91425" spcFirstLastPara="1" rIns="91425" wrap="square" tIns="91425">
+          <a:bodyPr spcFirstLastPara="1" wrap="square" lIns="91425" tIns="91425" rIns="91425" bIns="91425" anchor="t" anchorCtr="0">
             <a:normAutofit fontScale="90000"/>
           </a:bodyPr>
           <a:lstStyle/>
           <a:p>
-            <a:pPr indent="0" lvl="0" marL="0" rtl="0" algn="l">
+            <a:pPr marL="0" lvl="0" indent="0" algn="l" rtl="0">
               <a:spcBef>
                 <a:spcPts val="0"/>
               </a:spcBef>
@@ -6266,14 +6343,14 @@
               <a:buNone/>
             </a:pPr>
             <a:r>
-              <a:rPr b="1" lang="en">
+              <a:rPr lang="en" b="1" dirty="0">
                 <a:solidFill>
                   <a:srgbClr val="F6F7F8"/>
                 </a:solidFill>
               </a:rPr>
               <a:t>Who we are</a:t>
             </a:r>
-            <a:endParaRPr>
+            <a:endParaRPr dirty="0">
               <a:solidFill>
                 <a:srgbClr val="F6F7F8"/>
               </a:solidFill>
@@ -6284,9 +6361,11 @@
       <p:sp>
         <p:nvSpPr>
           <p:cNvPr id="60" name="Google Shape;60;p14"/>
-          <p:cNvSpPr txBox="1"/>
+          <p:cNvSpPr txBox="1">
+            <a:spLocks noGrp="1"/>
+          </p:cNvSpPr>
           <p:nvPr>
-            <p:ph idx="1" type="body"/>
+            <p:ph type="body" idx="1"/>
           </p:nvPr>
         </p:nvSpPr>
         <p:spPr>
@@ -6299,12 +6378,12 @@
           </a:prstGeom>
         </p:spPr>
         <p:txBody>
-          <a:bodyPr anchorCtr="0" anchor="t" bIns="91425" lIns="91425" spcFirstLastPara="1" rIns="91425" wrap="square" tIns="91425">
+          <a:bodyPr spcFirstLastPara="1" wrap="square" lIns="91425" tIns="91425" rIns="91425" bIns="91425" anchor="t" anchorCtr="0">
             <a:normAutofit/>
           </a:bodyPr>
           <a:lstStyle/>
           <a:p>
-            <a:pPr indent="0" lvl="0" marL="0" rtl="0" algn="l">
+            <a:pPr marL="0" lvl="0" indent="0" algn="l" rtl="0">
               <a:spcBef>
                 <a:spcPts val="0"/>
               </a:spcBef>
@@ -6319,7 +6398,7 @@
               <a:buNone/>
             </a:pPr>
             <a:r>
-              <a:rPr b="1" lang="en" sz="1400">
+              <a:rPr lang="en" sz="1400" b="1">
                 <a:solidFill>
                   <a:srgbClr val="F6F7F8"/>
                 </a:solidFill>
@@ -6341,7 +6420,7 @@
             </a:endParaRPr>
           </a:p>
           <a:p>
-            <a:pPr indent="0" lvl="0" marL="0" rtl="0" algn="l">
+            <a:pPr marL="0" lvl="0" indent="0" algn="l" rtl="0">
               <a:spcBef>
                 <a:spcPts val="1200"/>
               </a:spcBef>
@@ -6356,7 +6435,7 @@
               <a:buNone/>
             </a:pPr>
             <a:r>
-              <a:rPr b="1" lang="en" sz="1400">
+              <a:rPr lang="en" sz="1400" b="1">
                 <a:solidFill>
                   <a:srgbClr val="F6F7F8"/>
                 </a:solidFill>
@@ -6378,7 +6457,7 @@
             </a:endParaRPr>
           </a:p>
           <a:p>
-            <a:pPr indent="0" lvl="0" marL="0" rtl="0" algn="l">
+            <a:pPr marL="0" lvl="0" indent="0" algn="l" rtl="0">
               <a:spcBef>
                 <a:spcPts val="1200"/>
               </a:spcBef>
@@ -6393,7 +6472,7 @@
               <a:buNone/>
             </a:pPr>
             <a:r>
-              <a:rPr b="1" lang="en" sz="1400">
+              <a:rPr lang="en" sz="1400" b="1">
                 <a:solidFill>
                   <a:srgbClr val="F6F7F8"/>
                 </a:solidFill>
@@ -6408,14 +6487,14 @@
               </a:rPr>
               <a:t> A well-balanced Discord that’s "useful, but not overwhelming."</a:t>
             </a:r>
-            <a:endParaRPr b="1" sz="1400">
+            <a:endParaRPr sz="1400" b="1">
               <a:solidFill>
                 <a:srgbClr val="F6F7F8"/>
               </a:solidFill>
             </a:endParaRPr>
           </a:p>
           <a:p>
-            <a:pPr indent="0" lvl="0" marL="0" rtl="0" algn="l">
+            <a:pPr marL="0" lvl="0" indent="0" algn="l" rtl="0">
               <a:spcBef>
                 <a:spcPts val="1200"/>
               </a:spcBef>
@@ -6424,9 +6503,6 @@
               </a:spcAft>
               <a:buNone/>
             </a:pPr>
-            <a:r>
-              <a:t/>
-            </a:r>
             <a:endParaRPr sz="1400">
               <a:solidFill>
                 <a:srgbClr val="F6F7F8"/>
@@ -6472,7 +6548,7 @@
 </file>
 
 <file path=ppt/slides/slide3.xml><?xml version="1.0" encoding="utf-8"?>
-<p:sld xmlns:a="http://schemas.openxmlformats.org/drawingml/2006/main" xmlns:r="http://schemas.openxmlformats.org/officeDocument/2006/relationships" xmlns:mc="http://schemas.openxmlformats.org/markup-compatibility/2006" xmlns:mv="urn:schemas-microsoft-com:mac:vml" xmlns:p="http://schemas.openxmlformats.org/presentationml/2006/main" xmlns:c="http://schemas.openxmlformats.org/drawingml/2006/chart" xmlns:dgm="http://schemas.openxmlformats.org/drawingml/2006/diagram" xmlns:o="urn:schemas-microsoft-com:office:office" xmlns:v="urn:schemas-microsoft-com:vml" xmlns:pvml="urn:schemas-microsoft-com:office:powerpoint" xmlns:com="http://schemas.openxmlformats.org/drawingml/2006/compatibility" xmlns:p14="http://schemas.microsoft.com/office/powerpoint/2010/main" xmlns:p15="http://schemas.microsoft.com/office/powerpoint/2012/main" xmlns:ahyp="http://schemas.microsoft.com/office/drawing/2018/hyperlinkcolor">
+<p:sld xmlns:a="http://schemas.openxmlformats.org/drawingml/2006/main" xmlns:r="http://schemas.openxmlformats.org/officeDocument/2006/relationships" xmlns:p="http://schemas.openxmlformats.org/presentationml/2006/main">
   <p:cSld>
     <p:bg>
       <p:bgPr>
@@ -6484,11 +6560,18 @@
             <a:fillRect/>
           </a:stretch>
         </a:blipFill>
+        <a:effectLst/>
       </p:bgPr>
     </p:bg>
     <p:spTree>
       <p:nvGrpSpPr>
-        <p:cNvPr id="65" name="Shape 65"/>
+        <p:cNvPr id="1" name="Shape 58">
+          <a:extLst>
+            <a:ext uri="{FF2B5EF4-FFF2-40B4-BE49-F238E27FC236}">
+              <a16:creationId xmlns:a16="http://schemas.microsoft.com/office/drawing/2014/main" id="{B4DCDFEE-888E-3736-5503-18E175BFBDE6}"/>
+            </a:ext>
+          </a:extLst>
+        </p:cNvPr>
         <p:cNvGrpSpPr/>
         <p:nvPr/>
       </p:nvGrpSpPr>
@@ -6502,8 +6585,16 @@
       </p:grpSpPr>
       <p:sp>
         <p:nvSpPr>
-          <p:cNvPr id="66" name="Google Shape;66;p15"/>
-          <p:cNvSpPr txBox="1"/>
+          <p:cNvPr id="59" name="Google Shape;59;p14">
+            <a:extLst>
+              <a:ext uri="{FF2B5EF4-FFF2-40B4-BE49-F238E27FC236}">
+                <a16:creationId xmlns:a16="http://schemas.microsoft.com/office/drawing/2014/main" id="{654FB467-5BD6-43D1-8F3A-F15F11D41BC0}"/>
+              </a:ext>
+            </a:extLst>
+          </p:cNvPr>
+          <p:cNvSpPr txBox="1">
+            <a:spLocks noGrp="1"/>
+          </p:cNvSpPr>
           <p:nvPr>
             <p:ph type="title"/>
           </p:nvPr>
@@ -6518,29 +6609,34 @@
           </a:prstGeom>
         </p:spPr>
         <p:txBody>
-          <a:bodyPr anchorCtr="0" anchor="t" bIns="91425" lIns="91425" spcFirstLastPara="1" rIns="91425" wrap="square" tIns="91425">
+          <a:bodyPr spcFirstLastPara="1" wrap="square" lIns="91425" tIns="91425" rIns="91425" bIns="91425" anchor="t" anchorCtr="0">
             <a:normAutofit fontScale="90000"/>
           </a:bodyPr>
           <a:lstStyle/>
           <a:p>
-            <a:pPr indent="0" lvl="0" marL="0" rtl="0" algn="l">
-              <a:spcBef>
-                <a:spcPts val="0"/>
-              </a:spcBef>
-              <a:spcAft>
-                <a:spcPts val="0"/>
-              </a:spcAft>
+            <a:pPr marL="0" lvl="0" indent="0" algn="l" rtl="0">
+              <a:spcBef>
+                <a:spcPts val="0"/>
+              </a:spcBef>
+              <a:spcAft>
+                <a:spcPts val="0"/>
+              </a:spcAft>
+              <a:buClr>
+                <a:schemeClr val="dk1"/>
+              </a:buClr>
+              <a:buSzPct val="39285"/>
+              <a:buFont typeface="Arial"/>
               <a:buNone/>
             </a:pPr>
             <a:r>
-              <a:rPr lang="en">
+              <a:rPr lang="en" b="1" dirty="0">
                 <a:solidFill>
                   <a:srgbClr val="F6F7F8"/>
                 </a:solidFill>
               </a:rPr>
-              <a:t>Monthly Showcases, Labs &amp; Mixer 🍻🎉</a:t>
+              <a:t>How we got started</a:t>
             </a:r>
-            <a:endParaRPr>
+            <a:endParaRPr dirty="0">
               <a:solidFill>
                 <a:srgbClr val="F6F7F8"/>
               </a:solidFill>
@@ -6550,10 +6646,18 @@
       </p:sp>
       <p:sp>
         <p:nvSpPr>
-          <p:cNvPr id="67" name="Google Shape;67;p15"/>
-          <p:cNvSpPr txBox="1"/>
+          <p:cNvPr id="60" name="Google Shape;60;p14">
+            <a:extLst>
+              <a:ext uri="{FF2B5EF4-FFF2-40B4-BE49-F238E27FC236}">
+                <a16:creationId xmlns:a16="http://schemas.microsoft.com/office/drawing/2014/main" id="{1D0CCEF0-5D41-1EA7-3442-26D1EC52DFAE}"/>
+              </a:ext>
+            </a:extLst>
+          </p:cNvPr>
+          <p:cNvSpPr txBox="1">
+            <a:spLocks noGrp="1"/>
+          </p:cNvSpPr>
           <p:nvPr>
-            <p:ph idx="1" type="body"/>
+            <p:ph type="body" idx="1"/>
           </p:nvPr>
         </p:nvSpPr>
         <p:spPr>
@@ -6566,12 +6670,12 @@
           </a:prstGeom>
         </p:spPr>
         <p:txBody>
-          <a:bodyPr anchorCtr="0" anchor="t" bIns="91425" lIns="91425" spcFirstLastPara="1" rIns="91425" wrap="square" tIns="91425">
+          <a:bodyPr spcFirstLastPara="1" wrap="square" lIns="91425" tIns="91425" rIns="91425" bIns="91425" anchor="t" anchorCtr="0">
             <a:normAutofit/>
           </a:bodyPr>
           <a:lstStyle/>
           <a:p>
-            <a:pPr indent="0" lvl="0" marL="0" rtl="0" algn="l">
+            <a:pPr marL="0" lvl="0" indent="0" algn="l" rtl="0">
               <a:spcBef>
                 <a:spcPts val="0"/>
               </a:spcBef>
@@ -6586,29 +6690,109 @@
               <a:buNone/>
             </a:pPr>
             <a:r>
-              <a:rPr b="1" lang="en" sz="1400">
+              <a:rPr lang="en" sz="1400" b="1" dirty="0" err="1">
                 <a:solidFill>
                   <a:srgbClr val="F6F7F8"/>
                 </a:solidFill>
               </a:rPr>
-              <a:t>Main Event:</a:t>
+              <a:t>LangChain</a:t>
             </a:r>
             <a:r>
-              <a:rPr lang="en" sz="1400">
+              <a:rPr lang="en" sz="1400" b="1" dirty="0">
                 <a:solidFill>
                   <a:srgbClr val="F6F7F8"/>
                 </a:solidFill>
               </a:rPr>
-              <a:t> Every month, we meet at ACC’s historic Rio Grande Campus.</a:t>
+              <a:t> Chat with </a:t>
             </a:r>
-            <a:endParaRPr sz="1400">
+            <a:r>
+              <a:rPr lang="en-US" sz="1400" b="1" dirty="0">
+                <a:solidFill>
+                  <a:srgbClr val="F6F7F8"/>
+                </a:solidFill>
+              </a:rPr>
+              <a:t>D</a:t>
+            </a:r>
+            <a:r>
+              <a:rPr lang="en" sz="1400" b="1" dirty="0" err="1">
+                <a:solidFill>
+                  <a:srgbClr val="F6F7F8"/>
+                </a:solidFill>
+              </a:rPr>
+              <a:t>ata</a:t>
+            </a:r>
+            <a:r>
+              <a:rPr lang="en" sz="1400" b="1" dirty="0">
+                <a:solidFill>
+                  <a:srgbClr val="F6F7F8"/>
+                </a:solidFill>
+              </a:rPr>
+              <a:t> </a:t>
+            </a:r>
+            <a:r>
+              <a:rPr lang="en" sz="1400" b="1" dirty="0" err="1">
+                <a:solidFill>
+                  <a:srgbClr val="F6F7F8"/>
+                </a:solidFill>
+              </a:rPr>
+              <a:t>Challeng</a:t>
+            </a:r>
+            <a:r>
+              <a:rPr lang="en-US" sz="1400" b="1" dirty="0">
+                <a:solidFill>
+                  <a:srgbClr val="F6F7F8"/>
+                </a:solidFill>
+              </a:rPr>
+              <a:t>e</a:t>
+            </a:r>
+            <a:r>
+              <a:rPr lang="en" sz="1400" b="1" dirty="0">
+                <a:solidFill>
+                  <a:srgbClr val="F6F7F8"/>
+                </a:solidFill>
+              </a:rPr>
+              <a:t>:</a:t>
+            </a:r>
+            <a:r>
+              <a:rPr lang="en" sz="1400" dirty="0">
+                <a:solidFill>
+                  <a:srgbClr val="F6F7F8"/>
+                </a:solidFill>
+              </a:rPr>
+              <a:t> </a:t>
+            </a:r>
+            <a:r>
+              <a:rPr lang="en-US" sz="1400" dirty="0">
+                <a:solidFill>
+                  <a:srgbClr val="F6F7F8"/>
+                </a:solidFill>
+              </a:rPr>
+              <a:t>Harrison Chase posted a RAG challenge as part of the </a:t>
+            </a:r>
+            <a:r>
+              <a:rPr lang="en-US" sz="1400" dirty="0" err="1">
+                <a:solidFill>
+                  <a:srgbClr val="F6F7F8"/>
+                </a:solidFill>
+              </a:rPr>
+              <a:t>LangChain</a:t>
+            </a:r>
+            <a:r>
+              <a:rPr lang="en-US" sz="1400" dirty="0">
+                <a:solidFill>
+                  <a:srgbClr val="F6F7F8"/>
+                </a:solidFill>
+              </a:rPr>
+              <a:t> Project</a:t>
+            </a:r>
+            <a:endParaRPr sz="1400" dirty="0">
               <a:solidFill>
                 <a:srgbClr val="F6F7F8"/>
               </a:solidFill>
             </a:endParaRPr>
           </a:p>
           <a:p>
-            <a:pPr indent="0" lvl="0" marL="0" rtl="0" algn="l">
+            <a:pPr marL="0" lvl="0" indent="0" algn="l" rtl="0">
               <a:spcBef>
                 <a:spcPts val="1200"/>
               </a:spcBef>
@@ -6623,136 +6807,134 @@
               <a:buNone/>
             </a:pPr>
             <a:r>
-              <a:rPr b="1" lang="en" sz="1400">
+              <a:rPr lang="en-US" sz="1400" b="1" dirty="0">
                 <a:solidFill>
                   <a:srgbClr val="F6F7F8"/>
                 </a:solidFill>
               </a:rPr>
-              <a:t>Agenda Highlights:</a:t>
+              <a:t>I found fraud in my supply chain: I c</a:t>
             </a:r>
             <a:r>
-              <a:rPr lang="en" sz="1400">
+              <a:rPr lang="en" sz="1400" dirty="0" err="1">
                 <a:solidFill>
                   <a:srgbClr val="F6F7F8"/>
                 </a:solidFill>
               </a:rPr>
-              <a:t> Demos, labs, panels, and then we unwind with an after-party.</a:t>
+              <a:t>ombined</a:t>
             </a:r>
-            <a:endParaRPr sz="1400">
+            <a:r>
+              <a:rPr lang="en" sz="1400" dirty="0">
+                <a:solidFill>
+                  <a:srgbClr val="F6F7F8"/>
+                </a:solidFill>
+              </a:rPr>
+              <a:t> interviews, emails, </a:t>
+            </a:r>
+            <a:r>
+              <a:rPr lang="en-US" sz="1400" dirty="0">
+                <a:solidFill>
+                  <a:srgbClr val="F6F7F8"/>
+                </a:solidFill>
+              </a:rPr>
+              <a:t>and </a:t>
+            </a:r>
+            <a:r>
+              <a:rPr lang="en" sz="1400" dirty="0">
+                <a:solidFill>
+                  <a:srgbClr val="F6F7F8"/>
+                </a:solidFill>
+              </a:rPr>
+              <a:t>documents into RAG. Exposed Fraud protected me from SEC Violation at </a:t>
+            </a:r>
+            <a:r>
+              <a:rPr lang="en" sz="1400" dirty="0" err="1">
+                <a:solidFill>
+                  <a:srgbClr val="F6F7F8"/>
+                </a:solidFill>
+              </a:rPr>
+              <a:t>Alway</a:t>
+            </a:r>
+            <a:r>
+              <a:rPr lang="en-US" sz="1400" dirty="0">
+                <a:solidFill>
+                  <a:srgbClr val="F6F7F8"/>
+                </a:solidFill>
+              </a:rPr>
+              <a:t>s</a:t>
+            </a:r>
+            <a:r>
+              <a:rPr lang="en" sz="1400" dirty="0">
+                <a:solidFill>
+                  <a:srgbClr val="F6F7F8"/>
+                </a:solidFill>
+              </a:rPr>
+              <a:t> Cool Brands</a:t>
+            </a:r>
+          </a:p>
+          <a:p>
+            <a:pPr marL="0" lvl="0" indent="0" algn="l" rtl="0">
+              <a:spcBef>
+                <a:spcPts val="1200"/>
+              </a:spcBef>
+              <a:spcAft>
+                <a:spcPts val="0"/>
+              </a:spcAft>
+              <a:buClr>
+                <a:schemeClr val="dk1"/>
+              </a:buClr>
+              <a:buSzPts val="1100"/>
+              <a:buFont typeface="Arial"/>
+              <a:buNone/>
+            </a:pPr>
+            <a:r>
+              <a:rPr lang="en" sz="1400" b="1" dirty="0">
+                <a:solidFill>
+                  <a:srgbClr val="F6F7F8"/>
+                </a:solidFill>
+              </a:rPr>
+              <a:t>Shared with the Community: </a:t>
+            </a:r>
+            <a:r>
+              <a:rPr lang="en-US" sz="1400" dirty="0">
+                <a:solidFill>
+                  <a:srgbClr val="F6F7F8"/>
+                </a:solidFill>
+              </a:rPr>
+              <a:t>I s</a:t>
+            </a:r>
+            <a:r>
+              <a:rPr lang="en" sz="1400" dirty="0" err="1">
+                <a:solidFill>
+                  <a:srgbClr val="F6F7F8"/>
+                </a:solidFill>
+              </a:rPr>
+              <a:t>howed</a:t>
+            </a:r>
+            <a:r>
+              <a:rPr lang="en" sz="1400" dirty="0">
+                <a:solidFill>
+                  <a:srgbClr val="F6F7F8"/>
+                </a:solidFill>
+              </a:rPr>
+              <a:t> my code at a local bar. 1.5 years later, we have 800 members…</a:t>
+            </a:r>
+            <a:endParaRPr sz="1400" dirty="0">
               <a:solidFill>
                 <a:srgbClr val="F6F7F8"/>
               </a:solidFill>
             </a:endParaRPr>
           </a:p>
-          <a:p>
-            <a:pPr indent="-317500" lvl="0" marL="457200" rtl="0" algn="l">
-              <a:spcBef>
-                <a:spcPts val="1200"/>
-              </a:spcBef>
-              <a:spcAft>
-                <a:spcPts val="0"/>
-              </a:spcAft>
-              <a:buClr>
-                <a:srgbClr val="F6F7F8"/>
-              </a:buClr>
-              <a:buSzPts val="1400"/>
-              <a:buChar char="●"/>
-            </a:pPr>
-            <a:r>
-              <a:rPr b="1" lang="en" sz="1400">
-                <a:solidFill>
-                  <a:srgbClr val="F6F7F8"/>
-                </a:solidFill>
-              </a:rPr>
-              <a:t>Next Meeting:</a:t>
-            </a:r>
-            <a:r>
-              <a:rPr lang="en" sz="1400">
-                <a:solidFill>
-                  <a:srgbClr val="F6F7F8"/>
-                </a:solidFill>
-              </a:rPr>
-              <a:t> Wednesday, November 13th, 6 PM</a:t>
-            </a:r>
-            <a:endParaRPr sz="1400">
-              <a:solidFill>
-                <a:srgbClr val="F6F7F8"/>
-              </a:solidFill>
-            </a:endParaRPr>
-          </a:p>
-          <a:p>
-            <a:pPr indent="0" lvl="0" marL="0" rtl="0" algn="l">
-              <a:spcBef>
-                <a:spcPts val="1200"/>
-              </a:spcBef>
-              <a:spcAft>
-                <a:spcPts val="0"/>
-              </a:spcAft>
-              <a:buClr>
-                <a:schemeClr val="dk1"/>
-              </a:buClr>
-              <a:buSzPts val="1100"/>
-              <a:buFont typeface="Arial"/>
-              <a:buNone/>
-            </a:pPr>
-            <a:r>
-              <a:rPr b="1" lang="en" sz="1400">
-                <a:solidFill>
-                  <a:srgbClr val="F6F7F8"/>
-                </a:solidFill>
-              </a:rPr>
-              <a:t>After Hours:</a:t>
-            </a:r>
-            <a:r>
-              <a:rPr lang="en" sz="1400">
-                <a:solidFill>
-                  <a:srgbClr val="F6F7F8"/>
-                </a:solidFill>
-              </a:rPr>
-              <a:t> Two weeks later, we host mid-month happy hours at fun Austin spots—next one’s at </a:t>
-            </a:r>
-            <a:r>
-              <a:rPr b="1" lang="en" sz="1400">
-                <a:solidFill>
-                  <a:srgbClr val="F6F7F8"/>
-                </a:solidFill>
-              </a:rPr>
-              <a:t>Kinda Tropical</a:t>
-            </a:r>
-            <a:r>
-              <a:rPr lang="en" sz="1400">
-                <a:solidFill>
-                  <a:srgbClr val="F6F7F8"/>
-                </a:solidFill>
-              </a:rPr>
-              <a:t>!</a:t>
-            </a:r>
-            <a:endParaRPr sz="1400">
-              <a:solidFill>
-                <a:srgbClr val="F6F7F8"/>
-              </a:solidFill>
-            </a:endParaRPr>
-          </a:p>
-          <a:p>
-            <a:pPr indent="0" lvl="0" marL="0" rtl="0" algn="l">
-              <a:spcBef>
-                <a:spcPts val="0"/>
-              </a:spcBef>
-              <a:spcAft>
-                <a:spcPts val="1200"/>
-              </a:spcAft>
-              <a:buNone/>
-            </a:pPr>
-            <a:r>
-              <a:t/>
-            </a:r>
-            <a:endParaRPr/>
-          </a:p>
         </p:txBody>
       </p:sp>
       <p:pic>
         <p:nvPicPr>
-          <p:cNvPr id="68" name="Google Shape;68;p15"/>
+          <p:cNvPr id="61" name="Google Shape;61;p14">
+            <a:extLst>
+              <a:ext uri="{FF2B5EF4-FFF2-40B4-BE49-F238E27FC236}">
+                <a16:creationId xmlns:a16="http://schemas.microsoft.com/office/drawing/2014/main" id="{F2B8414F-126E-0445-1831-013A77DC8101}"/>
+              </a:ext>
+            </a:extLst>
+          </p:cNvPr>
           <p:cNvPicPr preferRelativeResize="0"/>
           <p:nvPr/>
         </p:nvPicPr>
@@ -6779,6 +6961,11 @@
         </p:spPr>
       </p:pic>
     </p:spTree>
+    <p:extLst>
+      <p:ext uri="{BB962C8B-B14F-4D97-AF65-F5344CB8AC3E}">
+        <p14:creationId xmlns:p14="http://schemas.microsoft.com/office/powerpoint/2010/main" val="1963983350"/>
+      </p:ext>
+    </p:extLst>
   </p:cSld>
   <p:clrMapOvr>
     <a:masterClrMapping/>
@@ -6787,7 +6974,7 @@
 </file>
 
 <file path=ppt/slides/slide4.xml><?xml version="1.0" encoding="utf-8"?>
-<p:sld xmlns:a="http://schemas.openxmlformats.org/drawingml/2006/main" xmlns:r="http://schemas.openxmlformats.org/officeDocument/2006/relationships" xmlns:mc="http://schemas.openxmlformats.org/markup-compatibility/2006" xmlns:mv="urn:schemas-microsoft-com:mac:vml" xmlns:p="http://schemas.openxmlformats.org/presentationml/2006/main" xmlns:c="http://schemas.openxmlformats.org/drawingml/2006/chart" xmlns:dgm="http://schemas.openxmlformats.org/drawingml/2006/diagram" xmlns:o="urn:schemas-microsoft-com:office:office" xmlns:v="urn:schemas-microsoft-com:vml" xmlns:pvml="urn:schemas-microsoft-com:office:powerpoint" xmlns:com="http://schemas.openxmlformats.org/drawingml/2006/compatibility" xmlns:p14="http://schemas.microsoft.com/office/powerpoint/2010/main" xmlns:p15="http://schemas.microsoft.com/office/powerpoint/2012/main" xmlns:ahyp="http://schemas.microsoft.com/office/drawing/2018/hyperlinkcolor">
+<p:sld xmlns:a="http://schemas.openxmlformats.org/drawingml/2006/main" xmlns:r="http://schemas.openxmlformats.org/officeDocument/2006/relationships" xmlns:p="http://schemas.openxmlformats.org/presentationml/2006/main">
   <p:cSld>
     <p:bg>
       <p:bgPr>
@@ -6799,11 +6986,12 @@
             <a:fillRect/>
           </a:stretch>
         </a:blipFill>
+        <a:effectLst/>
       </p:bgPr>
     </p:bg>
     <p:spTree>
       <p:nvGrpSpPr>
-        <p:cNvPr id="72" name="Shape 72"/>
+        <p:cNvPr id="1" name="Shape 79"/>
         <p:cNvGrpSpPr/>
         <p:nvPr/>
       </p:nvGrpSpPr>
@@ -6817,8 +7005,10 @@
       </p:grpSpPr>
       <p:sp>
         <p:nvSpPr>
-          <p:cNvPr id="73" name="Google Shape;73;p16"/>
-          <p:cNvSpPr txBox="1"/>
+          <p:cNvPr id="80" name="Google Shape;80;p17"/>
+          <p:cNvSpPr txBox="1">
+            <a:spLocks noGrp="1"/>
+          </p:cNvSpPr>
           <p:nvPr>
             <p:ph type="title"/>
           </p:nvPr>
@@ -6833,580 +7023,12 @@
           </a:prstGeom>
         </p:spPr>
         <p:txBody>
-          <a:bodyPr anchorCtr="0" anchor="t" bIns="91425" lIns="91425" spcFirstLastPara="1" rIns="91425" wrap="square" tIns="91425">
+          <a:bodyPr spcFirstLastPara="1" wrap="square" lIns="91425" tIns="91425" rIns="91425" bIns="91425" anchor="t" anchorCtr="0">
             <a:normAutofit fontScale="90000"/>
           </a:bodyPr>
           <a:lstStyle/>
           <a:p>
-            <a:pPr indent="0" lvl="0" marL="0" rtl="0" algn="l">
-              <a:spcBef>
-                <a:spcPts val="0"/>
-              </a:spcBef>
-              <a:spcAft>
-                <a:spcPts val="0"/>
-              </a:spcAft>
-              <a:buNone/>
-            </a:pPr>
-            <a:r>
-              <a:rPr lang="en">
-                <a:solidFill>
-                  <a:srgbClr val="F6F7F8"/>
-                </a:solidFill>
-              </a:rPr>
-              <a:t>Where to Connect &amp; Stay Updated 📲</a:t>
-            </a:r>
-            <a:endParaRPr>
-              <a:solidFill>
-                <a:srgbClr val="F6F7F8"/>
-              </a:solidFill>
-            </a:endParaRPr>
-          </a:p>
-        </p:txBody>
-      </p:sp>
-      <p:sp>
-        <p:nvSpPr>
-          <p:cNvPr id="74" name="Google Shape;74;p16"/>
-          <p:cNvSpPr txBox="1"/>
-          <p:nvPr>
-            <p:ph idx="1" type="body"/>
-          </p:nvPr>
-        </p:nvSpPr>
-        <p:spPr>
-          <a:xfrm>
-            <a:off x="311700" y="1152475"/>
-            <a:ext cx="5141400" cy="3416400"/>
-          </a:xfrm>
-          <a:prstGeom prst="rect">
-            <a:avLst/>
-          </a:prstGeom>
-        </p:spPr>
-        <p:txBody>
-          <a:bodyPr anchorCtr="0" anchor="t" bIns="91425" lIns="91425" spcFirstLastPara="1" rIns="91425" wrap="square" tIns="91425">
-            <a:normAutofit/>
-          </a:bodyPr>
-          <a:lstStyle/>
-          <a:p>
-            <a:pPr indent="0" lvl="0" marL="0" rtl="0" algn="l">
-              <a:spcBef>
-                <a:spcPts val="0"/>
-              </a:spcBef>
-              <a:spcAft>
-                <a:spcPts val="0"/>
-              </a:spcAft>
-              <a:buClr>
-                <a:schemeClr val="dk1"/>
-              </a:buClr>
-              <a:buSzPts val="1100"/>
-              <a:buFont typeface="Arial"/>
-              <a:buNone/>
-            </a:pPr>
-            <a:r>
-              <a:rPr b="1" lang="en" sz="1400">
-                <a:solidFill>
-                  <a:schemeClr val="lt1"/>
-                </a:solidFill>
-              </a:rPr>
-              <a:t>Website:</a:t>
-            </a:r>
-            <a:r>
-              <a:rPr lang="en" sz="1400">
-                <a:solidFill>
-                  <a:schemeClr val="lt1"/>
-                </a:solidFill>
-                <a:uFill>
-                  <a:noFill/>
-                </a:uFill>
-                <a:hlinkClick r:id="rId4">
-                  <a:extLst>
-                    <a:ext uri="{A12FA001-AC4F-418D-AE19-62706E023703}">
-                      <ahyp:hlinkClr val="tx"/>
-                    </a:ext>
-                  </a:extLst>
-                </a:hlinkClick>
-              </a:rPr>
-              <a:t> </a:t>
-            </a:r>
-            <a:r>
-              <a:rPr lang="en" sz="1400" u="sng">
-                <a:solidFill>
-                  <a:schemeClr val="lt1"/>
-                </a:solidFill>
-                <a:hlinkClick r:id="rId5">
-                  <a:extLst>
-                    <a:ext uri="{A12FA001-AC4F-418D-AE19-62706E023703}">
-                      <ahyp:hlinkClr val="tx"/>
-                    </a:ext>
-                  </a:extLst>
-                </a:hlinkClick>
-              </a:rPr>
-              <a:t>aimug.org</a:t>
-            </a:r>
-            <a:r>
-              <a:rPr lang="en" sz="1400">
-                <a:solidFill>
-                  <a:schemeClr val="lt1"/>
-                </a:solidFill>
-              </a:rPr>
-              <a:t> – All things LangChain and AIMUG.</a:t>
-            </a:r>
-            <a:endParaRPr sz="1400">
-              <a:solidFill>
-                <a:schemeClr val="lt1"/>
-              </a:solidFill>
-            </a:endParaRPr>
-          </a:p>
-          <a:p>
-            <a:pPr indent="0" lvl="0" marL="0" rtl="0" algn="l">
-              <a:spcBef>
-                <a:spcPts val="1200"/>
-              </a:spcBef>
-              <a:spcAft>
-                <a:spcPts val="0"/>
-              </a:spcAft>
-              <a:buClr>
-                <a:schemeClr val="dk1"/>
-              </a:buClr>
-              <a:buSzPts val="1100"/>
-              <a:buFont typeface="Arial"/>
-              <a:buNone/>
-            </a:pPr>
-            <a:r>
-              <a:rPr b="1" lang="en" sz="1400">
-                <a:solidFill>
-                  <a:schemeClr val="lt1"/>
-                </a:solidFill>
-              </a:rPr>
-              <a:t>Discord:</a:t>
-            </a:r>
-            <a:r>
-              <a:rPr lang="en" sz="1400">
-                <a:solidFill>
-                  <a:schemeClr val="lt1"/>
-                </a:solidFill>
-                <a:uFill>
-                  <a:noFill/>
-                </a:uFill>
-                <a:hlinkClick r:id="rId6">
-                  <a:extLst>
-                    <a:ext uri="{A12FA001-AC4F-418D-AE19-62706E023703}">
-                      <ahyp:hlinkClr val="tx"/>
-                    </a:ext>
-                  </a:extLst>
-                </a:hlinkClick>
-              </a:rPr>
-              <a:t> </a:t>
-            </a:r>
-            <a:r>
-              <a:rPr lang="en" sz="1400" u="sng">
-                <a:solidFill>
-                  <a:schemeClr val="lt1"/>
-                </a:solidFill>
-                <a:hlinkClick r:id="rId7">
-                  <a:extLst>
-                    <a:ext uri="{A12FA001-AC4F-418D-AE19-62706E023703}">
-                      <ahyp:hlinkClr val="tx"/>
-                    </a:ext>
-                  </a:extLst>
-                </a:hlinkClick>
-              </a:rPr>
-              <a:t>Join us</a:t>
-            </a:r>
-            <a:r>
-              <a:rPr lang="en" sz="1400">
-                <a:solidFill>
-                  <a:schemeClr val="lt1"/>
-                </a:solidFill>
-              </a:rPr>
-              <a:t> for ongoing conversations.</a:t>
-            </a:r>
-            <a:endParaRPr sz="1400">
-              <a:solidFill>
-                <a:schemeClr val="lt1"/>
-              </a:solidFill>
-            </a:endParaRPr>
-          </a:p>
-          <a:p>
-            <a:pPr indent="0" lvl="0" marL="0" rtl="0" algn="l">
-              <a:spcBef>
-                <a:spcPts val="1200"/>
-              </a:spcBef>
-              <a:spcAft>
-                <a:spcPts val="0"/>
-              </a:spcAft>
-              <a:buClr>
-                <a:schemeClr val="dk1"/>
-              </a:buClr>
-              <a:buSzPts val="1100"/>
-              <a:buFont typeface="Arial"/>
-              <a:buNone/>
-            </a:pPr>
-            <a:r>
-              <a:rPr b="1" lang="en" sz="1400">
-                <a:solidFill>
-                  <a:schemeClr val="lt1"/>
-                </a:solidFill>
-              </a:rPr>
-              <a:t>GitHub:</a:t>
-            </a:r>
-            <a:r>
-              <a:rPr lang="en" sz="1400">
-                <a:solidFill>
-                  <a:schemeClr val="lt1"/>
-                </a:solidFill>
-                <a:uFill>
-                  <a:noFill/>
-                </a:uFill>
-                <a:hlinkClick r:id="rId8">
-                  <a:extLst>
-                    <a:ext uri="{A12FA001-AC4F-418D-AE19-62706E023703}">
-                      <ahyp:hlinkClr val="tx"/>
-                    </a:ext>
-                  </a:extLst>
-                </a:hlinkClick>
-              </a:rPr>
-              <a:t> </a:t>
-            </a:r>
-            <a:r>
-              <a:rPr lang="en" sz="1400" u="sng">
-                <a:solidFill>
-                  <a:schemeClr val="lt1"/>
-                </a:solidFill>
-                <a:hlinkClick r:id="rId9">
-                  <a:extLst>
-                    <a:ext uri="{A12FA001-AC4F-418D-AE19-62706E023703}">
-                      <ahyp:hlinkClr val="tx"/>
-                    </a:ext>
-                  </a:extLst>
-                </a:hlinkClick>
-              </a:rPr>
-              <a:t>Austin LangChain Repo</a:t>
-            </a:r>
-            <a:r>
-              <a:rPr lang="en" sz="1400">
-                <a:solidFill>
-                  <a:schemeClr val="lt1"/>
-                </a:solidFill>
-              </a:rPr>
-              <a:t> – Check out our open-source projects.</a:t>
-            </a:r>
-            <a:endParaRPr sz="1400">
-              <a:solidFill>
-                <a:schemeClr val="lt1"/>
-              </a:solidFill>
-            </a:endParaRPr>
-          </a:p>
-          <a:p>
-            <a:pPr indent="0" lvl="0" marL="0" rtl="0" algn="l">
-              <a:spcBef>
-                <a:spcPts val="1200"/>
-              </a:spcBef>
-              <a:spcAft>
-                <a:spcPts val="0"/>
-              </a:spcAft>
-              <a:buClr>
-                <a:schemeClr val="dk1"/>
-              </a:buClr>
-              <a:buSzPts val="1100"/>
-              <a:buFont typeface="Arial"/>
-              <a:buNone/>
-            </a:pPr>
-            <a:r>
-              <a:rPr b="1" lang="en" sz="1400">
-                <a:solidFill>
-                  <a:schemeClr val="lt1"/>
-                </a:solidFill>
-              </a:rPr>
-              <a:t>Meetup:</a:t>
-            </a:r>
-            <a:r>
-              <a:rPr lang="en" sz="1400">
-                <a:solidFill>
-                  <a:schemeClr val="lt1"/>
-                </a:solidFill>
-                <a:uFill>
-                  <a:noFill/>
-                </a:uFill>
-                <a:hlinkClick r:id="rId10">
-                  <a:extLst>
-                    <a:ext uri="{A12FA001-AC4F-418D-AE19-62706E023703}">
-                      <ahyp:hlinkClr val="tx"/>
-                    </a:ext>
-                  </a:extLst>
-                </a:hlinkClick>
-              </a:rPr>
-              <a:t> </a:t>
-            </a:r>
-            <a:r>
-              <a:rPr lang="en" sz="1400" u="sng">
-                <a:solidFill>
-                  <a:schemeClr val="lt1"/>
-                </a:solidFill>
-                <a:hlinkClick r:id="rId11">
-                  <a:extLst>
-                    <a:ext uri="{A12FA001-AC4F-418D-AE19-62706E023703}">
-                      <ahyp:hlinkClr val="tx"/>
-                    </a:ext>
-                  </a:extLst>
-                </a:hlinkClick>
-              </a:rPr>
-              <a:t>Austin LangChain Group</a:t>
-            </a:r>
-            <a:endParaRPr sz="1400" u="sng">
-              <a:solidFill>
-                <a:schemeClr val="lt1"/>
-              </a:solidFill>
-            </a:endParaRPr>
-          </a:p>
-          <a:p>
-            <a:pPr indent="0" lvl="0" marL="0" rtl="0" algn="l">
-              <a:spcBef>
-                <a:spcPts val="1200"/>
-              </a:spcBef>
-              <a:spcAft>
-                <a:spcPts val="0"/>
-              </a:spcAft>
-              <a:buClr>
-                <a:schemeClr val="dk1"/>
-              </a:buClr>
-              <a:buSzPts val="1100"/>
-              <a:buFont typeface="Arial"/>
-              <a:buNone/>
-            </a:pPr>
-            <a:r>
-              <a:rPr b="1" lang="en" sz="1400">
-                <a:solidFill>
-                  <a:schemeClr val="lt1"/>
-                </a:solidFill>
-              </a:rPr>
-              <a:t>Twitter:</a:t>
-            </a:r>
-            <a:r>
-              <a:rPr lang="en" sz="1400">
-                <a:solidFill>
-                  <a:schemeClr val="lt1"/>
-                </a:solidFill>
-                <a:uFill>
-                  <a:noFill/>
-                </a:uFill>
-                <a:hlinkClick r:id="rId12">
-                  <a:extLst>
-                    <a:ext uri="{A12FA001-AC4F-418D-AE19-62706E023703}">
-                      <ahyp:hlinkClr val="tx"/>
-                    </a:ext>
-                  </a:extLst>
-                </a:hlinkClick>
-              </a:rPr>
-              <a:t> </a:t>
-            </a:r>
-            <a:r>
-              <a:rPr lang="en" sz="1400" u="sng">
-                <a:solidFill>
-                  <a:schemeClr val="lt1"/>
-                </a:solidFill>
-                <a:hlinkClick r:id="rId13">
-                  <a:extLst>
-                    <a:ext uri="{A12FA001-AC4F-418D-AE19-62706E023703}">
-                      <ahyp:hlinkClr val="tx"/>
-                    </a:ext>
-                  </a:extLst>
-                </a:hlinkClick>
-              </a:rPr>
-              <a:t>@AustinLangChain</a:t>
-            </a:r>
-            <a:r>
-              <a:rPr lang="en" sz="1400">
-                <a:solidFill>
-                  <a:schemeClr val="lt1"/>
-                </a:solidFill>
-              </a:rPr>
-              <a:t> – Latest updates and AI news.</a:t>
-            </a:r>
-            <a:endParaRPr sz="1400">
-              <a:solidFill>
-                <a:schemeClr val="lt1"/>
-              </a:solidFill>
-            </a:endParaRPr>
-          </a:p>
-          <a:p>
-            <a:pPr indent="0" lvl="0" marL="0" rtl="0" algn="l">
-              <a:spcBef>
-                <a:spcPts val="1200"/>
-              </a:spcBef>
-              <a:spcAft>
-                <a:spcPts val="0"/>
-              </a:spcAft>
-              <a:buClr>
-                <a:schemeClr val="dk1"/>
-              </a:buClr>
-              <a:buSzPts val="1100"/>
-              <a:buFont typeface="Arial"/>
-              <a:buNone/>
-            </a:pPr>
-            <a:r>
-              <a:rPr b="1" lang="en" sz="1400">
-                <a:solidFill>
-                  <a:schemeClr val="lt1"/>
-                </a:solidFill>
-              </a:rPr>
-              <a:t>YouTube:</a:t>
-            </a:r>
-            <a:r>
-              <a:rPr lang="en" sz="1400">
-                <a:solidFill>
-                  <a:schemeClr val="lt1"/>
-                </a:solidFill>
-                <a:uFill>
-                  <a:noFill/>
-                </a:uFill>
-                <a:hlinkClick r:id="rId14">
-                  <a:extLst>
-                    <a:ext uri="{A12FA001-AC4F-418D-AE19-62706E023703}">
-                      <ahyp:hlinkClr val="tx"/>
-                    </a:ext>
-                  </a:extLst>
-                </a:hlinkClick>
-              </a:rPr>
-              <a:t> </a:t>
-            </a:r>
-            <a:r>
-              <a:rPr lang="en" sz="1400" u="sng">
-                <a:solidFill>
-                  <a:schemeClr val="lt1"/>
-                </a:solidFill>
-                <a:hlinkClick r:id="rId15">
-                  <a:extLst>
-                    <a:ext uri="{A12FA001-AC4F-418D-AE19-62706E023703}">
-                      <ahyp:hlinkClr val="tx"/>
-                    </a:ext>
-                  </a:extLst>
-                </a:hlinkClick>
-              </a:rPr>
-              <a:t>Austin LangChain Channel</a:t>
-            </a:r>
-            <a:r>
-              <a:rPr lang="en" sz="1400">
-                <a:solidFill>
-                  <a:schemeClr val="lt1"/>
-                </a:solidFill>
-              </a:rPr>
-              <a:t> – Watch replays and tutorials.</a:t>
-            </a:r>
-            <a:endParaRPr sz="1400">
-              <a:solidFill>
-                <a:schemeClr val="lt1"/>
-              </a:solidFill>
-            </a:endParaRPr>
-          </a:p>
-          <a:p>
-            <a:pPr indent="0" lvl="0" marL="0" rtl="0" algn="l">
-              <a:spcBef>
-                <a:spcPts val="1200"/>
-              </a:spcBef>
-              <a:spcAft>
-                <a:spcPts val="1200"/>
-              </a:spcAft>
-              <a:buNone/>
-            </a:pPr>
-            <a:r>
-              <a:t/>
-            </a:r>
-            <a:endParaRPr sz="1400">
-              <a:solidFill>
-                <a:schemeClr val="lt1"/>
-              </a:solidFill>
-            </a:endParaRPr>
-          </a:p>
-        </p:txBody>
-      </p:sp>
-      <p:pic>
-        <p:nvPicPr>
-          <p:cNvPr id="75" name="Google Shape;75;p16"/>
-          <p:cNvPicPr preferRelativeResize="0"/>
-          <p:nvPr/>
-        </p:nvPicPr>
-        <p:blipFill>
-          <a:blip r:embed="rId16">
-            <a:alphaModFix/>
-          </a:blip>
-          <a:stretch>
-            <a:fillRect/>
-          </a:stretch>
-        </p:blipFill>
-        <p:spPr>
-          <a:xfrm>
-            <a:off x="8160675" y="169650"/>
-            <a:ext cx="880124" cy="882824"/>
-          </a:xfrm>
-          <a:prstGeom prst="rect">
-            <a:avLst/>
-          </a:prstGeom>
-          <a:noFill/>
-          <a:ln>
-            <a:noFill/>
-          </a:ln>
-        </p:spPr>
-      </p:pic>
-    </p:spTree>
-  </p:cSld>
-  <p:clrMapOvr>
-    <a:masterClrMapping/>
-  </p:clrMapOvr>
-</p:sld>
-</file>
-
-<file path=ppt/slides/slide5.xml><?xml version="1.0" encoding="utf-8"?>
-<p:sld xmlns:a="http://schemas.openxmlformats.org/drawingml/2006/main" xmlns:r="http://schemas.openxmlformats.org/officeDocument/2006/relationships" xmlns:mc="http://schemas.openxmlformats.org/markup-compatibility/2006" xmlns:mv="urn:schemas-microsoft-com:mac:vml" xmlns:p="http://schemas.openxmlformats.org/presentationml/2006/main" xmlns:c="http://schemas.openxmlformats.org/drawingml/2006/chart" xmlns:dgm="http://schemas.openxmlformats.org/drawingml/2006/diagram" xmlns:o="urn:schemas-microsoft-com:office:office" xmlns:v="urn:schemas-microsoft-com:vml" xmlns:pvml="urn:schemas-microsoft-com:office:powerpoint" xmlns:com="http://schemas.openxmlformats.org/drawingml/2006/compatibility" xmlns:p14="http://schemas.microsoft.com/office/powerpoint/2010/main" xmlns:p15="http://schemas.microsoft.com/office/powerpoint/2012/main" xmlns:ahyp="http://schemas.microsoft.com/office/drawing/2018/hyperlinkcolor">
-  <p:cSld>
-    <p:bg>
-      <p:bgPr>
-        <a:blipFill>
-          <a:blip r:embed="rId3">
-            <a:alphaModFix/>
-          </a:blip>
-          <a:stretch>
-            <a:fillRect/>
-          </a:stretch>
-        </a:blipFill>
-      </p:bgPr>
-    </p:bg>
-    <p:spTree>
-      <p:nvGrpSpPr>
-        <p:cNvPr id="79" name="Shape 79"/>
-        <p:cNvGrpSpPr/>
-        <p:nvPr/>
-      </p:nvGrpSpPr>
-      <p:grpSpPr>
-        <a:xfrm>
-          <a:off x="0" y="0"/>
-          <a:ext cx="0" cy="0"/>
-          <a:chOff x="0" y="0"/>
-          <a:chExt cx="0" cy="0"/>
-        </a:xfrm>
-      </p:grpSpPr>
-      <p:sp>
-        <p:nvSpPr>
-          <p:cNvPr id="80" name="Google Shape;80;p17"/>
-          <p:cNvSpPr txBox="1"/>
-          <p:nvPr>
-            <p:ph type="title"/>
-          </p:nvPr>
-        </p:nvSpPr>
-        <p:spPr>
-          <a:xfrm>
-            <a:off x="311700" y="445025"/>
-            <a:ext cx="8520600" cy="572700"/>
-          </a:xfrm>
-          <a:prstGeom prst="rect">
-            <a:avLst/>
-          </a:prstGeom>
-        </p:spPr>
-        <p:txBody>
-          <a:bodyPr anchorCtr="0" anchor="t" bIns="91425" lIns="91425" spcFirstLastPara="1" rIns="91425" wrap="square" tIns="91425">
-            <a:normAutofit fontScale="90000"/>
-          </a:bodyPr>
-          <a:lstStyle/>
-          <a:p>
-            <a:pPr indent="0" lvl="0" marL="0" rtl="0" algn="l">
+            <a:pPr marL="0" lvl="0" indent="0" algn="l" rtl="0">
               <a:spcBef>
                 <a:spcPts val="0"/>
               </a:spcBef>
@@ -7434,9 +7056,11 @@
       <p:sp>
         <p:nvSpPr>
           <p:cNvPr id="81" name="Google Shape;81;p17"/>
-          <p:cNvSpPr txBox="1"/>
+          <p:cNvSpPr txBox="1">
+            <a:spLocks noGrp="1"/>
+          </p:cNvSpPr>
           <p:nvPr>
-            <p:ph idx="1" type="body"/>
+            <p:ph type="body" idx="1"/>
           </p:nvPr>
         </p:nvSpPr>
         <p:spPr>
@@ -7449,12 +7073,12 @@
           </a:prstGeom>
         </p:spPr>
         <p:txBody>
-          <a:bodyPr anchorCtr="0" anchor="t" bIns="91425" lIns="91425" spcFirstLastPara="1" rIns="91425" wrap="square" tIns="91425">
+          <a:bodyPr spcFirstLastPara="1" wrap="square" lIns="91425" tIns="91425" rIns="91425" bIns="91425" anchor="t" anchorCtr="0">
             <a:normAutofit/>
           </a:bodyPr>
           <a:lstStyle/>
           <a:p>
-            <a:pPr indent="0" lvl="0" marL="0" rtl="0" algn="l">
+            <a:pPr marL="0" lvl="0" indent="0" algn="l" rtl="0">
               <a:spcBef>
                 <a:spcPts val="0"/>
               </a:spcBef>
@@ -7469,7 +7093,7 @@
               <a:buNone/>
             </a:pPr>
             <a:r>
-              <a:rPr b="1" lang="en" sz="1600">
+              <a:rPr lang="en" sz="1600" b="1" dirty="0">
                 <a:solidFill>
                   <a:srgbClr val="F6F7F8"/>
                 </a:solidFill>
@@ -7477,58 +7101,54 @@
               <a:t>Monthly Showcases &amp; Mixer:</a:t>
             </a:r>
             <a:r>
-              <a:rPr lang="en" sz="1600">
+              <a:rPr lang="en" sz="1600" dirty="0">
                 <a:solidFill>
                   <a:srgbClr val="F6F7F8"/>
                 </a:solidFill>
               </a:rPr>
               <a:t> Community members share projects and demos; labs for hands-on learning.</a:t>
             </a:r>
-            <a:endParaRPr sz="1600">
+            <a:endParaRPr sz="1600" dirty="0">
               <a:solidFill>
                 <a:srgbClr val="F6F7F8"/>
               </a:solidFill>
             </a:endParaRPr>
           </a:p>
           <a:p>
-            <a:pPr indent="0" lvl="0" marL="0" rtl="0" algn="l">
+            <a:pPr marL="0" indent="0">
               <a:spcBef>
                 <a:spcPts val="1200"/>
               </a:spcBef>
-              <a:spcAft>
-                <a:spcPts val="0"/>
-              </a:spcAft>
               <a:buClr>
                 <a:schemeClr val="dk1"/>
               </a:buClr>
               <a:buSzPts val="1100"/>
-              <a:buFont typeface="Arial"/>
               <a:buNone/>
             </a:pPr>
             <a:r>
-              <a:rPr b="1" lang="en" sz="1600">
+              <a:rPr lang="en-US" sz="1600" b="1" dirty="0">
                 <a:solidFill>
                   <a:srgbClr val="F6F7F8"/>
                 </a:solidFill>
               </a:rPr>
-              <a:t>Hacky Hours (Mid-Month):</a:t>
+              <a:t>	Next Meeting:</a:t>
             </a:r>
             <a:r>
-              <a:rPr lang="en" sz="1600">
+              <a:rPr lang="en-US" sz="1600" dirty="0">
                 <a:solidFill>
                   <a:srgbClr val="F6F7F8"/>
                 </a:solidFill>
               </a:rPr>
-              <a:t> Informal happy hours at local spots; meet, discuss, and relax.</a:t>
+              <a:t> Wednesday, November 	13th, 6 PM</a:t>
             </a:r>
-            <a:endParaRPr sz="1600">
+            <a:endParaRPr lang="en" sz="1600" b="1" dirty="0">
               <a:solidFill>
                 <a:srgbClr val="F6F7F8"/>
               </a:solidFill>
             </a:endParaRPr>
           </a:p>
           <a:p>
-            <a:pPr indent="0" lvl="0" marL="0" rtl="0" algn="l">
+            <a:pPr marL="0" lvl="0" indent="0" algn="l" rtl="0">
               <a:spcBef>
                 <a:spcPts val="1200"/>
               </a:spcBef>
@@ -7543,41 +7163,75 @@
               <a:buNone/>
             </a:pPr>
             <a:r>
-              <a:rPr b="1" lang="en" sz="1600">
+              <a:rPr lang="en" sz="1600" b="1" dirty="0">
                 <a:solidFill>
                   <a:srgbClr val="F6F7F8"/>
                 </a:solidFill>
               </a:rPr>
-              <a:t>Weekly Virtual Syncs:</a:t>
+              <a:t>Hacky Hours (Mid-Month):</a:t>
             </a:r>
             <a:r>
-              <a:rPr lang="en" sz="1600">
+              <a:rPr lang="en" sz="1600" dirty="0">
                 <a:solidFill>
                   <a:srgbClr val="F6F7F8"/>
                 </a:solidFill>
               </a:rPr>
-              <a:t> Tuesdays &amp; Thursdays at 2 PM – Workshopping, problem-solving, and AI discussions.</a:t>
+              <a:t> Informal happy hours at local spots; meet, discuss, and relax.</a:t>
             </a:r>
-            <a:endParaRPr sz="1600">
+            <a:endParaRPr sz="1600" dirty="0">
               <a:solidFill>
                 <a:srgbClr val="F6F7F8"/>
               </a:solidFill>
             </a:endParaRPr>
           </a:p>
           <a:p>
-            <a:pPr indent="0" lvl="0" marL="0" rtl="0" algn="l">
+            <a:pPr marL="0" lvl="0" indent="0" algn="l" rtl="0">
               <a:spcBef>
                 <a:spcPts val="1200"/>
               </a:spcBef>
               <a:spcAft>
-                <a:spcPts val="1200"/>
-              </a:spcAft>
+                <a:spcPts val="0"/>
+              </a:spcAft>
+              <a:buClr>
+                <a:schemeClr val="dk1"/>
+              </a:buClr>
+              <a:buSzPts val="1100"/>
+              <a:buFont typeface="Arial"/>
               <a:buNone/>
             </a:pPr>
             <a:r>
-              <a:t/>
+              <a:rPr lang="en" sz="1600" b="1" dirty="0">
+                <a:solidFill>
+                  <a:srgbClr val="F6F7F8"/>
+                </a:solidFill>
+              </a:rPr>
+              <a:t>Weekly Virtual Syncs:</a:t>
             </a:r>
-            <a:endParaRPr sz="1600">
+            <a:r>
+              <a:rPr lang="en" sz="1600" dirty="0">
+                <a:solidFill>
+                  <a:srgbClr val="F6F7F8"/>
+                </a:solidFill>
+              </a:rPr>
+              <a:t> Tuesdays &amp; Thursdays at 2 PM – Workshopping, problem-solving, and AI discussions.</a:t>
+            </a:r>
+            <a:endParaRPr sz="1600" dirty="0">
+              <a:solidFill>
+                <a:srgbClr val="F6F7F8"/>
+              </a:solidFill>
+            </a:endParaRPr>
+          </a:p>
+          <a:p>
+            <a:pPr marL="0" lvl="0" indent="0" algn="l" rtl="0">
+              <a:spcBef>
+                <a:spcPts val="1200"/>
+              </a:spcBef>
+              <a:spcAft>
+                <a:spcPts val="1200"/>
+              </a:spcAft>
+              <a:buNone/>
+            </a:pPr>
+            <a:endParaRPr sz="1600" dirty="0">
               <a:solidFill>
                 <a:srgbClr val="F6F7F8"/>
               </a:solidFill>
@@ -7621,8 +7275,8 @@
 </p:sld>
 </file>
 
-<file path=ppt/slides/slide6.xml><?xml version="1.0" encoding="utf-8"?>
-<p:sld xmlns:a="http://schemas.openxmlformats.org/drawingml/2006/main" xmlns:r="http://schemas.openxmlformats.org/officeDocument/2006/relationships" xmlns:mc="http://schemas.openxmlformats.org/markup-compatibility/2006" xmlns:mv="urn:schemas-microsoft-com:mac:vml" xmlns:p="http://schemas.openxmlformats.org/presentationml/2006/main" xmlns:c="http://schemas.openxmlformats.org/drawingml/2006/chart" xmlns:dgm="http://schemas.openxmlformats.org/drawingml/2006/diagram" xmlns:o="urn:schemas-microsoft-com:office:office" xmlns:v="urn:schemas-microsoft-com:vml" xmlns:pvml="urn:schemas-microsoft-com:office:powerpoint" xmlns:com="http://schemas.openxmlformats.org/drawingml/2006/compatibility" xmlns:p14="http://schemas.microsoft.com/office/powerpoint/2010/main" xmlns:p15="http://schemas.microsoft.com/office/powerpoint/2012/main" xmlns:ahyp="http://schemas.microsoft.com/office/drawing/2018/hyperlinkcolor">
+<file path=ppt/slides/slide5.xml><?xml version="1.0" encoding="utf-8"?>
+<p:sld xmlns:a="http://schemas.openxmlformats.org/drawingml/2006/main" xmlns:r="http://schemas.openxmlformats.org/officeDocument/2006/relationships" xmlns:p="http://schemas.openxmlformats.org/presentationml/2006/main">
   <p:cSld>
     <p:bg>
       <p:bgPr>
@@ -7634,11 +7288,582 @@
             <a:fillRect/>
           </a:stretch>
         </a:blipFill>
+        <a:effectLst/>
       </p:bgPr>
     </p:bg>
     <p:spTree>
       <p:nvGrpSpPr>
-        <p:cNvPr id="86" name="Shape 86"/>
+        <p:cNvPr id="1" name="Shape 72"/>
+        <p:cNvGrpSpPr/>
+        <p:nvPr/>
+      </p:nvGrpSpPr>
+      <p:grpSpPr>
+        <a:xfrm>
+          <a:off x="0" y="0"/>
+          <a:ext cx="0" cy="0"/>
+          <a:chOff x="0" y="0"/>
+          <a:chExt cx="0" cy="0"/>
+        </a:xfrm>
+      </p:grpSpPr>
+      <p:sp>
+        <p:nvSpPr>
+          <p:cNvPr id="73" name="Google Shape;73;p16"/>
+          <p:cNvSpPr txBox="1">
+            <a:spLocks noGrp="1"/>
+          </p:cNvSpPr>
+          <p:nvPr>
+            <p:ph type="title"/>
+          </p:nvPr>
+        </p:nvSpPr>
+        <p:spPr>
+          <a:xfrm>
+            <a:off x="311700" y="445025"/>
+            <a:ext cx="8520600" cy="572700"/>
+          </a:xfrm>
+          <a:prstGeom prst="rect">
+            <a:avLst/>
+          </a:prstGeom>
+        </p:spPr>
+        <p:txBody>
+          <a:bodyPr spcFirstLastPara="1" wrap="square" lIns="91425" tIns="91425" rIns="91425" bIns="91425" anchor="t" anchorCtr="0">
+            <a:normAutofit fontScale="90000"/>
+          </a:bodyPr>
+          <a:lstStyle/>
+          <a:p>
+            <a:pPr marL="0" lvl="0" indent="0" algn="l" rtl="0">
+              <a:spcBef>
+                <a:spcPts val="0"/>
+              </a:spcBef>
+              <a:spcAft>
+                <a:spcPts val="0"/>
+              </a:spcAft>
+              <a:buNone/>
+            </a:pPr>
+            <a:r>
+              <a:rPr lang="en">
+                <a:solidFill>
+                  <a:srgbClr val="F6F7F8"/>
+                </a:solidFill>
+              </a:rPr>
+              <a:t>Where to Connect &amp; Stay Updated 📲</a:t>
+            </a:r>
+            <a:endParaRPr>
+              <a:solidFill>
+                <a:srgbClr val="F6F7F8"/>
+              </a:solidFill>
+            </a:endParaRPr>
+          </a:p>
+        </p:txBody>
+      </p:sp>
+      <p:sp>
+        <p:nvSpPr>
+          <p:cNvPr id="74" name="Google Shape;74;p16"/>
+          <p:cNvSpPr txBox="1">
+            <a:spLocks noGrp="1"/>
+          </p:cNvSpPr>
+          <p:nvPr>
+            <p:ph type="body" idx="1"/>
+          </p:nvPr>
+        </p:nvSpPr>
+        <p:spPr>
+          <a:xfrm>
+            <a:off x="311700" y="1152475"/>
+            <a:ext cx="5141400" cy="3416400"/>
+          </a:xfrm>
+          <a:prstGeom prst="rect">
+            <a:avLst/>
+          </a:prstGeom>
+        </p:spPr>
+        <p:txBody>
+          <a:bodyPr spcFirstLastPara="1" wrap="square" lIns="91425" tIns="91425" rIns="91425" bIns="91425" anchor="t" anchorCtr="0">
+            <a:normAutofit/>
+          </a:bodyPr>
+          <a:lstStyle/>
+          <a:p>
+            <a:pPr marL="0" lvl="0" indent="0" algn="l" rtl="0">
+              <a:spcBef>
+                <a:spcPts val="0"/>
+              </a:spcBef>
+              <a:spcAft>
+                <a:spcPts val="0"/>
+              </a:spcAft>
+              <a:buClr>
+                <a:schemeClr val="dk1"/>
+              </a:buClr>
+              <a:buSzPts val="1100"/>
+              <a:buFont typeface="Arial"/>
+              <a:buNone/>
+            </a:pPr>
+            <a:r>
+              <a:rPr lang="en" sz="1400" b="1">
+                <a:solidFill>
+                  <a:schemeClr val="lt1"/>
+                </a:solidFill>
+              </a:rPr>
+              <a:t>Website:</a:t>
+            </a:r>
+            <a:r>
+              <a:rPr lang="en" sz="1400">
+                <a:solidFill>
+                  <a:schemeClr val="lt1"/>
+                </a:solidFill>
+                <a:uFill>
+                  <a:noFill/>
+                </a:uFill>
+                <a:hlinkClick r:id="rId4">
+                  <a:extLst>
+                    <a:ext uri="{A12FA001-AC4F-418D-AE19-62706E023703}">
+                      <ahyp:hlinkClr xmlns:ahyp="http://schemas.microsoft.com/office/drawing/2018/hyperlinkcolor" val="tx"/>
+                    </a:ext>
+                  </a:extLst>
+                </a:hlinkClick>
+              </a:rPr>
+              <a:t> </a:t>
+            </a:r>
+            <a:r>
+              <a:rPr lang="en" sz="1400" u="sng">
+                <a:solidFill>
+                  <a:schemeClr val="lt1"/>
+                </a:solidFill>
+                <a:hlinkClick r:id="rId4">
+                  <a:extLst>
+                    <a:ext uri="{A12FA001-AC4F-418D-AE19-62706E023703}">
+                      <ahyp:hlinkClr xmlns:ahyp="http://schemas.microsoft.com/office/drawing/2018/hyperlinkcolor" val="tx"/>
+                    </a:ext>
+                  </a:extLst>
+                </a:hlinkClick>
+              </a:rPr>
+              <a:t>aimug.org</a:t>
+            </a:r>
+            <a:r>
+              <a:rPr lang="en" sz="1400">
+                <a:solidFill>
+                  <a:schemeClr val="lt1"/>
+                </a:solidFill>
+              </a:rPr>
+              <a:t> – All things LangChain and AIMUG.</a:t>
+            </a:r>
+            <a:endParaRPr sz="1400">
+              <a:solidFill>
+                <a:schemeClr val="lt1"/>
+              </a:solidFill>
+            </a:endParaRPr>
+          </a:p>
+          <a:p>
+            <a:pPr marL="0" lvl="0" indent="0" algn="l" rtl="0">
+              <a:spcBef>
+                <a:spcPts val="1200"/>
+              </a:spcBef>
+              <a:spcAft>
+                <a:spcPts val="0"/>
+              </a:spcAft>
+              <a:buClr>
+                <a:schemeClr val="dk1"/>
+              </a:buClr>
+              <a:buSzPts val="1100"/>
+              <a:buFont typeface="Arial"/>
+              <a:buNone/>
+            </a:pPr>
+            <a:r>
+              <a:rPr lang="en" sz="1400" b="1">
+                <a:solidFill>
+                  <a:schemeClr val="lt1"/>
+                </a:solidFill>
+              </a:rPr>
+              <a:t>Discord:</a:t>
+            </a:r>
+            <a:r>
+              <a:rPr lang="en" sz="1400">
+                <a:solidFill>
+                  <a:schemeClr val="lt1"/>
+                </a:solidFill>
+                <a:uFill>
+                  <a:noFill/>
+                </a:uFill>
+                <a:hlinkClick r:id="rId5">
+                  <a:extLst>
+                    <a:ext uri="{A12FA001-AC4F-418D-AE19-62706E023703}">
+                      <ahyp:hlinkClr xmlns:ahyp="http://schemas.microsoft.com/office/drawing/2018/hyperlinkcolor" val="tx"/>
+                    </a:ext>
+                  </a:extLst>
+                </a:hlinkClick>
+              </a:rPr>
+              <a:t> </a:t>
+            </a:r>
+            <a:r>
+              <a:rPr lang="en" sz="1400" u="sng">
+                <a:solidFill>
+                  <a:schemeClr val="lt1"/>
+                </a:solidFill>
+                <a:hlinkClick r:id="rId5">
+                  <a:extLst>
+                    <a:ext uri="{A12FA001-AC4F-418D-AE19-62706E023703}">
+                      <ahyp:hlinkClr xmlns:ahyp="http://schemas.microsoft.com/office/drawing/2018/hyperlinkcolor" val="tx"/>
+                    </a:ext>
+                  </a:extLst>
+                </a:hlinkClick>
+              </a:rPr>
+              <a:t>Join us</a:t>
+            </a:r>
+            <a:r>
+              <a:rPr lang="en" sz="1400">
+                <a:solidFill>
+                  <a:schemeClr val="lt1"/>
+                </a:solidFill>
+              </a:rPr>
+              <a:t> for ongoing conversations.</a:t>
+            </a:r>
+            <a:endParaRPr sz="1400">
+              <a:solidFill>
+                <a:schemeClr val="lt1"/>
+              </a:solidFill>
+            </a:endParaRPr>
+          </a:p>
+          <a:p>
+            <a:pPr marL="0" lvl="0" indent="0" algn="l" rtl="0">
+              <a:spcBef>
+                <a:spcPts val="1200"/>
+              </a:spcBef>
+              <a:spcAft>
+                <a:spcPts val="0"/>
+              </a:spcAft>
+              <a:buClr>
+                <a:schemeClr val="dk1"/>
+              </a:buClr>
+              <a:buSzPts val="1100"/>
+              <a:buFont typeface="Arial"/>
+              <a:buNone/>
+            </a:pPr>
+            <a:r>
+              <a:rPr lang="en" sz="1400" b="1">
+                <a:solidFill>
+                  <a:schemeClr val="lt1"/>
+                </a:solidFill>
+              </a:rPr>
+              <a:t>GitHub:</a:t>
+            </a:r>
+            <a:r>
+              <a:rPr lang="en" sz="1400">
+                <a:solidFill>
+                  <a:schemeClr val="lt1"/>
+                </a:solidFill>
+                <a:uFill>
+                  <a:noFill/>
+                </a:uFill>
+                <a:hlinkClick r:id="rId6">
+                  <a:extLst>
+                    <a:ext uri="{A12FA001-AC4F-418D-AE19-62706E023703}">
+                      <ahyp:hlinkClr xmlns:ahyp="http://schemas.microsoft.com/office/drawing/2018/hyperlinkcolor" val="tx"/>
+                    </a:ext>
+                  </a:extLst>
+                </a:hlinkClick>
+              </a:rPr>
+              <a:t> </a:t>
+            </a:r>
+            <a:r>
+              <a:rPr lang="en" sz="1400" u="sng">
+                <a:solidFill>
+                  <a:schemeClr val="lt1"/>
+                </a:solidFill>
+                <a:hlinkClick r:id="rId6">
+                  <a:extLst>
+                    <a:ext uri="{A12FA001-AC4F-418D-AE19-62706E023703}">
+                      <ahyp:hlinkClr xmlns:ahyp="http://schemas.microsoft.com/office/drawing/2018/hyperlinkcolor" val="tx"/>
+                    </a:ext>
+                  </a:extLst>
+                </a:hlinkClick>
+              </a:rPr>
+              <a:t>Austin LangChain Repo</a:t>
+            </a:r>
+            <a:r>
+              <a:rPr lang="en" sz="1400">
+                <a:solidFill>
+                  <a:schemeClr val="lt1"/>
+                </a:solidFill>
+              </a:rPr>
+              <a:t> – Check out our open-source projects.</a:t>
+            </a:r>
+            <a:endParaRPr sz="1400">
+              <a:solidFill>
+                <a:schemeClr val="lt1"/>
+              </a:solidFill>
+            </a:endParaRPr>
+          </a:p>
+          <a:p>
+            <a:pPr marL="0" lvl="0" indent="0" algn="l" rtl="0">
+              <a:spcBef>
+                <a:spcPts val="1200"/>
+              </a:spcBef>
+              <a:spcAft>
+                <a:spcPts val="0"/>
+              </a:spcAft>
+              <a:buClr>
+                <a:schemeClr val="dk1"/>
+              </a:buClr>
+              <a:buSzPts val="1100"/>
+              <a:buFont typeface="Arial"/>
+              <a:buNone/>
+            </a:pPr>
+            <a:r>
+              <a:rPr lang="en" sz="1400" b="1">
+                <a:solidFill>
+                  <a:schemeClr val="lt1"/>
+                </a:solidFill>
+              </a:rPr>
+              <a:t>Meetup:</a:t>
+            </a:r>
+            <a:r>
+              <a:rPr lang="en" sz="1400">
+                <a:solidFill>
+                  <a:schemeClr val="lt1"/>
+                </a:solidFill>
+                <a:uFill>
+                  <a:noFill/>
+                </a:uFill>
+                <a:hlinkClick r:id="rId7">
+                  <a:extLst>
+                    <a:ext uri="{A12FA001-AC4F-418D-AE19-62706E023703}">
+                      <ahyp:hlinkClr xmlns:ahyp="http://schemas.microsoft.com/office/drawing/2018/hyperlinkcolor" val="tx"/>
+                    </a:ext>
+                  </a:extLst>
+                </a:hlinkClick>
+              </a:rPr>
+              <a:t> </a:t>
+            </a:r>
+            <a:r>
+              <a:rPr lang="en" sz="1400" u="sng">
+                <a:solidFill>
+                  <a:schemeClr val="lt1"/>
+                </a:solidFill>
+                <a:hlinkClick r:id="rId7">
+                  <a:extLst>
+                    <a:ext uri="{A12FA001-AC4F-418D-AE19-62706E023703}">
+                      <ahyp:hlinkClr xmlns:ahyp="http://schemas.microsoft.com/office/drawing/2018/hyperlinkcolor" val="tx"/>
+                    </a:ext>
+                  </a:extLst>
+                </a:hlinkClick>
+              </a:rPr>
+              <a:t>Austin LangChain Group</a:t>
+            </a:r>
+            <a:endParaRPr sz="1400" u="sng">
+              <a:solidFill>
+                <a:schemeClr val="lt1"/>
+              </a:solidFill>
+            </a:endParaRPr>
+          </a:p>
+          <a:p>
+            <a:pPr marL="0" lvl="0" indent="0" algn="l" rtl="0">
+              <a:spcBef>
+                <a:spcPts val="1200"/>
+              </a:spcBef>
+              <a:spcAft>
+                <a:spcPts val="0"/>
+              </a:spcAft>
+              <a:buClr>
+                <a:schemeClr val="dk1"/>
+              </a:buClr>
+              <a:buSzPts val="1100"/>
+              <a:buFont typeface="Arial"/>
+              <a:buNone/>
+            </a:pPr>
+            <a:r>
+              <a:rPr lang="en" sz="1400" b="1">
+                <a:solidFill>
+                  <a:schemeClr val="lt1"/>
+                </a:solidFill>
+              </a:rPr>
+              <a:t>Twitter:</a:t>
+            </a:r>
+            <a:r>
+              <a:rPr lang="en" sz="1400">
+                <a:solidFill>
+                  <a:schemeClr val="lt1"/>
+                </a:solidFill>
+                <a:uFill>
+                  <a:noFill/>
+                </a:uFill>
+                <a:hlinkClick r:id="rId8">
+                  <a:extLst>
+                    <a:ext uri="{A12FA001-AC4F-418D-AE19-62706E023703}">
+                      <ahyp:hlinkClr xmlns:ahyp="http://schemas.microsoft.com/office/drawing/2018/hyperlinkcolor" val="tx"/>
+                    </a:ext>
+                  </a:extLst>
+                </a:hlinkClick>
+              </a:rPr>
+              <a:t> </a:t>
+            </a:r>
+            <a:r>
+              <a:rPr lang="en" sz="1400" u="sng">
+                <a:solidFill>
+                  <a:schemeClr val="lt1"/>
+                </a:solidFill>
+                <a:hlinkClick r:id="rId8">
+                  <a:extLst>
+                    <a:ext uri="{A12FA001-AC4F-418D-AE19-62706E023703}">
+                      <ahyp:hlinkClr xmlns:ahyp="http://schemas.microsoft.com/office/drawing/2018/hyperlinkcolor" val="tx"/>
+                    </a:ext>
+                  </a:extLst>
+                </a:hlinkClick>
+              </a:rPr>
+              <a:t>@AustinLangChain</a:t>
+            </a:r>
+            <a:r>
+              <a:rPr lang="en" sz="1400">
+                <a:solidFill>
+                  <a:schemeClr val="lt1"/>
+                </a:solidFill>
+              </a:rPr>
+              <a:t> – Latest updates and AI news.</a:t>
+            </a:r>
+            <a:endParaRPr sz="1400">
+              <a:solidFill>
+                <a:schemeClr val="lt1"/>
+              </a:solidFill>
+            </a:endParaRPr>
+          </a:p>
+          <a:p>
+            <a:pPr marL="0" lvl="0" indent="0" algn="l" rtl="0">
+              <a:spcBef>
+                <a:spcPts val="1200"/>
+              </a:spcBef>
+              <a:spcAft>
+                <a:spcPts val="0"/>
+              </a:spcAft>
+              <a:buClr>
+                <a:schemeClr val="dk1"/>
+              </a:buClr>
+              <a:buSzPts val="1100"/>
+              <a:buFont typeface="Arial"/>
+              <a:buNone/>
+            </a:pPr>
+            <a:r>
+              <a:rPr lang="en" sz="1400" b="1">
+                <a:solidFill>
+                  <a:schemeClr val="lt1"/>
+                </a:solidFill>
+              </a:rPr>
+              <a:t>YouTube:</a:t>
+            </a:r>
+            <a:r>
+              <a:rPr lang="en" sz="1400">
+                <a:solidFill>
+                  <a:schemeClr val="lt1"/>
+                </a:solidFill>
+                <a:uFill>
+                  <a:noFill/>
+                </a:uFill>
+                <a:hlinkClick r:id="rId9">
+                  <a:extLst>
+                    <a:ext uri="{A12FA001-AC4F-418D-AE19-62706E023703}">
+                      <ahyp:hlinkClr xmlns:ahyp="http://schemas.microsoft.com/office/drawing/2018/hyperlinkcolor" val="tx"/>
+                    </a:ext>
+                  </a:extLst>
+                </a:hlinkClick>
+              </a:rPr>
+              <a:t> </a:t>
+            </a:r>
+            <a:r>
+              <a:rPr lang="en" sz="1400" u="sng">
+                <a:solidFill>
+                  <a:schemeClr val="lt1"/>
+                </a:solidFill>
+                <a:hlinkClick r:id="rId9">
+                  <a:extLst>
+                    <a:ext uri="{A12FA001-AC4F-418D-AE19-62706E023703}">
+                      <ahyp:hlinkClr xmlns:ahyp="http://schemas.microsoft.com/office/drawing/2018/hyperlinkcolor" val="tx"/>
+                    </a:ext>
+                  </a:extLst>
+                </a:hlinkClick>
+              </a:rPr>
+              <a:t>Austin LangChain Channel</a:t>
+            </a:r>
+            <a:r>
+              <a:rPr lang="en" sz="1400">
+                <a:solidFill>
+                  <a:schemeClr val="lt1"/>
+                </a:solidFill>
+              </a:rPr>
+              <a:t> – Watch replays and tutorials.</a:t>
+            </a:r>
+            <a:endParaRPr sz="1400">
+              <a:solidFill>
+                <a:schemeClr val="lt1"/>
+              </a:solidFill>
+            </a:endParaRPr>
+          </a:p>
+          <a:p>
+            <a:pPr marL="0" lvl="0" indent="0" algn="l" rtl="0">
+              <a:spcBef>
+                <a:spcPts val="1200"/>
+              </a:spcBef>
+              <a:spcAft>
+                <a:spcPts val="1200"/>
+              </a:spcAft>
+              <a:buNone/>
+            </a:pPr>
+            <a:endParaRPr sz="1400">
+              <a:solidFill>
+                <a:schemeClr val="lt1"/>
+              </a:solidFill>
+            </a:endParaRPr>
+          </a:p>
+        </p:txBody>
+      </p:sp>
+      <p:pic>
+        <p:nvPicPr>
+          <p:cNvPr id="75" name="Google Shape;75;p16"/>
+          <p:cNvPicPr preferRelativeResize="0"/>
+          <p:nvPr/>
+        </p:nvPicPr>
+        <p:blipFill>
+          <a:blip r:embed="rId10">
+            <a:alphaModFix/>
+          </a:blip>
+          <a:stretch>
+            <a:fillRect/>
+          </a:stretch>
+        </p:blipFill>
+        <p:spPr>
+          <a:xfrm>
+            <a:off x="8160675" y="169650"/>
+            <a:ext cx="880124" cy="882824"/>
+          </a:xfrm>
+          <a:prstGeom prst="rect">
+            <a:avLst/>
+          </a:prstGeom>
+          <a:noFill/>
+          <a:ln>
+            <a:noFill/>
+          </a:ln>
+        </p:spPr>
+      </p:pic>
+    </p:spTree>
+  </p:cSld>
+  <p:clrMapOvr>
+    <a:masterClrMapping/>
+  </p:clrMapOvr>
+</p:sld>
+</file>
+
+<file path=ppt/slides/slide6.xml><?xml version="1.0" encoding="utf-8"?>
+<p:sld xmlns:a="http://schemas.openxmlformats.org/drawingml/2006/main" xmlns:r="http://schemas.openxmlformats.org/officeDocument/2006/relationships" xmlns:p="http://schemas.openxmlformats.org/presentationml/2006/main">
+  <p:cSld>
+    <p:bg>
+      <p:bgPr>
+        <a:blipFill>
+          <a:blip r:embed="rId3">
+            <a:alphaModFix/>
+          </a:blip>
+          <a:stretch>
+            <a:fillRect/>
+          </a:stretch>
+        </a:blipFill>
+        <a:effectLst/>
+      </p:bgPr>
+    </p:bg>
+    <p:spTree>
+      <p:nvGrpSpPr>
+        <p:cNvPr id="1" name="Shape 86"/>
         <p:cNvGrpSpPr/>
         <p:nvPr/>
       </p:nvGrpSpPr>
@@ -7653,7 +7878,9 @@
       <p:sp>
         <p:nvSpPr>
           <p:cNvPr id="87" name="Google Shape;87;p18"/>
-          <p:cNvSpPr txBox="1"/>
+          <p:cNvSpPr txBox="1">
+            <a:spLocks noGrp="1"/>
+          </p:cNvSpPr>
           <p:nvPr>
             <p:ph type="title"/>
           </p:nvPr>
@@ -7668,12 +7895,12 @@
           </a:prstGeom>
         </p:spPr>
         <p:txBody>
-          <a:bodyPr anchorCtr="0" anchor="t" bIns="91425" lIns="91425" spcFirstLastPara="1" rIns="91425" wrap="square" tIns="91425">
+          <a:bodyPr spcFirstLastPara="1" wrap="square" lIns="91425" tIns="91425" rIns="91425" bIns="91425" anchor="t" anchorCtr="0">
             <a:normAutofit fontScale="90000"/>
           </a:bodyPr>
           <a:lstStyle/>
           <a:p>
-            <a:pPr indent="0" lvl="0" marL="0" rtl="0" algn="l">
+            <a:pPr marL="0" lvl="0" indent="0" algn="l" rtl="0">
               <a:spcBef>
                 <a:spcPts val="0"/>
               </a:spcBef>
@@ -7701,9 +7928,11 @@
       <p:sp>
         <p:nvSpPr>
           <p:cNvPr id="88" name="Google Shape;88;p18"/>
-          <p:cNvSpPr txBox="1"/>
+          <p:cNvSpPr txBox="1">
+            <a:spLocks noGrp="1"/>
+          </p:cNvSpPr>
           <p:nvPr>
-            <p:ph idx="1" type="body"/>
+            <p:ph type="body" idx="1"/>
           </p:nvPr>
         </p:nvSpPr>
         <p:spPr>
@@ -7716,12 +7945,12 @@
           </a:prstGeom>
         </p:spPr>
         <p:txBody>
-          <a:bodyPr anchorCtr="0" anchor="t" bIns="91425" lIns="91425" spcFirstLastPara="1" rIns="91425" wrap="square" tIns="91425">
+          <a:bodyPr spcFirstLastPara="1" wrap="square" lIns="91425" tIns="91425" rIns="91425" bIns="91425" anchor="t" anchorCtr="0">
             <a:normAutofit/>
           </a:bodyPr>
           <a:lstStyle/>
           <a:p>
-            <a:pPr indent="0" lvl="0" marL="0" rtl="0" algn="l">
+            <a:pPr marL="0" lvl="0" indent="0" algn="l" rtl="0">
               <a:spcBef>
                 <a:spcPts val="0"/>
               </a:spcBef>
@@ -7736,7 +7965,7 @@
               <a:buNone/>
             </a:pPr>
             <a:r>
-              <a:rPr b="1" lang="en" sz="1400">
+              <a:rPr lang="en" sz="1400" b="1" dirty="0">
                 <a:solidFill>
                   <a:srgbClr val="F6F7F8"/>
                 </a:solidFill>
@@ -7744,21 +7973,21 @@
               <a:t>Low-Stress, Collaborative Environment:</a:t>
             </a:r>
             <a:r>
-              <a:rPr lang="en" sz="1400">
+              <a:rPr lang="en" sz="1400" dirty="0">
                 <a:solidFill>
                   <a:srgbClr val="F6F7F8"/>
                 </a:solidFill>
               </a:rPr>
               <a:t> We welcome questions, ideas, and collaboration.</a:t>
             </a:r>
-            <a:endParaRPr sz="1400">
+            <a:endParaRPr sz="1400" dirty="0">
               <a:solidFill>
                 <a:srgbClr val="F6F7F8"/>
               </a:solidFill>
             </a:endParaRPr>
           </a:p>
           <a:p>
-            <a:pPr indent="0" lvl="0" marL="0" rtl="0" algn="l">
+            <a:pPr marL="0" lvl="0" indent="0" algn="l" rtl="0">
               <a:spcBef>
                 <a:spcPts val="1200"/>
               </a:spcBef>
@@ -7773,7 +8002,7 @@
               <a:buNone/>
             </a:pPr>
             <a:r>
-              <a:rPr b="1" lang="en" sz="1400">
+              <a:rPr lang="en" sz="1400" b="1" dirty="0">
                 <a:solidFill>
                   <a:srgbClr val="F6F7F8"/>
                 </a:solidFill>
@@ -7781,21 +8010,21 @@
               <a:t>Connect with AI Enthusiasts &amp; Early Adopters:</a:t>
             </a:r>
             <a:r>
-              <a:rPr lang="en" sz="1400">
+              <a:rPr lang="en" sz="1400" dirty="0">
                 <a:solidFill>
                   <a:srgbClr val="F6F7F8"/>
                 </a:solidFill>
               </a:rPr>
               <a:t> Find mentors, partners, or friends who share a passion for AI.</a:t>
             </a:r>
-            <a:endParaRPr sz="1400">
+            <a:endParaRPr sz="1400" dirty="0">
               <a:solidFill>
                 <a:srgbClr val="F6F7F8"/>
               </a:solidFill>
             </a:endParaRPr>
           </a:p>
           <a:p>
-            <a:pPr indent="0" lvl="0" marL="0" rtl="0" algn="l">
+            <a:pPr marL="0" lvl="0" indent="0" algn="l" rtl="0">
               <a:spcBef>
                 <a:spcPts val="1200"/>
               </a:spcBef>
@@ -7810,7 +8039,7 @@
               <a:buNone/>
             </a:pPr>
             <a:r>
-              <a:rPr b="1" lang="en" sz="1400">
+              <a:rPr lang="en" sz="1400" b="1" dirty="0">
                 <a:solidFill>
                   <a:srgbClr val="F6F7F8"/>
                 </a:solidFill>
@@ -7818,7 +8047,7 @@
               <a:t>Our Motto:</a:t>
             </a:r>
             <a:r>
-              <a:rPr lang="en" sz="1400">
+              <a:rPr lang="en" sz="1400" dirty="0">
                 <a:solidFill>
                   <a:srgbClr val="F6F7F8"/>
                 </a:solidFill>
@@ -7826,7 +8055,7 @@
               <a:t> </a:t>
             </a:r>
             <a:r>
-              <a:rPr b="1" lang="en" sz="1400">
+              <a:rPr lang="en" sz="1400" b="1" dirty="0">
                 <a:solidFill>
                   <a:srgbClr val="F6F7F8"/>
                 </a:solidFill>
@@ -7834,21 +8063,21 @@
               <a:t>Learn, Share, Grow</a:t>
             </a:r>
             <a:r>
-              <a:rPr lang="en" sz="1400">
+              <a:rPr lang="en" sz="1400" dirty="0">
                 <a:solidFill>
                   <a:srgbClr val="F6F7F8"/>
                 </a:solidFill>
               </a:rPr>
               <a:t> – Together, we’re advancing the AI landscape.</a:t>
             </a:r>
-            <a:endParaRPr sz="1400">
+            <a:endParaRPr sz="1400" dirty="0">
               <a:solidFill>
                 <a:srgbClr val="F6F7F8"/>
               </a:solidFill>
             </a:endParaRPr>
           </a:p>
           <a:p>
-            <a:pPr indent="0" lvl="0" marL="0" rtl="0" algn="l">
+            <a:pPr marL="0" lvl="0" indent="0" algn="l" rtl="0">
               <a:spcBef>
                 <a:spcPts val="1200"/>
               </a:spcBef>
@@ -7857,10 +8086,7 @@
               </a:spcAft>
               <a:buNone/>
             </a:pPr>
-            <a:r>
-              <a:t/>
-            </a:r>
-            <a:endParaRPr sz="1400">
+            <a:endParaRPr sz="1400" dirty="0">
               <a:solidFill>
                 <a:srgbClr val="F6F7F8"/>
               </a:solidFill>
@@ -7905,7 +8131,7 @@
 </file>
 
 <file path=ppt/slides/slide7.xml><?xml version="1.0" encoding="utf-8"?>
-<p:sld xmlns:a="http://schemas.openxmlformats.org/drawingml/2006/main" xmlns:r="http://schemas.openxmlformats.org/officeDocument/2006/relationships" xmlns:mc="http://schemas.openxmlformats.org/markup-compatibility/2006" xmlns:mv="urn:schemas-microsoft-com:mac:vml" xmlns:p="http://schemas.openxmlformats.org/presentationml/2006/main" xmlns:c="http://schemas.openxmlformats.org/drawingml/2006/chart" xmlns:dgm="http://schemas.openxmlformats.org/drawingml/2006/diagram" xmlns:o="urn:schemas-microsoft-com:office:office" xmlns:v="urn:schemas-microsoft-com:vml" xmlns:pvml="urn:schemas-microsoft-com:office:powerpoint" xmlns:com="http://schemas.openxmlformats.org/drawingml/2006/compatibility" xmlns:p14="http://schemas.microsoft.com/office/powerpoint/2010/main" xmlns:p15="http://schemas.microsoft.com/office/powerpoint/2012/main" xmlns:ahyp="http://schemas.microsoft.com/office/drawing/2018/hyperlinkcolor">
+<p:sld xmlns:a="http://schemas.openxmlformats.org/drawingml/2006/main" xmlns:r="http://schemas.openxmlformats.org/officeDocument/2006/relationships" xmlns:p="http://schemas.openxmlformats.org/presentationml/2006/main">
   <p:cSld>
     <p:bg>
       <p:bgPr>
@@ -7917,241 +8143,12 @@
             <a:fillRect/>
           </a:stretch>
         </a:blipFill>
+        <a:effectLst/>
       </p:bgPr>
     </p:bg>
     <p:spTree>
       <p:nvGrpSpPr>
-        <p:cNvPr id="93" name="Shape 93"/>
-        <p:cNvGrpSpPr/>
-        <p:nvPr/>
-      </p:nvGrpSpPr>
-      <p:grpSpPr>
-        <a:xfrm>
-          <a:off x="0" y="0"/>
-          <a:ext cx="0" cy="0"/>
-          <a:chOff x="0" y="0"/>
-          <a:chExt cx="0" cy="0"/>
-        </a:xfrm>
-      </p:grpSpPr>
-      <p:sp>
-        <p:nvSpPr>
-          <p:cNvPr id="94" name="Google Shape;94;p19"/>
-          <p:cNvSpPr txBox="1"/>
-          <p:nvPr>
-            <p:ph type="title"/>
-          </p:nvPr>
-        </p:nvSpPr>
-        <p:spPr>
-          <a:xfrm>
-            <a:off x="311700" y="445025"/>
-            <a:ext cx="8520600" cy="572700"/>
-          </a:xfrm>
-          <a:prstGeom prst="rect">
-            <a:avLst/>
-          </a:prstGeom>
-        </p:spPr>
-        <p:txBody>
-          <a:bodyPr anchorCtr="0" anchor="t" bIns="91425" lIns="91425" spcFirstLastPara="1" rIns="91425" wrap="square" tIns="91425">
-            <a:normAutofit fontScale="90000"/>
-          </a:bodyPr>
-          <a:lstStyle/>
-          <a:p>
-            <a:pPr indent="0" lvl="0" marL="0" rtl="0" algn="l">
-              <a:spcBef>
-                <a:spcPts val="0"/>
-              </a:spcBef>
-              <a:spcAft>
-                <a:spcPts val="0"/>
-              </a:spcAft>
-              <a:buNone/>
-            </a:pPr>
-            <a:r>
-              <a:rPr lang="en">
-                <a:solidFill>
-                  <a:srgbClr val="F6F7F8"/>
-                </a:solidFill>
-              </a:rPr>
-              <a:t> Code of Conduct – "Be Cool to Each Other" ✌️</a:t>
-            </a:r>
-            <a:endParaRPr>
-              <a:solidFill>
-                <a:srgbClr val="F6F7F8"/>
-              </a:solidFill>
-            </a:endParaRPr>
-          </a:p>
-        </p:txBody>
-      </p:sp>
-      <p:sp>
-        <p:nvSpPr>
-          <p:cNvPr id="95" name="Google Shape;95;p19"/>
-          <p:cNvSpPr txBox="1"/>
-          <p:nvPr>
-            <p:ph idx="1" type="body"/>
-          </p:nvPr>
-        </p:nvSpPr>
-        <p:spPr>
-          <a:xfrm>
-            <a:off x="311700" y="1152475"/>
-            <a:ext cx="5169900" cy="3416400"/>
-          </a:xfrm>
-          <a:prstGeom prst="rect">
-            <a:avLst/>
-          </a:prstGeom>
-        </p:spPr>
-        <p:txBody>
-          <a:bodyPr anchorCtr="0" anchor="t" bIns="91425" lIns="91425" spcFirstLastPara="1" rIns="91425" wrap="square" tIns="91425">
-            <a:normAutofit/>
-          </a:bodyPr>
-          <a:lstStyle/>
-          <a:p>
-            <a:pPr indent="0" lvl="0" marL="0" rtl="0" algn="l">
-              <a:spcBef>
-                <a:spcPts val="0"/>
-              </a:spcBef>
-              <a:spcAft>
-                <a:spcPts val="0"/>
-              </a:spcAft>
-              <a:buClr>
-                <a:schemeClr val="dk1"/>
-              </a:buClr>
-              <a:buSzPts val="1100"/>
-              <a:buFont typeface="Arial"/>
-              <a:buNone/>
-            </a:pPr>
-            <a:r>
-              <a:rPr b="1" lang="en" sz="1400">
-                <a:solidFill>
-                  <a:srgbClr val="F6F7F8"/>
-                </a:solidFill>
-              </a:rPr>
-              <a:t>Respect &amp; Inclusivity:</a:t>
-            </a:r>
-            <a:r>
-              <a:rPr lang="en" sz="1400">
-                <a:solidFill>
-                  <a:srgbClr val="F6F7F8"/>
-                </a:solidFill>
-              </a:rPr>
-              <a:t> Our only rule is simple: “Be cool to each other, don’t be gross.”</a:t>
-            </a:r>
-            <a:endParaRPr sz="1400">
-              <a:solidFill>
-                <a:srgbClr val="F6F7F8"/>
-              </a:solidFill>
-            </a:endParaRPr>
-          </a:p>
-          <a:p>
-            <a:pPr indent="0" lvl="0" marL="0" rtl="0" algn="l">
-              <a:spcBef>
-                <a:spcPts val="1200"/>
-              </a:spcBef>
-              <a:spcAft>
-                <a:spcPts val="0"/>
-              </a:spcAft>
-              <a:buClr>
-                <a:schemeClr val="dk1"/>
-              </a:buClr>
-              <a:buSzPts val="1100"/>
-              <a:buFont typeface="Arial"/>
-              <a:buNone/>
-            </a:pPr>
-            <a:r>
-              <a:rPr b="1" lang="en" sz="1400">
-                <a:solidFill>
-                  <a:srgbClr val="F6F7F8"/>
-                </a:solidFill>
-              </a:rPr>
-              <a:t>AI Enthusiasts of All Levels Welcome:</a:t>
-            </a:r>
-            <a:r>
-              <a:rPr lang="en" sz="1400">
-                <a:solidFill>
-                  <a:srgbClr val="F6F7F8"/>
-                </a:solidFill>
-              </a:rPr>
-              <a:t> We celebrate diverse perspectives and unique paths in AI.</a:t>
-            </a:r>
-            <a:endParaRPr sz="1400">
-              <a:solidFill>
-                <a:srgbClr val="F6F7F8"/>
-              </a:solidFill>
-            </a:endParaRPr>
-          </a:p>
-          <a:p>
-            <a:pPr indent="0" lvl="0" marL="0" rtl="0" algn="l">
-              <a:spcBef>
-                <a:spcPts val="1200"/>
-              </a:spcBef>
-              <a:spcAft>
-                <a:spcPts val="1200"/>
-              </a:spcAft>
-              <a:buNone/>
-            </a:pPr>
-            <a:r>
-              <a:t/>
-            </a:r>
-            <a:endParaRPr sz="1400">
-              <a:solidFill>
-                <a:srgbClr val="F6F7F8"/>
-              </a:solidFill>
-            </a:endParaRPr>
-          </a:p>
-        </p:txBody>
-      </p:sp>
-      <p:pic>
-        <p:nvPicPr>
-          <p:cNvPr id="96" name="Google Shape;96;p19"/>
-          <p:cNvPicPr preferRelativeResize="0"/>
-          <p:nvPr/>
-        </p:nvPicPr>
-        <p:blipFill>
-          <a:blip r:embed="rId4">
-            <a:alphaModFix/>
-          </a:blip>
-          <a:stretch>
-            <a:fillRect/>
-          </a:stretch>
-        </p:blipFill>
-        <p:spPr>
-          <a:xfrm>
-            <a:off x="8160675" y="169650"/>
-            <a:ext cx="880124" cy="882824"/>
-          </a:xfrm>
-          <a:prstGeom prst="rect">
-            <a:avLst/>
-          </a:prstGeom>
-          <a:noFill/>
-          <a:ln>
-            <a:noFill/>
-          </a:ln>
-        </p:spPr>
-      </p:pic>
-    </p:spTree>
-  </p:cSld>
-  <p:clrMapOvr>
-    <a:masterClrMapping/>
-  </p:clrMapOvr>
-</p:sld>
-</file>
-
-<file path=ppt/slides/slide8.xml><?xml version="1.0" encoding="utf-8"?>
-<p:sld xmlns:a="http://schemas.openxmlformats.org/drawingml/2006/main" xmlns:r="http://schemas.openxmlformats.org/officeDocument/2006/relationships" xmlns:mc="http://schemas.openxmlformats.org/markup-compatibility/2006" xmlns:mv="urn:schemas-microsoft-com:mac:vml" xmlns:p="http://schemas.openxmlformats.org/presentationml/2006/main" xmlns:c="http://schemas.openxmlformats.org/drawingml/2006/chart" xmlns:dgm="http://schemas.openxmlformats.org/drawingml/2006/diagram" xmlns:o="urn:schemas-microsoft-com:office:office" xmlns:v="urn:schemas-microsoft-com:vml" xmlns:pvml="urn:schemas-microsoft-com:office:powerpoint" xmlns:com="http://schemas.openxmlformats.org/drawingml/2006/compatibility" xmlns:p14="http://schemas.microsoft.com/office/powerpoint/2010/main" xmlns:p15="http://schemas.microsoft.com/office/powerpoint/2012/main" xmlns:ahyp="http://schemas.microsoft.com/office/drawing/2018/hyperlinkcolor">
-  <p:cSld>
-    <p:bg>
-      <p:bgPr>
-        <a:blipFill>
-          <a:blip r:embed="rId3">
-            <a:alphaModFix/>
-          </a:blip>
-          <a:stretch>
-            <a:fillRect/>
-          </a:stretch>
-        </a:blipFill>
-      </p:bgPr>
-    </p:bg>
-    <p:spTree>
-      <p:nvGrpSpPr>
-        <p:cNvPr id="100" name="Shape 100"/>
+        <p:cNvPr id="1" name="Shape 100"/>
         <p:cNvGrpSpPr/>
         <p:nvPr/>
       </p:nvGrpSpPr>
@@ -8200,7 +8197,7 @@
 </file>
 
 <file path=ppt/theme/theme1.xml><?xml version="1.0" encoding="utf-8"?>
-<a:theme xmlns:a="http://schemas.openxmlformats.org/drawingml/2006/main" xmlns:r="http://schemas.openxmlformats.org/officeDocument/2006/relationships" name="Simple Light">
+<a:theme xmlns:a="http://schemas.openxmlformats.org/drawingml/2006/main" name="Simple Light">
   <a:themeElements>
     <a:clrScheme name="Simple Light">
       <a:dk1>
@@ -8475,11 +8472,13 @@
       </a:bgFillStyleLst>
     </a:fmtScheme>
   </a:themeElements>
+  <a:objectDefaults/>
+  <a:extraClrSchemeLst/>
 </a:theme>
 </file>
 
 <file path=ppt/theme/theme2.xml><?xml version="1.0" encoding="utf-8"?>
-<a:theme xmlns:a="http://schemas.openxmlformats.org/drawingml/2006/main" xmlns:r="http://schemas.openxmlformats.org/officeDocument/2006/relationships">
+<a:theme xmlns:a="http://schemas.openxmlformats.org/drawingml/2006/main">
   <a:themeElements>
     <a:clrScheme name="Default">
       <a:dk1>
@@ -8754,5 +8753,7 @@
       </a:bgFillStyleLst>
     </a:fmtScheme>
   </a:themeElements>
+  <a:objectDefaults/>
+  <a:extraClrSchemeLst/>
 </a:theme>
 </file>